--- a/00_presentation/2026/azureTimes190/AzureTimes_190.pptx
+++ b/00_presentation/2026/azureTimes190/AzureTimes_190.pptx
@@ -5,29 +5,35 @@
     <p:sldMasterId id="2147483812" r:id="rId4"/>
   </p:sldMasterIdLst>
   <p:notesMasterIdLst>
-    <p:notesMasterId r:id="rId22"/>
+    <p:notesMasterId r:id="rId28"/>
   </p:notesMasterIdLst>
   <p:handoutMasterIdLst>
-    <p:handoutMasterId r:id="rId23"/>
+    <p:handoutMasterId r:id="rId29"/>
   </p:handoutMasterIdLst>
   <p:sldIdLst>
     <p:sldId id="2142532340" r:id="rId5"/>
-    <p:sldId id="2146847046" r:id="rId6"/>
-    <p:sldId id="2146847089" r:id="rId7"/>
-    <p:sldId id="2146847130" r:id="rId8"/>
-    <p:sldId id="2146847048" r:id="rId9"/>
-    <p:sldId id="2146847049" r:id="rId10"/>
-    <p:sldId id="2146847050" r:id="rId11"/>
-    <p:sldId id="2146847096" r:id="rId12"/>
-    <p:sldId id="2146847135" r:id="rId13"/>
-    <p:sldId id="2146847052" r:id="rId14"/>
-    <p:sldId id="2146847100" r:id="rId15"/>
-    <p:sldId id="2146847137" r:id="rId16"/>
-    <p:sldId id="2146847056" r:id="rId17"/>
-    <p:sldId id="2146847107" r:id="rId18"/>
-    <p:sldId id="2146847085" r:id="rId19"/>
-    <p:sldId id="2146847084" r:id="rId20"/>
-    <p:sldId id="2146847064" r:id="rId21"/>
+    <p:sldId id="2146847145" r:id="rId6"/>
+    <p:sldId id="2146847146" r:id="rId7"/>
+    <p:sldId id="2146847046" r:id="rId8"/>
+    <p:sldId id="2146847089" r:id="rId9"/>
+    <p:sldId id="2146847130" r:id="rId10"/>
+    <p:sldId id="2146847048" r:id="rId11"/>
+    <p:sldId id="2146847049" r:id="rId12"/>
+    <p:sldId id="2146847050" r:id="rId13"/>
+    <p:sldId id="2146847096" r:id="rId14"/>
+    <p:sldId id="2146847135" r:id="rId15"/>
+    <p:sldId id="2146847147" r:id="rId16"/>
+    <p:sldId id="2146847052" r:id="rId17"/>
+    <p:sldId id="2146847100" r:id="rId18"/>
+    <p:sldId id="2146847137" r:id="rId19"/>
+    <p:sldId id="2146847144" r:id="rId20"/>
+    <p:sldId id="2146847056" r:id="rId21"/>
+    <p:sldId id="2146847107" r:id="rId22"/>
+    <p:sldId id="2146847119" r:id="rId23"/>
+    <p:sldId id="2146847143" r:id="rId24"/>
+    <p:sldId id="2146847085" r:id="rId25"/>
+    <p:sldId id="2146847084" r:id="rId26"/>
+    <p:sldId id="2146847064" r:id="rId27"/>
   </p:sldIdLst>
   <p:sldSz cx="9144000" cy="5143500" type="screen16x9"/>
   <p:notesSz cx="6858000" cy="9144000"/>
@@ -135,7 +141,10 @@
           </p14:sldIdLst>
         </p14:section>
         <p14:section name="Networking" id="{8B3AEA99-85F7-477B-B976-48DC47AA1A88}">
-          <p14:sldIdLst/>
+          <p14:sldIdLst>
+            <p14:sldId id="2146847145"/>
+            <p14:sldId id="2146847146"/>
+          </p14:sldIdLst>
         </p14:section>
         <p14:section name="Security &amp; Identity" id="{1AA42572-B3BD-44F7-813B-C2C647DDBB3C}">
           <p14:sldIdLst>
@@ -155,6 +164,7 @@
             <p14:sldId id="2146847050"/>
             <p14:sldId id="2146847096"/>
             <p14:sldId id="2146847135"/>
+            <p14:sldId id="2146847147"/>
           </p14:sldIdLst>
         </p14:section>
         <p14:section name="Storage &amp; Data" id="{1F159046-CE0A-45BC-9D5B-6E6C95980F78}">
@@ -162,6 +172,7 @@
             <p14:sldId id="2146847052"/>
             <p14:sldId id="2146847100"/>
             <p14:sldId id="2146847137"/>
+            <p14:sldId id="2146847144"/>
           </p14:sldIdLst>
         </p14:section>
         <p14:section name="Databases" id="{AEAFAE72-AD56-48F3-926B-38BAE269038F}">
@@ -174,7 +185,10 @@
           </p14:sldIdLst>
         </p14:section>
         <p14:section name="ML &amp; AI &amp; IOT" id="{F4E1EAF1-55E9-4CA4-8ADC-28B69C1D66D2}">
-          <p14:sldIdLst/>
+          <p14:sldIdLst>
+            <p14:sldId id="2146847119"/>
+            <p14:sldId id="2146847143"/>
+          </p14:sldIdLst>
         </p14:section>
         <p14:section name="Miscellaneous" id="{A1456D7A-93BE-4023-90AA-7269D2F177BA}">
           <p14:sldIdLst/>
@@ -374,7 +388,7 @@
           <a:p>
             <a:fld id="{3FDC14FC-A894-4869-A797-1EC82735D106}" type="datetimeFigureOut">
               <a:rPr lang="en-US" smtClean="0"/>
-              <a:t>1/16/2026</a:t>
+              <a:t>1/23/2026</a:t>
             </a:fld>
             <a:endParaRPr lang="en-US"/>
           </a:p>
@@ -539,7 +553,7 @@
           <a:p>
             <a:fld id="{B4F99C05-63F9-4248-8E20-3ACD9DF9DE7F}" type="datetimeFigureOut">
               <a:rPr lang="en-US" smtClean="0"/>
-              <a:t>1/16/2026</a:t>
+              <a:t>1/23/2026</a:t>
             </a:fld>
             <a:endParaRPr lang="en-US"/>
           </a:p>
@@ -3450,7 +3464,15 @@
           <a:p>
             <a:r>
               <a:rPr lang="en-US" spc="300" dirty="0"/>
-              <a:t>January 19, 2026</a:t>
+              <a:t>January </a:t>
+            </a:r>
+            <a:r>
+              <a:rPr lang="ru-RU" spc="300" dirty="0"/>
+              <a:t>26</a:t>
+            </a:r>
+            <a:r>
+              <a:rPr lang="en-US" spc="300" dirty="0"/>
+              <a:t>, 2026</a:t>
             </a:r>
           </a:p>
         </p:txBody>
@@ -3512,2864 +3534,6 @@
 </file>
 
 <file path=ppt/slides/slide10.xml><?xml version="1.0" encoding="utf-8"?>
-<p:sld xmlns:a="http://schemas.openxmlformats.org/drawingml/2006/main" xmlns:r="http://schemas.openxmlformats.org/officeDocument/2006/relationships" xmlns:p="http://schemas.openxmlformats.org/presentationml/2006/main" showMasterSp="0">
-  <p:cSld>
-    <p:spTree>
-      <p:nvGrpSpPr>
-        <p:cNvPr id="1" name=""/>
-        <p:cNvGrpSpPr/>
-        <p:nvPr/>
-      </p:nvGrpSpPr>
-      <p:grpSpPr>
-        <a:xfrm>
-          <a:off x="0" y="0"/>
-          <a:ext cx="0" cy="0"/>
-          <a:chOff x="0" y="0"/>
-          <a:chExt cx="0" cy="0"/>
-        </a:xfrm>
-      </p:grpSpPr>
-      <p:sp>
-        <p:nvSpPr>
-          <p:cNvPr id="4" name="Text Placeholder 3">
-            <a:extLst>
-              <a:ext uri="{FF2B5EF4-FFF2-40B4-BE49-F238E27FC236}">
-                <a16:creationId xmlns:a16="http://schemas.microsoft.com/office/drawing/2014/main" id="{17F39168-7046-60A5-1EEA-8D2B5EAAE24F}"/>
-              </a:ext>
-            </a:extLst>
-          </p:cNvPr>
-          <p:cNvSpPr>
-            <a:spLocks noGrp="1"/>
-          </p:cNvSpPr>
-          <p:nvPr>
-            <p:ph type="body" sz="quarter" idx="13"/>
-          </p:nvPr>
-        </p:nvSpPr>
-        <p:spPr/>
-        <p:txBody>
-          <a:bodyPr/>
-          <a:lstStyle/>
-          <a:p>
-            <a:r>
-              <a:rPr lang="en-US" sz="4000" dirty="0"/>
-              <a:t>Storage &amp; Data</a:t>
-            </a:r>
-          </a:p>
-        </p:txBody>
-      </p:sp>
-    </p:spTree>
-    <p:extLst>
-      <p:ext uri="{BB962C8B-B14F-4D97-AF65-F5344CB8AC3E}">
-        <p14:creationId xmlns:p14="http://schemas.microsoft.com/office/powerpoint/2010/main" val="2188140750"/>
-      </p:ext>
-    </p:extLst>
-  </p:cSld>
-  <p:clrMapOvr>
-    <a:masterClrMapping/>
-  </p:clrMapOvr>
-</p:sld>
-</file>
-
-<file path=ppt/slides/slide11.xml><?xml version="1.0" encoding="utf-8"?>
-<p:sld xmlns:a="http://schemas.openxmlformats.org/drawingml/2006/main" xmlns:r="http://schemas.openxmlformats.org/officeDocument/2006/relationships" xmlns:p="http://schemas.openxmlformats.org/presentationml/2006/main" showMasterSp="0">
-  <p:cSld>
-    <p:spTree>
-      <p:nvGrpSpPr>
-        <p:cNvPr id="1" name=""/>
-        <p:cNvGrpSpPr/>
-        <p:nvPr/>
-      </p:nvGrpSpPr>
-      <p:grpSpPr>
-        <a:xfrm>
-          <a:off x="0" y="0"/>
-          <a:ext cx="0" cy="0"/>
-          <a:chOff x="0" y="0"/>
-          <a:chExt cx="0" cy="0"/>
-        </a:xfrm>
-      </p:grpSpPr>
-      <p:sp>
-        <p:nvSpPr>
-          <p:cNvPr id="12" name="Text Placeholder 11">
-            <a:extLst>
-              <a:ext uri="{FF2B5EF4-FFF2-40B4-BE49-F238E27FC236}">
-                <a16:creationId xmlns:a16="http://schemas.microsoft.com/office/drawing/2014/main" id="{F5D0A865-EAC9-D4DF-765C-2BBCA9EC1F5C}"/>
-              </a:ext>
-            </a:extLst>
-          </p:cNvPr>
-          <p:cNvSpPr>
-            <a:spLocks noGrp="1"/>
-          </p:cNvSpPr>
-          <p:nvPr>
-            <p:ph type="body" sz="quarter" idx="10"/>
-          </p:nvPr>
-        </p:nvSpPr>
-        <p:spPr/>
-        <p:txBody>
-          <a:bodyPr/>
-          <a:lstStyle/>
-          <a:p>
-            <a:endParaRPr lang="en-US" sz="1000" dirty="0"/>
-          </a:p>
-        </p:txBody>
-      </p:sp>
-      <p:sp>
-        <p:nvSpPr>
-          <p:cNvPr id="11" name="Title 10">
-            <a:extLst>
-              <a:ext uri="{FF2B5EF4-FFF2-40B4-BE49-F238E27FC236}">
-                <a16:creationId xmlns:a16="http://schemas.microsoft.com/office/drawing/2014/main" id="{0A19052D-1C06-3BF6-CD73-31098A5519FB}"/>
-              </a:ext>
-            </a:extLst>
-          </p:cNvPr>
-          <p:cNvSpPr>
-            <a:spLocks noGrp="1"/>
-          </p:cNvSpPr>
-          <p:nvPr>
-            <p:ph type="title"/>
-          </p:nvPr>
-        </p:nvSpPr>
-        <p:spPr/>
-        <p:txBody>
-          <a:bodyPr/>
-          <a:lstStyle/>
-          <a:p>
-            <a:r>
-              <a:rPr lang="en-US" sz="1800" dirty="0"/>
-              <a:t>Storage &amp; Data Updates</a:t>
-            </a:r>
-            <a:endParaRPr lang="en-US" dirty="0"/>
-          </a:p>
-        </p:txBody>
-      </p:sp>
-      <p:sp>
-        <p:nvSpPr>
-          <p:cNvPr id="13" name="Text Placeholder 12">
-            <a:extLst>
-              <a:ext uri="{FF2B5EF4-FFF2-40B4-BE49-F238E27FC236}">
-                <a16:creationId xmlns:a16="http://schemas.microsoft.com/office/drawing/2014/main" id="{AB83368C-23D2-63DD-1F2B-65AB8A48B236}"/>
-              </a:ext>
-            </a:extLst>
-          </p:cNvPr>
-          <p:cNvSpPr>
-            <a:spLocks noGrp="1"/>
-          </p:cNvSpPr>
-          <p:nvPr>
-            <p:ph type="body" sz="quarter" idx="15"/>
-          </p:nvPr>
-        </p:nvSpPr>
-        <p:spPr/>
-        <p:txBody>
-          <a:bodyPr/>
-          <a:lstStyle/>
-          <a:p>
-            <a:endParaRPr lang="en-US"/>
-          </a:p>
-        </p:txBody>
-      </p:sp>
-      <p:sp>
-        <p:nvSpPr>
-          <p:cNvPr id="14" name="Text Placeholder 13">
-            <a:extLst>
-              <a:ext uri="{FF2B5EF4-FFF2-40B4-BE49-F238E27FC236}">
-                <a16:creationId xmlns:a16="http://schemas.microsoft.com/office/drawing/2014/main" id="{1DF1A36F-4250-259D-24AE-F82FE69A7F7E}"/>
-              </a:ext>
-            </a:extLst>
-          </p:cNvPr>
-          <p:cNvSpPr>
-            <a:spLocks noGrp="1"/>
-          </p:cNvSpPr>
-          <p:nvPr>
-            <p:ph type="body" sz="quarter" idx="16"/>
-          </p:nvPr>
-        </p:nvSpPr>
-        <p:spPr/>
-        <p:txBody>
-          <a:bodyPr/>
-          <a:lstStyle/>
-          <a:p>
-            <a:pPr algn="just"/>
-            <a:r>
-              <a:rPr lang="en-US" dirty="0">
-                <a:hlinkClick r:id="rId2"/>
-              </a:rPr>
-              <a:t>Announcing Public Preview of User delegation SAS for Azure Tables, Azure Files, and Azure Queues</a:t>
-            </a:r>
-            <a:endParaRPr lang="en-US" dirty="0"/>
-          </a:p>
-          <a:p>
-            <a:pPr algn="just"/>
-            <a:r>
-              <a:rPr lang="en-US" dirty="0"/>
-              <a:t>User Delegation (UD) SAS is now available in public preview for Azure Tables, Azure Files, and Azure Queues across all public regions. Building on existing support for Azure Blobs, this enhancement allows SAS tokens to be securely tied to a user’s Microsoft Entra ID, rather than storage account keys.</a:t>
-            </a:r>
-          </a:p>
-          <a:p>
-            <a:pPr algn="just"/>
-            <a:r>
-              <a:rPr lang="en-US" dirty="0"/>
-              <a:t>With UD SAS, organizations can delegate limited, RBAC-controlled access via pre-authorized URLs, enabling finer-grained and more secure access to storage resources such as tables, entities, queues, messages, file shares, and individual files—without exposing account credentials.</a:t>
-            </a:r>
-          </a:p>
-          <a:p>
-            <a:pPr algn="just"/>
-            <a:endParaRPr lang="en-US" dirty="0"/>
-          </a:p>
-          <a:p>
-            <a:pPr algn="just"/>
-            <a:endParaRPr lang="en-US" dirty="0"/>
-          </a:p>
-        </p:txBody>
-      </p:sp>
-    </p:spTree>
-    <p:extLst>
-      <p:ext uri="{BB962C8B-B14F-4D97-AF65-F5344CB8AC3E}">
-        <p14:creationId xmlns:p14="http://schemas.microsoft.com/office/powerpoint/2010/main" val="3259403169"/>
-      </p:ext>
-    </p:extLst>
-  </p:cSld>
-  <p:clrMapOvr>
-    <a:masterClrMapping/>
-  </p:clrMapOvr>
-  <mc:AlternateContent xmlns:mc="http://schemas.openxmlformats.org/markup-compatibility/2006" xmlns:p14="http://schemas.microsoft.com/office/powerpoint/2010/main">
-    <mc:Choice Requires="p14">
-      <p:transition spd="med" p14:dur="700">
-        <p:fade/>
-      </p:transition>
-    </mc:Choice>
-    <mc:Fallback xmlns="">
-      <p:transition spd="med">
-        <p:fade/>
-      </p:transition>
-    </mc:Fallback>
-  </mc:AlternateContent>
-  <p:timing>
-    <p:tnLst>
-      <p:par>
-        <p:cTn id="1" dur="indefinite" restart="never" nodeType="tmRoot">
-          <p:childTnLst>
-            <p:seq concurrent="1" nextAc="seek">
-              <p:cTn id="2" dur="indefinite" nodeType="mainSeq">
-                <p:childTnLst>
-                  <p:par>
-                    <p:cTn id="3" fill="hold">
-                      <p:stCondLst>
-                        <p:cond delay="indefinite"/>
-                      </p:stCondLst>
-                      <p:childTnLst>
-                        <p:par>
-                          <p:cTn id="4" fill="hold">
-                            <p:stCondLst>
-                              <p:cond delay="0"/>
-                            </p:stCondLst>
-                            <p:childTnLst>
-                              <p:par>
-                                <p:cTn id="5" presetID="1" presetClass="entr" presetSubtype="0" fill="hold" nodeType="clickEffect">
-                                  <p:stCondLst>
-                                    <p:cond delay="0"/>
-                                  </p:stCondLst>
-                                  <p:childTnLst>
-                                    <p:set>
-                                      <p:cBhvr>
-                                        <p:cTn id="6" dur="1" fill="hold">
-                                          <p:stCondLst>
-                                            <p:cond delay="0"/>
-                                          </p:stCondLst>
-                                        </p:cTn>
-                                        <p:tgtEl>
-                                          <p:spTgt spid="14">
-                                            <p:txEl>
-                                              <p:pRg st="0" end="0"/>
-                                            </p:txEl>
-                                          </p:spTgt>
-                                        </p:tgtEl>
-                                        <p:attrNameLst>
-                                          <p:attrName>style.visibility</p:attrName>
-                                        </p:attrNameLst>
-                                      </p:cBhvr>
-                                      <p:to>
-                                        <p:strVal val="visible"/>
-                                      </p:to>
-                                    </p:set>
-                                  </p:childTnLst>
-                                </p:cTn>
-                              </p:par>
-                              <p:par>
-                                <p:cTn id="7" presetID="1" presetClass="entr" presetSubtype="0" fill="hold" nodeType="withEffect">
-                                  <p:stCondLst>
-                                    <p:cond delay="0"/>
-                                  </p:stCondLst>
-                                  <p:childTnLst>
-                                    <p:set>
-                                      <p:cBhvr>
-                                        <p:cTn id="8" dur="1" fill="hold">
-                                          <p:stCondLst>
-                                            <p:cond delay="0"/>
-                                          </p:stCondLst>
-                                        </p:cTn>
-                                        <p:tgtEl>
-                                          <p:spTgt spid="14">
-                                            <p:txEl>
-                                              <p:pRg st="1" end="1"/>
-                                            </p:txEl>
-                                          </p:spTgt>
-                                        </p:tgtEl>
-                                        <p:attrNameLst>
-                                          <p:attrName>style.visibility</p:attrName>
-                                        </p:attrNameLst>
-                                      </p:cBhvr>
-                                      <p:to>
-                                        <p:strVal val="visible"/>
-                                      </p:to>
-                                    </p:set>
-                                  </p:childTnLst>
-                                </p:cTn>
-                              </p:par>
-                              <p:par>
-                                <p:cTn id="9" presetID="1" presetClass="entr" presetSubtype="0" fill="hold" nodeType="withEffect">
-                                  <p:stCondLst>
-                                    <p:cond delay="0"/>
-                                  </p:stCondLst>
-                                  <p:childTnLst>
-                                    <p:set>
-                                      <p:cBhvr>
-                                        <p:cTn id="10" dur="1" fill="hold">
-                                          <p:stCondLst>
-                                            <p:cond delay="0"/>
-                                          </p:stCondLst>
-                                        </p:cTn>
-                                        <p:tgtEl>
-                                          <p:spTgt spid="14">
-                                            <p:txEl>
-                                              <p:pRg st="2" end="2"/>
-                                            </p:txEl>
-                                          </p:spTgt>
-                                        </p:tgtEl>
-                                        <p:attrNameLst>
-                                          <p:attrName>style.visibility</p:attrName>
-                                        </p:attrNameLst>
-                                      </p:cBhvr>
-                                      <p:to>
-                                        <p:strVal val="visible"/>
-                                      </p:to>
-                                    </p:set>
-                                  </p:childTnLst>
-                                </p:cTn>
-                              </p:par>
-                            </p:childTnLst>
-                          </p:cTn>
-                        </p:par>
-                      </p:childTnLst>
-                    </p:cTn>
-                  </p:par>
-                </p:childTnLst>
-              </p:cTn>
-              <p:prevCondLst>
-                <p:cond evt="onPrev" delay="0">
-                  <p:tgtEl>
-                    <p:sldTgt/>
-                  </p:tgtEl>
-                </p:cond>
-              </p:prevCondLst>
-              <p:nextCondLst>
-                <p:cond evt="onNext" delay="0">
-                  <p:tgtEl>
-                    <p:sldTgt/>
-                  </p:tgtEl>
-                </p:cond>
-              </p:nextCondLst>
-            </p:seq>
-          </p:childTnLst>
-        </p:cTn>
-      </p:par>
-    </p:tnLst>
-  </p:timing>
-</p:sld>
-</file>
-
-<file path=ppt/slides/slide12.xml><?xml version="1.0" encoding="utf-8"?>
-<p:sld xmlns:a="http://schemas.openxmlformats.org/drawingml/2006/main" xmlns:r="http://schemas.openxmlformats.org/officeDocument/2006/relationships" xmlns:p="http://schemas.openxmlformats.org/presentationml/2006/main">
-  <p:cSld>
-    <p:spTree>
-      <p:nvGrpSpPr>
-        <p:cNvPr id="1" name="">
-          <a:extLst>
-            <a:ext uri="{FF2B5EF4-FFF2-40B4-BE49-F238E27FC236}">
-              <a16:creationId xmlns:a16="http://schemas.microsoft.com/office/drawing/2014/main" id="{8C44BC30-BE9D-D666-D8EC-C477902CDD33}"/>
-            </a:ext>
-          </a:extLst>
-        </p:cNvPr>
-        <p:cNvGrpSpPr/>
-        <p:nvPr/>
-      </p:nvGrpSpPr>
-      <p:grpSpPr>
-        <a:xfrm>
-          <a:off x="0" y="0"/>
-          <a:ext cx="0" cy="0"/>
-          <a:chOff x="0" y="0"/>
-          <a:chExt cx="0" cy="0"/>
-        </a:xfrm>
-      </p:grpSpPr>
-      <p:sp>
-        <p:nvSpPr>
-          <p:cNvPr id="12" name="Text Placeholder 11">
-            <a:extLst>
-              <a:ext uri="{FF2B5EF4-FFF2-40B4-BE49-F238E27FC236}">
-                <a16:creationId xmlns:a16="http://schemas.microsoft.com/office/drawing/2014/main" id="{0089CA58-5DC8-3994-AD5C-78748D2555F0}"/>
-              </a:ext>
-            </a:extLst>
-          </p:cNvPr>
-          <p:cNvSpPr>
-            <a:spLocks noGrp="1"/>
-          </p:cNvSpPr>
-          <p:nvPr>
-            <p:ph type="body" sz="quarter" idx="10"/>
-          </p:nvPr>
-        </p:nvSpPr>
-        <p:spPr/>
-        <p:txBody>
-          <a:bodyPr/>
-          <a:lstStyle/>
-          <a:p>
-            <a:endParaRPr lang="en-US" sz="1000" dirty="0"/>
-          </a:p>
-        </p:txBody>
-      </p:sp>
-      <p:sp>
-        <p:nvSpPr>
-          <p:cNvPr id="11" name="Title 10">
-            <a:extLst>
-              <a:ext uri="{FF2B5EF4-FFF2-40B4-BE49-F238E27FC236}">
-                <a16:creationId xmlns:a16="http://schemas.microsoft.com/office/drawing/2014/main" id="{9338C940-1C5A-F159-79FA-059EBE1E77FE}"/>
-              </a:ext>
-            </a:extLst>
-          </p:cNvPr>
-          <p:cNvSpPr>
-            <a:spLocks noGrp="1"/>
-          </p:cNvSpPr>
-          <p:nvPr>
-            <p:ph type="title"/>
-          </p:nvPr>
-        </p:nvSpPr>
-        <p:spPr/>
-        <p:txBody>
-          <a:bodyPr/>
-          <a:lstStyle/>
-          <a:p>
-            <a:r>
-              <a:rPr lang="en-US" sz="1800" dirty="0"/>
-              <a:t>Storage &amp; Data Updates</a:t>
-            </a:r>
-            <a:endParaRPr lang="en-US" dirty="0"/>
-          </a:p>
-        </p:txBody>
-      </p:sp>
-      <p:sp>
-        <p:nvSpPr>
-          <p:cNvPr id="13" name="Text Placeholder 12">
-            <a:extLst>
-              <a:ext uri="{FF2B5EF4-FFF2-40B4-BE49-F238E27FC236}">
-                <a16:creationId xmlns:a16="http://schemas.microsoft.com/office/drawing/2014/main" id="{79819030-1C59-2813-CD9C-4D9347E3D500}"/>
-              </a:ext>
-            </a:extLst>
-          </p:cNvPr>
-          <p:cNvSpPr>
-            <a:spLocks noGrp="1"/>
-          </p:cNvSpPr>
-          <p:nvPr>
-            <p:ph type="body" sz="quarter" idx="15"/>
-          </p:nvPr>
-        </p:nvSpPr>
-        <p:spPr/>
-        <p:txBody>
-          <a:bodyPr/>
-          <a:lstStyle/>
-          <a:p>
-            <a:endParaRPr lang="en-US"/>
-          </a:p>
-        </p:txBody>
-      </p:sp>
-      <p:sp>
-        <p:nvSpPr>
-          <p:cNvPr id="14" name="Text Placeholder 13">
-            <a:extLst>
-              <a:ext uri="{FF2B5EF4-FFF2-40B4-BE49-F238E27FC236}">
-                <a16:creationId xmlns:a16="http://schemas.microsoft.com/office/drawing/2014/main" id="{B6F37A70-680F-B50D-A1A9-E9D2AE2C922F}"/>
-              </a:ext>
-            </a:extLst>
-          </p:cNvPr>
-          <p:cNvSpPr>
-            <a:spLocks noGrp="1"/>
-          </p:cNvSpPr>
-          <p:nvPr>
-            <p:ph type="body" sz="quarter" idx="16"/>
-          </p:nvPr>
-        </p:nvSpPr>
-        <p:spPr/>
-        <p:txBody>
-          <a:bodyPr/>
-          <a:lstStyle/>
-          <a:p>
-            <a:r>
-              <a:rPr lang="en-US" dirty="0">
-                <a:hlinkClick r:id="rId2"/>
-              </a:rPr>
-              <a:t>Azure File Sync available in 4 new regions</a:t>
-            </a:r>
-            <a:endParaRPr lang="en-US" dirty="0"/>
-          </a:p>
-          <a:p>
-            <a:r>
-              <a:rPr lang="en-US" dirty="0"/>
-              <a:t>Azure File Sync is now generally available in Italy North, New Zealand North, Poland Central, and Spain Central</a:t>
-            </a:r>
-          </a:p>
-        </p:txBody>
-      </p:sp>
-    </p:spTree>
-    <p:extLst>
-      <p:ext uri="{BB962C8B-B14F-4D97-AF65-F5344CB8AC3E}">
-        <p14:creationId xmlns:p14="http://schemas.microsoft.com/office/powerpoint/2010/main" val="670539256"/>
-      </p:ext>
-    </p:extLst>
-  </p:cSld>
-  <p:clrMapOvr>
-    <a:masterClrMapping/>
-  </p:clrMapOvr>
-  <mc:AlternateContent xmlns:mc="http://schemas.openxmlformats.org/markup-compatibility/2006" xmlns:p14="http://schemas.microsoft.com/office/powerpoint/2010/main">
-    <mc:Choice Requires="p14">
-      <p:transition spd="med" p14:dur="700">
-        <p:fade/>
-      </p:transition>
-    </mc:Choice>
-    <mc:Fallback xmlns="">
-      <p:transition spd="med">
-        <p:fade/>
-      </p:transition>
-    </mc:Fallback>
-  </mc:AlternateContent>
-  <p:timing>
-    <p:tnLst>
-      <p:par>
-        <p:cTn id="1" dur="indefinite" restart="never" nodeType="tmRoot">
-          <p:childTnLst>
-            <p:seq concurrent="1" nextAc="seek">
-              <p:cTn id="2" dur="indefinite" nodeType="mainSeq">
-                <p:childTnLst>
-                  <p:par>
-                    <p:cTn id="3" fill="hold">
-                      <p:stCondLst>
-                        <p:cond delay="indefinite"/>
-                      </p:stCondLst>
-                      <p:childTnLst>
-                        <p:par>
-                          <p:cTn id="4" fill="hold">
-                            <p:stCondLst>
-                              <p:cond delay="0"/>
-                            </p:stCondLst>
-                            <p:childTnLst>
-                              <p:par>
-                                <p:cTn id="5" presetID="1" presetClass="entr" presetSubtype="0" fill="hold" nodeType="clickEffect">
-                                  <p:stCondLst>
-                                    <p:cond delay="0"/>
-                                  </p:stCondLst>
-                                  <p:childTnLst>
-                                    <p:set>
-                                      <p:cBhvr>
-                                        <p:cTn id="6" dur="1" fill="hold">
-                                          <p:stCondLst>
-                                            <p:cond delay="0"/>
-                                          </p:stCondLst>
-                                        </p:cTn>
-                                        <p:tgtEl>
-                                          <p:spTgt spid="14">
-                                            <p:txEl>
-                                              <p:pRg st="0" end="0"/>
-                                            </p:txEl>
-                                          </p:spTgt>
-                                        </p:tgtEl>
-                                        <p:attrNameLst>
-                                          <p:attrName>style.visibility</p:attrName>
-                                        </p:attrNameLst>
-                                      </p:cBhvr>
-                                      <p:to>
-                                        <p:strVal val="visible"/>
-                                      </p:to>
-                                    </p:set>
-                                  </p:childTnLst>
-                                </p:cTn>
-                              </p:par>
-                              <p:par>
-                                <p:cTn id="7" presetID="1" presetClass="entr" presetSubtype="0" fill="hold" nodeType="withEffect">
-                                  <p:stCondLst>
-                                    <p:cond delay="0"/>
-                                  </p:stCondLst>
-                                  <p:childTnLst>
-                                    <p:set>
-                                      <p:cBhvr>
-                                        <p:cTn id="8" dur="1" fill="hold">
-                                          <p:stCondLst>
-                                            <p:cond delay="0"/>
-                                          </p:stCondLst>
-                                        </p:cTn>
-                                        <p:tgtEl>
-                                          <p:spTgt spid="14">
-                                            <p:txEl>
-                                              <p:pRg st="1" end="1"/>
-                                            </p:txEl>
-                                          </p:spTgt>
-                                        </p:tgtEl>
-                                        <p:attrNameLst>
-                                          <p:attrName>style.visibility</p:attrName>
-                                        </p:attrNameLst>
-                                      </p:cBhvr>
-                                      <p:to>
-                                        <p:strVal val="visible"/>
-                                      </p:to>
-                                    </p:set>
-                                  </p:childTnLst>
-                                </p:cTn>
-                              </p:par>
-                            </p:childTnLst>
-                          </p:cTn>
-                        </p:par>
-                      </p:childTnLst>
-                    </p:cTn>
-                  </p:par>
-                </p:childTnLst>
-              </p:cTn>
-              <p:prevCondLst>
-                <p:cond evt="onPrev" delay="0">
-                  <p:tgtEl>
-                    <p:sldTgt/>
-                  </p:tgtEl>
-                </p:cond>
-              </p:prevCondLst>
-              <p:nextCondLst>
-                <p:cond evt="onNext" delay="0">
-                  <p:tgtEl>
-                    <p:sldTgt/>
-                  </p:tgtEl>
-                </p:cond>
-              </p:nextCondLst>
-            </p:seq>
-          </p:childTnLst>
-        </p:cTn>
-      </p:par>
-    </p:tnLst>
-  </p:timing>
-</p:sld>
-</file>
-
-<file path=ppt/slides/slide13.xml><?xml version="1.0" encoding="utf-8"?>
-<p:sld xmlns:a="http://schemas.openxmlformats.org/drawingml/2006/main" xmlns:r="http://schemas.openxmlformats.org/officeDocument/2006/relationships" xmlns:p="http://schemas.openxmlformats.org/presentationml/2006/main" showMasterSp="0">
-  <p:cSld>
-    <p:spTree>
-      <p:nvGrpSpPr>
-        <p:cNvPr id="1" name=""/>
-        <p:cNvGrpSpPr/>
-        <p:nvPr/>
-      </p:nvGrpSpPr>
-      <p:grpSpPr>
-        <a:xfrm>
-          <a:off x="0" y="0"/>
-          <a:ext cx="0" cy="0"/>
-          <a:chOff x="0" y="0"/>
-          <a:chExt cx="0" cy="0"/>
-        </a:xfrm>
-      </p:grpSpPr>
-      <p:sp>
-        <p:nvSpPr>
-          <p:cNvPr id="4" name="Text Placeholder 3">
-            <a:extLst>
-              <a:ext uri="{FF2B5EF4-FFF2-40B4-BE49-F238E27FC236}">
-                <a16:creationId xmlns:a16="http://schemas.microsoft.com/office/drawing/2014/main" id="{17F39168-7046-60A5-1EEA-8D2B5EAAE24F}"/>
-              </a:ext>
-            </a:extLst>
-          </p:cNvPr>
-          <p:cNvSpPr>
-            <a:spLocks noGrp="1"/>
-          </p:cNvSpPr>
-          <p:nvPr>
-            <p:ph type="body" sz="quarter" idx="13"/>
-          </p:nvPr>
-        </p:nvSpPr>
-        <p:spPr/>
-        <p:txBody>
-          <a:bodyPr/>
-          <a:lstStyle/>
-          <a:p>
-            <a:r>
-              <a:rPr lang="en-US" sz="4000" dirty="0"/>
-              <a:t>Integration</a:t>
-            </a:r>
-          </a:p>
-        </p:txBody>
-      </p:sp>
-    </p:spTree>
-    <p:extLst>
-      <p:ext uri="{BB962C8B-B14F-4D97-AF65-F5344CB8AC3E}">
-        <p14:creationId xmlns:p14="http://schemas.microsoft.com/office/powerpoint/2010/main" val="596233084"/>
-      </p:ext>
-    </p:extLst>
-  </p:cSld>
-  <p:clrMapOvr>
-    <a:masterClrMapping/>
-  </p:clrMapOvr>
-</p:sld>
-</file>
-
-<file path=ppt/slides/slide14.xml><?xml version="1.0" encoding="utf-8"?>
-<p:sld xmlns:a="http://schemas.openxmlformats.org/drawingml/2006/main" xmlns:r="http://schemas.openxmlformats.org/officeDocument/2006/relationships" xmlns:p="http://schemas.openxmlformats.org/presentationml/2006/main" showMasterSp="0">
-  <p:cSld>
-    <p:spTree>
-      <p:nvGrpSpPr>
-        <p:cNvPr id="1" name=""/>
-        <p:cNvGrpSpPr/>
-        <p:nvPr/>
-      </p:nvGrpSpPr>
-      <p:grpSpPr>
-        <a:xfrm>
-          <a:off x="0" y="0"/>
-          <a:ext cx="0" cy="0"/>
-          <a:chOff x="0" y="0"/>
-          <a:chExt cx="0" cy="0"/>
-        </a:xfrm>
-      </p:grpSpPr>
-      <p:sp>
-        <p:nvSpPr>
-          <p:cNvPr id="12" name="Text Placeholder 11">
-            <a:extLst>
-              <a:ext uri="{FF2B5EF4-FFF2-40B4-BE49-F238E27FC236}">
-                <a16:creationId xmlns:a16="http://schemas.microsoft.com/office/drawing/2014/main" id="{F5D0A865-EAC9-D4DF-765C-2BBCA9EC1F5C}"/>
-              </a:ext>
-            </a:extLst>
-          </p:cNvPr>
-          <p:cNvSpPr>
-            <a:spLocks noGrp="1"/>
-          </p:cNvSpPr>
-          <p:nvPr>
-            <p:ph type="body" sz="quarter" idx="10"/>
-          </p:nvPr>
-        </p:nvSpPr>
-        <p:spPr/>
-        <p:txBody>
-          <a:bodyPr/>
-          <a:lstStyle/>
-          <a:p>
-            <a:endParaRPr lang="en-US" sz="1000" dirty="0"/>
-          </a:p>
-        </p:txBody>
-      </p:sp>
-      <p:sp>
-        <p:nvSpPr>
-          <p:cNvPr id="11" name="Title 10">
-            <a:extLst>
-              <a:ext uri="{FF2B5EF4-FFF2-40B4-BE49-F238E27FC236}">
-                <a16:creationId xmlns:a16="http://schemas.microsoft.com/office/drawing/2014/main" id="{0A19052D-1C06-3BF6-CD73-31098A5519FB}"/>
-              </a:ext>
-            </a:extLst>
-          </p:cNvPr>
-          <p:cNvSpPr>
-            <a:spLocks noGrp="1"/>
-          </p:cNvSpPr>
-          <p:nvPr>
-            <p:ph type="title"/>
-          </p:nvPr>
-        </p:nvSpPr>
-        <p:spPr/>
-        <p:txBody>
-          <a:bodyPr/>
-          <a:lstStyle/>
-          <a:p>
-            <a:r>
-              <a:rPr lang="en-US" sz="1800" dirty="0"/>
-              <a:t>Integration Updates</a:t>
-            </a:r>
-            <a:endParaRPr lang="en-US" dirty="0"/>
-          </a:p>
-        </p:txBody>
-      </p:sp>
-      <p:sp>
-        <p:nvSpPr>
-          <p:cNvPr id="13" name="Text Placeholder 12">
-            <a:extLst>
-              <a:ext uri="{FF2B5EF4-FFF2-40B4-BE49-F238E27FC236}">
-                <a16:creationId xmlns:a16="http://schemas.microsoft.com/office/drawing/2014/main" id="{AB83368C-23D2-63DD-1F2B-65AB8A48B236}"/>
-              </a:ext>
-            </a:extLst>
-          </p:cNvPr>
-          <p:cNvSpPr>
-            <a:spLocks noGrp="1"/>
-          </p:cNvSpPr>
-          <p:nvPr>
-            <p:ph type="body" sz="quarter" idx="15"/>
-          </p:nvPr>
-        </p:nvSpPr>
-        <p:spPr/>
-        <p:txBody>
-          <a:bodyPr/>
-          <a:lstStyle/>
-          <a:p>
-            <a:endParaRPr lang="en-US"/>
-          </a:p>
-        </p:txBody>
-      </p:sp>
-      <p:sp>
-        <p:nvSpPr>
-          <p:cNvPr id="14" name="Text Placeholder 13">
-            <a:extLst>
-              <a:ext uri="{FF2B5EF4-FFF2-40B4-BE49-F238E27FC236}">
-                <a16:creationId xmlns:a16="http://schemas.microsoft.com/office/drawing/2014/main" id="{1DF1A36F-4250-259D-24AE-F82FE69A7F7E}"/>
-              </a:ext>
-            </a:extLst>
-          </p:cNvPr>
-          <p:cNvSpPr>
-            <a:spLocks noGrp="1"/>
-          </p:cNvSpPr>
-          <p:nvPr>
-            <p:ph type="body" sz="quarter" idx="16"/>
-          </p:nvPr>
-        </p:nvSpPr>
-        <p:spPr>
-          <a:xfrm>
-            <a:off x="342900" y="855080"/>
-            <a:ext cx="3955312" cy="1883333"/>
-          </a:xfrm>
-        </p:spPr>
-        <p:txBody>
-          <a:bodyPr/>
-          <a:lstStyle/>
-          <a:p>
-            <a:pPr algn="just"/>
-            <a:r>
-              <a:rPr lang="en-US" dirty="0">
-                <a:hlinkClick r:id="rId2"/>
-              </a:rPr>
-              <a:t>Introducing Administration Client Support for the Azure Service Bus Emulator</a:t>
-            </a:r>
-            <a:endParaRPr lang="en-US" dirty="0"/>
-          </a:p>
-          <a:p>
-            <a:pPr algn="just"/>
-            <a:r>
-              <a:rPr lang="en-US" dirty="0"/>
-              <a:t>MS announced administration client support for the Azure Service Bus emulator, expanding it beyond messaging to include local management operations such as creating, updating, and deleting entities.</a:t>
-            </a:r>
-          </a:p>
-          <a:p>
-            <a:pPr algn="just"/>
-            <a:r>
-              <a:rPr lang="en-US" dirty="0"/>
-              <a:t>Azure Service Bus is a fully managed enterprise message broker for reliable queue- and topic-based messaging. While the local emulator already enabled developers to test message flows, this update now supports end-to-end local workflows that rely on management operations during application startup or deployment—making local development and testing even more complete.</a:t>
-            </a:r>
-          </a:p>
-          <a:p>
-            <a:pPr algn="just"/>
-            <a:endParaRPr lang="en-US" dirty="0"/>
-          </a:p>
-        </p:txBody>
-      </p:sp>
-    </p:spTree>
-    <p:extLst>
-      <p:ext uri="{BB962C8B-B14F-4D97-AF65-F5344CB8AC3E}">
-        <p14:creationId xmlns:p14="http://schemas.microsoft.com/office/powerpoint/2010/main" val="4065945540"/>
-      </p:ext>
-    </p:extLst>
-  </p:cSld>
-  <p:clrMapOvr>
-    <a:masterClrMapping/>
-  </p:clrMapOvr>
-  <mc:AlternateContent xmlns:mc="http://schemas.openxmlformats.org/markup-compatibility/2006" xmlns:p14="http://schemas.microsoft.com/office/powerpoint/2010/main">
-    <mc:Choice Requires="p14">
-      <p:transition spd="med" p14:dur="700">
-        <p:fade/>
-      </p:transition>
-    </mc:Choice>
-    <mc:Fallback xmlns="">
-      <p:transition spd="med">
-        <p:fade/>
-      </p:transition>
-    </mc:Fallback>
-  </mc:AlternateContent>
-  <p:timing>
-    <p:tnLst>
-      <p:par>
-        <p:cTn id="1" dur="indefinite" restart="never" nodeType="tmRoot">
-          <p:childTnLst>
-            <p:seq concurrent="1" nextAc="seek">
-              <p:cTn id="2" dur="indefinite" nodeType="mainSeq">
-                <p:childTnLst>
-                  <p:par>
-                    <p:cTn id="3" fill="hold">
-                      <p:stCondLst>
-                        <p:cond delay="indefinite"/>
-                      </p:stCondLst>
-                      <p:childTnLst>
-                        <p:par>
-                          <p:cTn id="4" fill="hold">
-                            <p:stCondLst>
-                              <p:cond delay="0"/>
-                            </p:stCondLst>
-                            <p:childTnLst>
-                              <p:par>
-                                <p:cTn id="5" presetID="1" presetClass="entr" presetSubtype="0" fill="hold" nodeType="clickEffect">
-                                  <p:stCondLst>
-                                    <p:cond delay="0"/>
-                                  </p:stCondLst>
-                                  <p:childTnLst>
-                                    <p:set>
-                                      <p:cBhvr>
-                                        <p:cTn id="6" dur="1" fill="hold">
-                                          <p:stCondLst>
-                                            <p:cond delay="0"/>
-                                          </p:stCondLst>
-                                        </p:cTn>
-                                        <p:tgtEl>
-                                          <p:spTgt spid="14">
-                                            <p:txEl>
-                                              <p:pRg st="0" end="0"/>
-                                            </p:txEl>
-                                          </p:spTgt>
-                                        </p:tgtEl>
-                                        <p:attrNameLst>
-                                          <p:attrName>style.visibility</p:attrName>
-                                        </p:attrNameLst>
-                                      </p:cBhvr>
-                                      <p:to>
-                                        <p:strVal val="visible"/>
-                                      </p:to>
-                                    </p:set>
-                                  </p:childTnLst>
-                                </p:cTn>
-                              </p:par>
-                              <p:par>
-                                <p:cTn id="7" presetID="1" presetClass="entr" presetSubtype="0" fill="hold" nodeType="withEffect">
-                                  <p:stCondLst>
-                                    <p:cond delay="0"/>
-                                  </p:stCondLst>
-                                  <p:childTnLst>
-                                    <p:set>
-                                      <p:cBhvr>
-                                        <p:cTn id="8" dur="1" fill="hold">
-                                          <p:stCondLst>
-                                            <p:cond delay="0"/>
-                                          </p:stCondLst>
-                                        </p:cTn>
-                                        <p:tgtEl>
-                                          <p:spTgt spid="14">
-                                            <p:txEl>
-                                              <p:pRg st="1" end="1"/>
-                                            </p:txEl>
-                                          </p:spTgt>
-                                        </p:tgtEl>
-                                        <p:attrNameLst>
-                                          <p:attrName>style.visibility</p:attrName>
-                                        </p:attrNameLst>
-                                      </p:cBhvr>
-                                      <p:to>
-                                        <p:strVal val="visible"/>
-                                      </p:to>
-                                    </p:set>
-                                  </p:childTnLst>
-                                </p:cTn>
-                              </p:par>
-                              <p:par>
-                                <p:cTn id="9" presetID="1" presetClass="entr" presetSubtype="0" fill="hold" nodeType="withEffect">
-                                  <p:stCondLst>
-                                    <p:cond delay="0"/>
-                                  </p:stCondLst>
-                                  <p:childTnLst>
-                                    <p:set>
-                                      <p:cBhvr>
-                                        <p:cTn id="10" dur="1" fill="hold">
-                                          <p:stCondLst>
-                                            <p:cond delay="0"/>
-                                          </p:stCondLst>
-                                        </p:cTn>
-                                        <p:tgtEl>
-                                          <p:spTgt spid="14">
-                                            <p:txEl>
-                                              <p:pRg st="2" end="2"/>
-                                            </p:txEl>
-                                          </p:spTgt>
-                                        </p:tgtEl>
-                                        <p:attrNameLst>
-                                          <p:attrName>style.visibility</p:attrName>
-                                        </p:attrNameLst>
-                                      </p:cBhvr>
-                                      <p:to>
-                                        <p:strVal val="visible"/>
-                                      </p:to>
-                                    </p:set>
-                                  </p:childTnLst>
-                                </p:cTn>
-                              </p:par>
-                            </p:childTnLst>
-                          </p:cTn>
-                        </p:par>
-                      </p:childTnLst>
-                    </p:cTn>
-                  </p:par>
-                </p:childTnLst>
-              </p:cTn>
-              <p:prevCondLst>
-                <p:cond evt="onPrev" delay="0">
-                  <p:tgtEl>
-                    <p:sldTgt/>
-                  </p:tgtEl>
-                </p:cond>
-              </p:prevCondLst>
-              <p:nextCondLst>
-                <p:cond evt="onNext" delay="0">
-                  <p:tgtEl>
-                    <p:sldTgt/>
-                  </p:tgtEl>
-                </p:cond>
-              </p:nextCondLst>
-            </p:seq>
-          </p:childTnLst>
-        </p:cTn>
-      </p:par>
-    </p:tnLst>
-  </p:timing>
-</p:sld>
-</file>
-
-<file path=ppt/slides/slide15.xml><?xml version="1.0" encoding="utf-8"?>
-<p:sld xmlns:a="http://schemas.openxmlformats.org/drawingml/2006/main" xmlns:r="http://schemas.openxmlformats.org/officeDocument/2006/relationships" xmlns:p="http://schemas.openxmlformats.org/presentationml/2006/main" showMasterSp="0">
-  <p:cSld>
-    <p:spTree>
-      <p:nvGrpSpPr>
-        <p:cNvPr id="1" name=""/>
-        <p:cNvGrpSpPr/>
-        <p:nvPr/>
-      </p:nvGrpSpPr>
-      <p:grpSpPr>
-        <a:xfrm>
-          <a:off x="0" y="0"/>
-          <a:ext cx="0" cy="0"/>
-          <a:chOff x="0" y="0"/>
-          <a:chExt cx="0" cy="0"/>
-        </a:xfrm>
-      </p:grpSpPr>
-      <p:sp>
-        <p:nvSpPr>
-          <p:cNvPr id="4" name="Text Placeholder 3">
-            <a:extLst>
-              <a:ext uri="{FF2B5EF4-FFF2-40B4-BE49-F238E27FC236}">
-                <a16:creationId xmlns:a16="http://schemas.microsoft.com/office/drawing/2014/main" id="{17F39168-7046-60A5-1EEA-8D2B5EAAE24F}"/>
-              </a:ext>
-            </a:extLst>
-          </p:cNvPr>
-          <p:cNvSpPr>
-            <a:spLocks noGrp="1"/>
-          </p:cNvSpPr>
-          <p:nvPr>
-            <p:ph type="body" sz="quarter" idx="13"/>
-          </p:nvPr>
-        </p:nvSpPr>
-        <p:spPr/>
-        <p:txBody>
-          <a:bodyPr/>
-          <a:lstStyle/>
-          <a:p>
-            <a:r>
-              <a:rPr lang="en-US" sz="4000" dirty="0"/>
-              <a:t>Information</a:t>
-            </a:r>
-          </a:p>
-        </p:txBody>
-      </p:sp>
-    </p:spTree>
-    <p:extLst>
-      <p:ext uri="{BB962C8B-B14F-4D97-AF65-F5344CB8AC3E}">
-        <p14:creationId xmlns:p14="http://schemas.microsoft.com/office/powerpoint/2010/main" val="1276041622"/>
-      </p:ext>
-    </p:extLst>
-  </p:cSld>
-  <p:clrMapOvr>
-    <a:masterClrMapping/>
-  </p:clrMapOvr>
-</p:sld>
-</file>
-
-<file path=ppt/slides/slide16.xml><?xml version="1.0" encoding="utf-8"?>
-<p:sld xmlns:a="http://schemas.openxmlformats.org/drawingml/2006/main" xmlns:r="http://schemas.openxmlformats.org/officeDocument/2006/relationships" xmlns:p="http://schemas.openxmlformats.org/presentationml/2006/main" showMasterSp="0">
-  <p:cSld>
-    <p:spTree>
-      <p:nvGrpSpPr>
-        <p:cNvPr id="1" name=""/>
-        <p:cNvGrpSpPr/>
-        <p:nvPr/>
-      </p:nvGrpSpPr>
-      <p:grpSpPr>
-        <a:xfrm>
-          <a:off x="0" y="0"/>
-          <a:ext cx="0" cy="0"/>
-          <a:chOff x="0" y="0"/>
-          <a:chExt cx="0" cy="0"/>
-        </a:xfrm>
-      </p:grpSpPr>
-      <p:sp>
-        <p:nvSpPr>
-          <p:cNvPr id="2" name="Text Placeholder 1">
-            <a:extLst>
-              <a:ext uri="{FF2B5EF4-FFF2-40B4-BE49-F238E27FC236}">
-                <a16:creationId xmlns:a16="http://schemas.microsoft.com/office/drawing/2014/main" id="{BD9E4E97-A385-759E-BD70-47D0B91CA39E}"/>
-              </a:ext>
-            </a:extLst>
-          </p:cNvPr>
-          <p:cNvSpPr>
-            <a:spLocks noGrp="1"/>
-          </p:cNvSpPr>
-          <p:nvPr>
-            <p:ph type="body" sz="quarter" idx="10"/>
-          </p:nvPr>
-        </p:nvSpPr>
-        <p:spPr>
-          <a:xfrm>
-            <a:off x="342900" y="855080"/>
-            <a:ext cx="8455914" cy="3774069"/>
-          </a:xfrm>
-        </p:spPr>
-        <p:txBody>
-          <a:bodyPr/>
-          <a:lstStyle/>
-          <a:p>
-            <a:r>
-              <a:rPr lang="en-US" dirty="0">
-                <a:hlinkClick r:id="rId2"/>
-              </a:rPr>
-              <a:t>Azure Times GitHub Repo</a:t>
-            </a:r>
-            <a:endParaRPr lang="en-US" dirty="0"/>
-          </a:p>
-        </p:txBody>
-      </p:sp>
-      <p:sp>
-        <p:nvSpPr>
-          <p:cNvPr id="3" name="Title 2">
-            <a:extLst>
-              <a:ext uri="{FF2B5EF4-FFF2-40B4-BE49-F238E27FC236}">
-                <a16:creationId xmlns:a16="http://schemas.microsoft.com/office/drawing/2014/main" id="{78BEF490-0130-4022-0399-BE422CD7CB94}"/>
-              </a:ext>
-            </a:extLst>
-          </p:cNvPr>
-          <p:cNvSpPr>
-            <a:spLocks noGrp="1"/>
-          </p:cNvSpPr>
-          <p:nvPr>
-            <p:ph type="title"/>
-          </p:nvPr>
-        </p:nvSpPr>
-        <p:spPr/>
-        <p:txBody>
-          <a:bodyPr/>
-          <a:lstStyle/>
-          <a:p>
-            <a:r>
-              <a:rPr lang="en-US" sz="1800" dirty="0"/>
-              <a:t>Information</a:t>
-            </a:r>
-            <a:br>
-              <a:rPr lang="en-US" sz="1800" dirty="0"/>
-            </a:br>
-            <a:endParaRPr lang="en-US" dirty="0"/>
-          </a:p>
-        </p:txBody>
-      </p:sp>
-    </p:spTree>
-    <p:extLst>
-      <p:ext uri="{BB962C8B-B14F-4D97-AF65-F5344CB8AC3E}">
-        <p14:creationId xmlns:p14="http://schemas.microsoft.com/office/powerpoint/2010/main" val="747681537"/>
-      </p:ext>
-    </p:extLst>
-  </p:cSld>
-  <p:clrMapOvr>
-    <a:masterClrMapping/>
-  </p:clrMapOvr>
-</p:sld>
-</file>
-
-<file path=ppt/slides/slide17.xml><?xml version="1.0" encoding="utf-8"?>
-<p:sld xmlns:a="http://schemas.openxmlformats.org/drawingml/2006/main" xmlns:r="http://schemas.openxmlformats.org/officeDocument/2006/relationships" xmlns:p="http://schemas.openxmlformats.org/presentationml/2006/main" showMasterSp="0">
-  <p:cSld>
-    <p:spTree>
-      <p:nvGrpSpPr>
-        <p:cNvPr id="1" name=""/>
-        <p:cNvGrpSpPr/>
-        <p:nvPr/>
-      </p:nvGrpSpPr>
-      <p:grpSpPr>
-        <a:xfrm>
-          <a:off x="0" y="0"/>
-          <a:ext cx="0" cy="0"/>
-          <a:chOff x="0" y="0"/>
-          <a:chExt cx="0" cy="0"/>
-        </a:xfrm>
-      </p:grpSpPr>
-      <p:sp>
-        <p:nvSpPr>
-          <p:cNvPr id="4" name="Text Placeholder 3">
-            <a:extLst>
-              <a:ext uri="{FF2B5EF4-FFF2-40B4-BE49-F238E27FC236}">
-                <a16:creationId xmlns:a16="http://schemas.microsoft.com/office/drawing/2014/main" id="{17F39168-7046-60A5-1EEA-8D2B5EAAE24F}"/>
-              </a:ext>
-            </a:extLst>
-          </p:cNvPr>
-          <p:cNvSpPr>
-            <a:spLocks noGrp="1"/>
-          </p:cNvSpPr>
-          <p:nvPr>
-            <p:ph type="body" sz="quarter" idx="13"/>
-          </p:nvPr>
-        </p:nvSpPr>
-        <p:spPr/>
-        <p:txBody>
-          <a:bodyPr/>
-          <a:lstStyle/>
-          <a:p>
-            <a:r>
-              <a:rPr lang="en-US" sz="4000" dirty="0"/>
-              <a:t>Questions</a:t>
-            </a:r>
-          </a:p>
-        </p:txBody>
-      </p:sp>
-    </p:spTree>
-    <p:extLst>
-      <p:ext uri="{BB962C8B-B14F-4D97-AF65-F5344CB8AC3E}">
-        <p14:creationId xmlns:p14="http://schemas.microsoft.com/office/powerpoint/2010/main" val="2482707150"/>
-      </p:ext>
-    </p:extLst>
-  </p:cSld>
-  <p:clrMapOvr>
-    <a:masterClrMapping/>
-  </p:clrMapOvr>
-</p:sld>
-</file>
-
-<file path=ppt/slides/slide2.xml><?xml version="1.0" encoding="utf-8"?>
-<p:sld xmlns:a="http://schemas.openxmlformats.org/drawingml/2006/main" xmlns:r="http://schemas.openxmlformats.org/officeDocument/2006/relationships" xmlns:p="http://schemas.openxmlformats.org/presentationml/2006/main" showMasterSp="0">
-  <p:cSld>
-    <p:spTree>
-      <p:nvGrpSpPr>
-        <p:cNvPr id="1" name=""/>
-        <p:cNvGrpSpPr/>
-        <p:nvPr/>
-      </p:nvGrpSpPr>
-      <p:grpSpPr>
-        <a:xfrm>
-          <a:off x="0" y="0"/>
-          <a:ext cx="0" cy="0"/>
-          <a:chOff x="0" y="0"/>
-          <a:chExt cx="0" cy="0"/>
-        </a:xfrm>
-      </p:grpSpPr>
-      <p:sp>
-        <p:nvSpPr>
-          <p:cNvPr id="4" name="Text Placeholder 3">
-            <a:extLst>
-              <a:ext uri="{FF2B5EF4-FFF2-40B4-BE49-F238E27FC236}">
-                <a16:creationId xmlns:a16="http://schemas.microsoft.com/office/drawing/2014/main" id="{17F39168-7046-60A5-1EEA-8D2B5EAAE24F}"/>
-              </a:ext>
-            </a:extLst>
-          </p:cNvPr>
-          <p:cNvSpPr>
-            <a:spLocks noGrp="1"/>
-          </p:cNvSpPr>
-          <p:nvPr>
-            <p:ph type="body" sz="quarter" idx="13"/>
-          </p:nvPr>
-        </p:nvSpPr>
-        <p:spPr>
-          <a:xfrm>
-            <a:off x="252845" y="1285875"/>
-            <a:ext cx="6271326" cy="1714500"/>
-          </a:xfrm>
-        </p:spPr>
-        <p:txBody>
-          <a:bodyPr/>
-          <a:lstStyle/>
-          <a:p>
-            <a:r>
-              <a:rPr lang="en-US" sz="4000" dirty="0"/>
-              <a:t>Security &amp; Identity</a:t>
-            </a:r>
-          </a:p>
-        </p:txBody>
-      </p:sp>
-    </p:spTree>
-    <p:extLst>
-      <p:ext uri="{BB962C8B-B14F-4D97-AF65-F5344CB8AC3E}">
-        <p14:creationId xmlns:p14="http://schemas.microsoft.com/office/powerpoint/2010/main" val="3117920021"/>
-      </p:ext>
-    </p:extLst>
-  </p:cSld>
-  <p:clrMapOvr>
-    <a:masterClrMapping/>
-  </p:clrMapOvr>
-</p:sld>
-</file>
-
-<file path=ppt/slides/slide3.xml><?xml version="1.0" encoding="utf-8"?>
-<p:sld xmlns:a="http://schemas.openxmlformats.org/drawingml/2006/main" xmlns:r="http://schemas.openxmlformats.org/officeDocument/2006/relationships" xmlns:p="http://schemas.openxmlformats.org/presentationml/2006/main" showMasterSp="0">
-  <p:cSld>
-    <p:spTree>
-      <p:nvGrpSpPr>
-        <p:cNvPr id="1" name=""/>
-        <p:cNvGrpSpPr/>
-        <p:nvPr/>
-      </p:nvGrpSpPr>
-      <p:grpSpPr>
-        <a:xfrm>
-          <a:off x="0" y="0"/>
-          <a:ext cx="0" cy="0"/>
-          <a:chOff x="0" y="0"/>
-          <a:chExt cx="0" cy="0"/>
-        </a:xfrm>
-      </p:grpSpPr>
-      <p:sp>
-        <p:nvSpPr>
-          <p:cNvPr id="12" name="Text Placeholder 11">
-            <a:extLst>
-              <a:ext uri="{FF2B5EF4-FFF2-40B4-BE49-F238E27FC236}">
-                <a16:creationId xmlns:a16="http://schemas.microsoft.com/office/drawing/2014/main" id="{F5D0A865-EAC9-D4DF-765C-2BBCA9EC1F5C}"/>
-              </a:ext>
-            </a:extLst>
-          </p:cNvPr>
-          <p:cNvSpPr>
-            <a:spLocks noGrp="1"/>
-          </p:cNvSpPr>
-          <p:nvPr>
-            <p:ph type="body" sz="quarter" idx="10"/>
-          </p:nvPr>
-        </p:nvSpPr>
-        <p:spPr/>
-        <p:txBody>
-          <a:bodyPr/>
-          <a:lstStyle/>
-          <a:p>
-            <a:endParaRPr lang="en-US" sz="1000" dirty="0"/>
-          </a:p>
-        </p:txBody>
-      </p:sp>
-      <p:sp>
-        <p:nvSpPr>
-          <p:cNvPr id="11" name="Title 10">
-            <a:extLst>
-              <a:ext uri="{FF2B5EF4-FFF2-40B4-BE49-F238E27FC236}">
-                <a16:creationId xmlns:a16="http://schemas.microsoft.com/office/drawing/2014/main" id="{0A19052D-1C06-3BF6-CD73-31098A5519FB}"/>
-              </a:ext>
-            </a:extLst>
-          </p:cNvPr>
-          <p:cNvSpPr>
-            <a:spLocks noGrp="1"/>
-          </p:cNvSpPr>
-          <p:nvPr>
-            <p:ph type="title"/>
-          </p:nvPr>
-        </p:nvSpPr>
-        <p:spPr/>
-        <p:txBody>
-          <a:bodyPr/>
-          <a:lstStyle/>
-          <a:p>
-            <a:r>
-              <a:rPr lang="en-US" sz="1800" dirty="0"/>
-              <a:t>Security &amp; Identity Updates</a:t>
-            </a:r>
-            <a:endParaRPr lang="en-US" dirty="0"/>
-          </a:p>
-        </p:txBody>
-      </p:sp>
-      <p:sp>
-        <p:nvSpPr>
-          <p:cNvPr id="13" name="Text Placeholder 12">
-            <a:extLst>
-              <a:ext uri="{FF2B5EF4-FFF2-40B4-BE49-F238E27FC236}">
-                <a16:creationId xmlns:a16="http://schemas.microsoft.com/office/drawing/2014/main" id="{AB83368C-23D2-63DD-1F2B-65AB8A48B236}"/>
-              </a:ext>
-            </a:extLst>
-          </p:cNvPr>
-          <p:cNvSpPr>
-            <a:spLocks noGrp="1"/>
-          </p:cNvSpPr>
-          <p:nvPr>
-            <p:ph type="body" sz="quarter" idx="15"/>
-          </p:nvPr>
-        </p:nvSpPr>
-        <p:spPr/>
-        <p:txBody>
-          <a:bodyPr/>
-          <a:lstStyle/>
-          <a:p>
-            <a:endParaRPr lang="en-US"/>
-          </a:p>
-        </p:txBody>
-      </p:sp>
-      <p:sp>
-        <p:nvSpPr>
-          <p:cNvPr id="14" name="Text Placeholder 13">
-            <a:extLst>
-              <a:ext uri="{FF2B5EF4-FFF2-40B4-BE49-F238E27FC236}">
-                <a16:creationId xmlns:a16="http://schemas.microsoft.com/office/drawing/2014/main" id="{1DF1A36F-4250-259D-24AE-F82FE69A7F7E}"/>
-              </a:ext>
-            </a:extLst>
-          </p:cNvPr>
-          <p:cNvSpPr>
-            <a:spLocks noGrp="1"/>
-          </p:cNvSpPr>
-          <p:nvPr>
-            <p:ph type="body" sz="quarter" idx="16"/>
-          </p:nvPr>
-        </p:nvSpPr>
-        <p:spPr/>
-        <p:txBody>
-          <a:bodyPr/>
-          <a:lstStyle/>
-          <a:p>
-            <a:pPr algn="just"/>
-            <a:r>
-              <a:rPr lang="en-US" dirty="0">
-                <a:hlinkClick r:id="rId2"/>
-              </a:rPr>
-              <a:t>Public Preview: IP Network Firewalls for Azure Managed HSM</a:t>
-            </a:r>
-            <a:endParaRPr lang="en-US" dirty="0"/>
-          </a:p>
-          <a:p>
-            <a:pPr algn="just"/>
-            <a:r>
-              <a:rPr lang="en-US" dirty="0"/>
-              <a:t>MS announced the public preview of IP Network Firewalls for Azure Key Vault Managed HSM, now available in East US, West US, West US 2, West Central US, UK South, and West Europe.</a:t>
-            </a:r>
-          </a:p>
-          <a:p>
-            <a:pPr algn="just"/>
-            <a:r>
-              <a:rPr lang="en-US" dirty="0"/>
-              <a:t>This feature lets you restrict data plane access to Managed HSM by allowing specific IPv4 CIDR ranges (up to 10) in the Managed HSM firewall—ideal for services with static or well-known IP addresses.</a:t>
-            </a:r>
-          </a:p>
-          <a:p>
-            <a:pPr algn="just"/>
-            <a:r>
-              <a:rPr lang="en-US" dirty="0"/>
-              <a:t>Key notes:</a:t>
-            </a:r>
-          </a:p>
-          <a:p>
-            <a:pPr marL="171450" indent="-171450" algn="just">
-              <a:buFont typeface="Arial" panose="020B0604020202020204" pitchFamily="34" charset="0"/>
-              <a:buChar char="•"/>
-            </a:pPr>
-            <a:r>
-              <a:rPr lang="en-US" dirty="0"/>
-              <a:t>Firewall rules apply only to data plane operations (control plane is unaffected).</a:t>
-            </a:r>
-          </a:p>
-          <a:p>
-            <a:pPr marL="171450" indent="-171450" algn="just">
-              <a:buFont typeface="Arial" panose="020B0604020202020204" pitchFamily="34" charset="0"/>
-              <a:buChar char="•"/>
-            </a:pPr>
-            <a:r>
-              <a:rPr lang="en-US" dirty="0"/>
-              <a:t>Only IPv4 is supported in this preview.</a:t>
-            </a:r>
-          </a:p>
-          <a:p>
-            <a:pPr marL="171450" indent="-171450" algn="just">
-              <a:buFont typeface="Arial" panose="020B0604020202020204" pitchFamily="34" charset="0"/>
-              <a:buChar char="•"/>
-            </a:pPr>
-            <a:r>
-              <a:rPr lang="en-US" dirty="0"/>
-              <a:t>To access data via tools like the Azure portal, you must connect from within the configured trusted network boundary.</a:t>
-            </a:r>
-          </a:p>
-          <a:p>
-            <a:pPr algn="just"/>
-            <a:r>
-              <a:rPr lang="en-US" dirty="0"/>
-              <a:t>This enhancement strengthens network security for Managed HSM while maintaining operational flexibility.</a:t>
-            </a:r>
-          </a:p>
-          <a:p>
-            <a:pPr algn="just"/>
-            <a:r>
-              <a:rPr lang="en-US" dirty="0"/>
-              <a:t>There is a limit of 10 IP address or address ranges you can add per resource.</a:t>
-            </a:r>
-          </a:p>
-        </p:txBody>
-      </p:sp>
-    </p:spTree>
-    <p:extLst>
-      <p:ext uri="{BB962C8B-B14F-4D97-AF65-F5344CB8AC3E}">
-        <p14:creationId xmlns:p14="http://schemas.microsoft.com/office/powerpoint/2010/main" val="493310561"/>
-      </p:ext>
-    </p:extLst>
-  </p:cSld>
-  <p:clrMapOvr>
-    <a:masterClrMapping/>
-  </p:clrMapOvr>
-  <mc:AlternateContent xmlns:mc="http://schemas.openxmlformats.org/markup-compatibility/2006" xmlns:p14="http://schemas.microsoft.com/office/powerpoint/2010/main">
-    <mc:Choice Requires="p14">
-      <p:transition spd="med" p14:dur="700">
-        <p:fade/>
-      </p:transition>
-    </mc:Choice>
-    <mc:Fallback xmlns="">
-      <p:transition spd="med">
-        <p:fade/>
-      </p:transition>
-    </mc:Fallback>
-  </mc:AlternateContent>
-  <p:timing>
-    <p:tnLst>
-      <p:par>
-        <p:cTn id="1" dur="indefinite" restart="never" nodeType="tmRoot">
-          <p:childTnLst>
-            <p:seq concurrent="1" nextAc="seek">
-              <p:cTn id="2" dur="indefinite" nodeType="mainSeq">
-                <p:childTnLst>
-                  <p:par>
-                    <p:cTn id="3" fill="hold">
-                      <p:stCondLst>
-                        <p:cond delay="indefinite"/>
-                      </p:stCondLst>
-                      <p:childTnLst>
-                        <p:par>
-                          <p:cTn id="4" fill="hold">
-                            <p:stCondLst>
-                              <p:cond delay="0"/>
-                            </p:stCondLst>
-                            <p:childTnLst>
-                              <p:par>
-                                <p:cTn id="5" presetID="1" presetClass="entr" presetSubtype="0" fill="hold" nodeType="clickEffect">
-                                  <p:stCondLst>
-                                    <p:cond delay="0"/>
-                                  </p:stCondLst>
-                                  <p:childTnLst>
-                                    <p:set>
-                                      <p:cBhvr>
-                                        <p:cTn id="6" dur="1" fill="hold">
-                                          <p:stCondLst>
-                                            <p:cond delay="0"/>
-                                          </p:stCondLst>
-                                        </p:cTn>
-                                        <p:tgtEl>
-                                          <p:spTgt spid="14">
-                                            <p:txEl>
-                                              <p:pRg st="0" end="0"/>
-                                            </p:txEl>
-                                          </p:spTgt>
-                                        </p:tgtEl>
-                                        <p:attrNameLst>
-                                          <p:attrName>style.visibility</p:attrName>
-                                        </p:attrNameLst>
-                                      </p:cBhvr>
-                                      <p:to>
-                                        <p:strVal val="visible"/>
-                                      </p:to>
-                                    </p:set>
-                                  </p:childTnLst>
-                                </p:cTn>
-                              </p:par>
-                              <p:par>
-                                <p:cTn id="7" presetID="1" presetClass="entr" presetSubtype="0" fill="hold" nodeType="withEffect">
-                                  <p:stCondLst>
-                                    <p:cond delay="0"/>
-                                  </p:stCondLst>
-                                  <p:childTnLst>
-                                    <p:set>
-                                      <p:cBhvr>
-                                        <p:cTn id="8" dur="1" fill="hold">
-                                          <p:stCondLst>
-                                            <p:cond delay="0"/>
-                                          </p:stCondLst>
-                                        </p:cTn>
-                                        <p:tgtEl>
-                                          <p:spTgt spid="14">
-                                            <p:txEl>
-                                              <p:pRg st="1" end="1"/>
-                                            </p:txEl>
-                                          </p:spTgt>
-                                        </p:tgtEl>
-                                        <p:attrNameLst>
-                                          <p:attrName>style.visibility</p:attrName>
-                                        </p:attrNameLst>
-                                      </p:cBhvr>
-                                      <p:to>
-                                        <p:strVal val="visible"/>
-                                      </p:to>
-                                    </p:set>
-                                  </p:childTnLst>
-                                </p:cTn>
-                              </p:par>
-                              <p:par>
-                                <p:cTn id="9" presetID="1" presetClass="entr" presetSubtype="0" fill="hold" nodeType="withEffect">
-                                  <p:stCondLst>
-                                    <p:cond delay="0"/>
-                                  </p:stCondLst>
-                                  <p:childTnLst>
-                                    <p:set>
-                                      <p:cBhvr>
-                                        <p:cTn id="10" dur="1" fill="hold">
-                                          <p:stCondLst>
-                                            <p:cond delay="0"/>
-                                          </p:stCondLst>
-                                        </p:cTn>
-                                        <p:tgtEl>
-                                          <p:spTgt spid="14">
-                                            <p:txEl>
-                                              <p:pRg st="2" end="2"/>
-                                            </p:txEl>
-                                          </p:spTgt>
-                                        </p:tgtEl>
-                                        <p:attrNameLst>
-                                          <p:attrName>style.visibility</p:attrName>
-                                        </p:attrNameLst>
-                                      </p:cBhvr>
-                                      <p:to>
-                                        <p:strVal val="visible"/>
-                                      </p:to>
-                                    </p:set>
-                                  </p:childTnLst>
-                                </p:cTn>
-                              </p:par>
-                              <p:par>
-                                <p:cTn id="11" presetID="1" presetClass="entr" presetSubtype="0" fill="hold" nodeType="withEffect">
-                                  <p:stCondLst>
-                                    <p:cond delay="0"/>
-                                  </p:stCondLst>
-                                  <p:childTnLst>
-                                    <p:set>
-                                      <p:cBhvr>
-                                        <p:cTn id="12" dur="1" fill="hold">
-                                          <p:stCondLst>
-                                            <p:cond delay="0"/>
-                                          </p:stCondLst>
-                                        </p:cTn>
-                                        <p:tgtEl>
-                                          <p:spTgt spid="14">
-                                            <p:txEl>
-                                              <p:pRg st="3" end="3"/>
-                                            </p:txEl>
-                                          </p:spTgt>
-                                        </p:tgtEl>
-                                        <p:attrNameLst>
-                                          <p:attrName>style.visibility</p:attrName>
-                                        </p:attrNameLst>
-                                      </p:cBhvr>
-                                      <p:to>
-                                        <p:strVal val="visible"/>
-                                      </p:to>
-                                    </p:set>
-                                  </p:childTnLst>
-                                </p:cTn>
-                              </p:par>
-                              <p:par>
-                                <p:cTn id="13" presetID="1" presetClass="entr" presetSubtype="0" fill="hold" nodeType="withEffect">
-                                  <p:stCondLst>
-                                    <p:cond delay="0"/>
-                                  </p:stCondLst>
-                                  <p:childTnLst>
-                                    <p:set>
-                                      <p:cBhvr>
-                                        <p:cTn id="14" dur="1" fill="hold">
-                                          <p:stCondLst>
-                                            <p:cond delay="0"/>
-                                          </p:stCondLst>
-                                        </p:cTn>
-                                        <p:tgtEl>
-                                          <p:spTgt spid="14">
-                                            <p:txEl>
-                                              <p:pRg st="4" end="4"/>
-                                            </p:txEl>
-                                          </p:spTgt>
-                                        </p:tgtEl>
-                                        <p:attrNameLst>
-                                          <p:attrName>style.visibility</p:attrName>
-                                        </p:attrNameLst>
-                                      </p:cBhvr>
-                                      <p:to>
-                                        <p:strVal val="visible"/>
-                                      </p:to>
-                                    </p:set>
-                                  </p:childTnLst>
-                                </p:cTn>
-                              </p:par>
-                              <p:par>
-                                <p:cTn id="15" presetID="1" presetClass="entr" presetSubtype="0" fill="hold" nodeType="withEffect">
-                                  <p:stCondLst>
-                                    <p:cond delay="0"/>
-                                  </p:stCondLst>
-                                  <p:childTnLst>
-                                    <p:set>
-                                      <p:cBhvr>
-                                        <p:cTn id="16" dur="1" fill="hold">
-                                          <p:stCondLst>
-                                            <p:cond delay="0"/>
-                                          </p:stCondLst>
-                                        </p:cTn>
-                                        <p:tgtEl>
-                                          <p:spTgt spid="14">
-                                            <p:txEl>
-                                              <p:pRg st="5" end="5"/>
-                                            </p:txEl>
-                                          </p:spTgt>
-                                        </p:tgtEl>
-                                        <p:attrNameLst>
-                                          <p:attrName>style.visibility</p:attrName>
-                                        </p:attrNameLst>
-                                      </p:cBhvr>
-                                      <p:to>
-                                        <p:strVal val="visible"/>
-                                      </p:to>
-                                    </p:set>
-                                  </p:childTnLst>
-                                </p:cTn>
-                              </p:par>
-                              <p:par>
-                                <p:cTn id="17" presetID="1" presetClass="entr" presetSubtype="0" fill="hold" nodeType="withEffect">
-                                  <p:stCondLst>
-                                    <p:cond delay="0"/>
-                                  </p:stCondLst>
-                                  <p:childTnLst>
-                                    <p:set>
-                                      <p:cBhvr>
-                                        <p:cTn id="18" dur="1" fill="hold">
-                                          <p:stCondLst>
-                                            <p:cond delay="0"/>
-                                          </p:stCondLst>
-                                        </p:cTn>
-                                        <p:tgtEl>
-                                          <p:spTgt spid="14">
-                                            <p:txEl>
-                                              <p:pRg st="6" end="6"/>
-                                            </p:txEl>
-                                          </p:spTgt>
-                                        </p:tgtEl>
-                                        <p:attrNameLst>
-                                          <p:attrName>style.visibility</p:attrName>
-                                        </p:attrNameLst>
-                                      </p:cBhvr>
-                                      <p:to>
-                                        <p:strVal val="visible"/>
-                                      </p:to>
-                                    </p:set>
-                                  </p:childTnLst>
-                                </p:cTn>
-                              </p:par>
-                              <p:par>
-                                <p:cTn id="19" presetID="1" presetClass="entr" presetSubtype="0" fill="hold" nodeType="withEffect">
-                                  <p:stCondLst>
-                                    <p:cond delay="0"/>
-                                  </p:stCondLst>
-                                  <p:childTnLst>
-                                    <p:set>
-                                      <p:cBhvr>
-                                        <p:cTn id="20" dur="1" fill="hold">
-                                          <p:stCondLst>
-                                            <p:cond delay="0"/>
-                                          </p:stCondLst>
-                                        </p:cTn>
-                                        <p:tgtEl>
-                                          <p:spTgt spid="14">
-                                            <p:txEl>
-                                              <p:pRg st="7" end="7"/>
-                                            </p:txEl>
-                                          </p:spTgt>
-                                        </p:tgtEl>
-                                        <p:attrNameLst>
-                                          <p:attrName>style.visibility</p:attrName>
-                                        </p:attrNameLst>
-                                      </p:cBhvr>
-                                      <p:to>
-                                        <p:strVal val="visible"/>
-                                      </p:to>
-                                    </p:set>
-                                  </p:childTnLst>
-                                </p:cTn>
-                              </p:par>
-                              <p:par>
-                                <p:cTn id="21" presetID="1" presetClass="entr" presetSubtype="0" fill="hold" nodeType="withEffect">
-                                  <p:stCondLst>
-                                    <p:cond delay="0"/>
-                                  </p:stCondLst>
-                                  <p:childTnLst>
-                                    <p:set>
-                                      <p:cBhvr>
-                                        <p:cTn id="22" dur="1" fill="hold">
-                                          <p:stCondLst>
-                                            <p:cond delay="0"/>
-                                          </p:stCondLst>
-                                        </p:cTn>
-                                        <p:tgtEl>
-                                          <p:spTgt spid="14">
-                                            <p:txEl>
-                                              <p:pRg st="8" end="8"/>
-                                            </p:txEl>
-                                          </p:spTgt>
-                                        </p:tgtEl>
-                                        <p:attrNameLst>
-                                          <p:attrName>style.visibility</p:attrName>
-                                        </p:attrNameLst>
-                                      </p:cBhvr>
-                                      <p:to>
-                                        <p:strVal val="visible"/>
-                                      </p:to>
-                                    </p:set>
-                                  </p:childTnLst>
-                                </p:cTn>
-                              </p:par>
-                            </p:childTnLst>
-                          </p:cTn>
-                        </p:par>
-                      </p:childTnLst>
-                    </p:cTn>
-                  </p:par>
-                </p:childTnLst>
-              </p:cTn>
-              <p:prevCondLst>
-                <p:cond evt="onPrev" delay="0">
-                  <p:tgtEl>
-                    <p:sldTgt/>
-                  </p:tgtEl>
-                </p:cond>
-              </p:prevCondLst>
-              <p:nextCondLst>
-                <p:cond evt="onNext" delay="0">
-                  <p:tgtEl>
-                    <p:sldTgt/>
-                  </p:tgtEl>
-                </p:cond>
-              </p:nextCondLst>
-            </p:seq>
-          </p:childTnLst>
-        </p:cTn>
-      </p:par>
-    </p:tnLst>
-  </p:timing>
-</p:sld>
-</file>
-
-<file path=ppt/slides/slide4.xml><?xml version="1.0" encoding="utf-8"?>
-<p:sld xmlns:a="http://schemas.openxmlformats.org/drawingml/2006/main" xmlns:r="http://schemas.openxmlformats.org/officeDocument/2006/relationships" xmlns:p="http://schemas.openxmlformats.org/presentationml/2006/main">
-  <p:cSld>
-    <p:spTree>
-      <p:nvGrpSpPr>
-        <p:cNvPr id="1" name="">
-          <a:extLst>
-            <a:ext uri="{FF2B5EF4-FFF2-40B4-BE49-F238E27FC236}">
-              <a16:creationId xmlns:a16="http://schemas.microsoft.com/office/drawing/2014/main" id="{4254E758-0E9C-1A59-D8C1-58D462C9879C}"/>
-            </a:ext>
-          </a:extLst>
-        </p:cNvPr>
-        <p:cNvGrpSpPr/>
-        <p:nvPr/>
-      </p:nvGrpSpPr>
-      <p:grpSpPr>
-        <a:xfrm>
-          <a:off x="0" y="0"/>
-          <a:ext cx="0" cy="0"/>
-          <a:chOff x="0" y="0"/>
-          <a:chExt cx="0" cy="0"/>
-        </a:xfrm>
-      </p:grpSpPr>
-      <p:sp>
-        <p:nvSpPr>
-          <p:cNvPr id="12" name="Text Placeholder 11">
-            <a:extLst>
-              <a:ext uri="{FF2B5EF4-FFF2-40B4-BE49-F238E27FC236}">
-                <a16:creationId xmlns:a16="http://schemas.microsoft.com/office/drawing/2014/main" id="{F4EFDCEC-74D7-CC9F-3A0E-1009C7BB635B}"/>
-              </a:ext>
-            </a:extLst>
-          </p:cNvPr>
-          <p:cNvSpPr>
-            <a:spLocks noGrp="1"/>
-          </p:cNvSpPr>
-          <p:nvPr>
-            <p:ph type="body" sz="quarter" idx="10"/>
-          </p:nvPr>
-        </p:nvSpPr>
-        <p:spPr/>
-        <p:txBody>
-          <a:bodyPr/>
-          <a:lstStyle/>
-          <a:p>
-            <a:endParaRPr lang="en-US" sz="1000" dirty="0"/>
-          </a:p>
-        </p:txBody>
-      </p:sp>
-      <p:sp>
-        <p:nvSpPr>
-          <p:cNvPr id="11" name="Title 10">
-            <a:extLst>
-              <a:ext uri="{FF2B5EF4-FFF2-40B4-BE49-F238E27FC236}">
-                <a16:creationId xmlns:a16="http://schemas.microsoft.com/office/drawing/2014/main" id="{108EB9BC-7C8E-C179-D7B3-FA8C3832EAD4}"/>
-              </a:ext>
-            </a:extLst>
-          </p:cNvPr>
-          <p:cNvSpPr>
-            <a:spLocks noGrp="1"/>
-          </p:cNvSpPr>
-          <p:nvPr>
-            <p:ph type="title"/>
-          </p:nvPr>
-        </p:nvSpPr>
-        <p:spPr/>
-        <p:txBody>
-          <a:bodyPr/>
-          <a:lstStyle/>
-          <a:p>
-            <a:r>
-              <a:rPr lang="en-US" sz="1800" dirty="0"/>
-              <a:t>Security &amp; Identity Updates</a:t>
-            </a:r>
-            <a:endParaRPr lang="en-US" dirty="0"/>
-          </a:p>
-        </p:txBody>
-      </p:sp>
-      <p:sp>
-        <p:nvSpPr>
-          <p:cNvPr id="13" name="Text Placeholder 12">
-            <a:extLst>
-              <a:ext uri="{FF2B5EF4-FFF2-40B4-BE49-F238E27FC236}">
-                <a16:creationId xmlns:a16="http://schemas.microsoft.com/office/drawing/2014/main" id="{5B52A8BE-107A-17D0-9868-4A2D8C2F4337}"/>
-              </a:ext>
-            </a:extLst>
-          </p:cNvPr>
-          <p:cNvSpPr>
-            <a:spLocks noGrp="1"/>
-          </p:cNvSpPr>
-          <p:nvPr>
-            <p:ph type="body" sz="quarter" idx="15"/>
-          </p:nvPr>
-        </p:nvSpPr>
-        <p:spPr/>
-        <p:txBody>
-          <a:bodyPr/>
-          <a:lstStyle/>
-          <a:p>
-            <a:endParaRPr lang="en-US"/>
-          </a:p>
-        </p:txBody>
-      </p:sp>
-      <p:sp>
-        <p:nvSpPr>
-          <p:cNvPr id="14" name="Text Placeholder 13">
-            <a:extLst>
-              <a:ext uri="{FF2B5EF4-FFF2-40B4-BE49-F238E27FC236}">
-                <a16:creationId xmlns:a16="http://schemas.microsoft.com/office/drawing/2014/main" id="{6125CF61-DD31-42B7-98F6-ACEF3D4AB8DC}"/>
-              </a:ext>
-            </a:extLst>
-          </p:cNvPr>
-          <p:cNvSpPr>
-            <a:spLocks noGrp="1"/>
-          </p:cNvSpPr>
-          <p:nvPr>
-            <p:ph type="body" sz="quarter" idx="16"/>
-          </p:nvPr>
-        </p:nvSpPr>
-        <p:spPr>
-          <a:xfrm>
-            <a:off x="342900" y="855080"/>
-            <a:ext cx="3955312" cy="1155643"/>
-          </a:xfrm>
-        </p:spPr>
-        <p:txBody>
-          <a:bodyPr/>
-          <a:lstStyle/>
-          <a:p>
-            <a:pPr algn="just"/>
-            <a:r>
-              <a:rPr lang="en-US" dirty="0">
-                <a:hlinkClick r:id="rId2"/>
-              </a:rPr>
-              <a:t>Announcing Unified SOX &amp; DORA Compliance Solutions in Microsoft Sentinel</a:t>
-            </a:r>
-            <a:endParaRPr lang="en-US" dirty="0"/>
-          </a:p>
-          <a:p>
-            <a:pPr algn="just"/>
-            <a:r>
-              <a:rPr lang="en-US" dirty="0"/>
-              <a:t>As regulatory demands intensify, SOX and DORA have become critical compliance frameworks for financial organizations. Microsoft Sentinel now provides dedicated solutions for both, helping security and compliance teams maintain continuous, audit-ready compliance across cloud and enterprise environments.</a:t>
-            </a:r>
-          </a:p>
-        </p:txBody>
-      </p:sp>
-      <p:pic>
-        <p:nvPicPr>
-          <p:cNvPr id="3" name="Picture 2">
-            <a:extLst>
-              <a:ext uri="{FF2B5EF4-FFF2-40B4-BE49-F238E27FC236}">
-                <a16:creationId xmlns:a16="http://schemas.microsoft.com/office/drawing/2014/main" id="{F2B42777-D72E-75CF-C1F4-E606D608E728}"/>
-              </a:ext>
-            </a:extLst>
-          </p:cNvPr>
-          <p:cNvPicPr>
-            <a:picLocks noChangeAspect="1"/>
-          </p:cNvPicPr>
-          <p:nvPr/>
-        </p:nvPicPr>
-        <p:blipFill>
-          <a:blip r:embed="rId3"/>
-          <a:stretch>
-            <a:fillRect/>
-          </a:stretch>
-        </p:blipFill>
-        <p:spPr>
-          <a:xfrm>
-            <a:off x="342900" y="2163248"/>
-            <a:ext cx="3958388" cy="2125172"/>
-          </a:xfrm>
-          <a:prstGeom prst="rect">
-            <a:avLst/>
-          </a:prstGeom>
-        </p:spPr>
-      </p:pic>
-    </p:spTree>
-    <p:extLst>
-      <p:ext uri="{BB962C8B-B14F-4D97-AF65-F5344CB8AC3E}">
-        <p14:creationId xmlns:p14="http://schemas.microsoft.com/office/powerpoint/2010/main" val="2813364561"/>
-      </p:ext>
-    </p:extLst>
-  </p:cSld>
-  <p:clrMapOvr>
-    <a:masterClrMapping/>
-  </p:clrMapOvr>
-  <mc:AlternateContent xmlns:mc="http://schemas.openxmlformats.org/markup-compatibility/2006" xmlns:p14="http://schemas.microsoft.com/office/powerpoint/2010/main">
-    <mc:Choice Requires="p14">
-      <p:transition spd="med" p14:dur="700">
-        <p:fade/>
-      </p:transition>
-    </mc:Choice>
-    <mc:Fallback xmlns="">
-      <p:transition spd="med">
-        <p:fade/>
-      </p:transition>
-    </mc:Fallback>
-  </mc:AlternateContent>
-  <p:timing>
-    <p:tnLst>
-      <p:par>
-        <p:cTn id="1" dur="indefinite" restart="never" nodeType="tmRoot">
-          <p:childTnLst>
-            <p:seq concurrent="1" nextAc="seek">
-              <p:cTn id="2" dur="indefinite" nodeType="mainSeq">
-                <p:childTnLst>
-                  <p:par>
-                    <p:cTn id="3" fill="hold">
-                      <p:stCondLst>
-                        <p:cond delay="indefinite"/>
-                      </p:stCondLst>
-                      <p:childTnLst>
-                        <p:par>
-                          <p:cTn id="4" fill="hold">
-                            <p:stCondLst>
-                              <p:cond delay="0"/>
-                            </p:stCondLst>
-                            <p:childTnLst>
-                              <p:par>
-                                <p:cTn id="5" presetID="1" presetClass="entr" presetSubtype="0" fill="hold" grpId="0" nodeType="clickEffect">
-                                  <p:stCondLst>
-                                    <p:cond delay="0"/>
-                                  </p:stCondLst>
-                                  <p:childTnLst>
-                                    <p:set>
-                                      <p:cBhvr>
-                                        <p:cTn id="6" dur="1" fill="hold">
-                                          <p:stCondLst>
-                                            <p:cond delay="0"/>
-                                          </p:stCondLst>
-                                        </p:cTn>
-                                        <p:tgtEl>
-                                          <p:spTgt spid="14">
-                                            <p:txEl>
-                                              <p:pRg st="0" end="0"/>
-                                            </p:txEl>
-                                          </p:spTgt>
-                                        </p:tgtEl>
-                                        <p:attrNameLst>
-                                          <p:attrName>style.visibility</p:attrName>
-                                        </p:attrNameLst>
-                                      </p:cBhvr>
-                                      <p:to>
-                                        <p:strVal val="visible"/>
-                                      </p:to>
-                                    </p:set>
-                                  </p:childTnLst>
-                                </p:cTn>
-                              </p:par>
-                              <p:par>
-                                <p:cTn id="7" presetID="1" presetClass="entr" presetSubtype="0" fill="hold" grpId="0" nodeType="withEffect">
-                                  <p:stCondLst>
-                                    <p:cond delay="0"/>
-                                  </p:stCondLst>
-                                  <p:childTnLst>
-                                    <p:set>
-                                      <p:cBhvr>
-                                        <p:cTn id="8" dur="1" fill="hold">
-                                          <p:stCondLst>
-                                            <p:cond delay="0"/>
-                                          </p:stCondLst>
-                                        </p:cTn>
-                                        <p:tgtEl>
-                                          <p:spTgt spid="14">
-                                            <p:txEl>
-                                              <p:pRg st="1" end="1"/>
-                                            </p:txEl>
-                                          </p:spTgt>
-                                        </p:tgtEl>
-                                        <p:attrNameLst>
-                                          <p:attrName>style.visibility</p:attrName>
-                                        </p:attrNameLst>
-                                      </p:cBhvr>
-                                      <p:to>
-                                        <p:strVal val="visible"/>
-                                      </p:to>
-                                    </p:set>
-                                  </p:childTnLst>
-                                </p:cTn>
-                              </p:par>
-                              <p:par>
-                                <p:cTn id="9" presetID="1" presetClass="entr" presetSubtype="0" fill="hold" nodeType="withEffect">
-                                  <p:stCondLst>
-                                    <p:cond delay="0"/>
-                                  </p:stCondLst>
-                                  <p:childTnLst>
-                                    <p:set>
-                                      <p:cBhvr>
-                                        <p:cTn id="10" dur="1" fill="hold">
-                                          <p:stCondLst>
-                                            <p:cond delay="0"/>
-                                          </p:stCondLst>
-                                        </p:cTn>
-                                        <p:tgtEl>
-                                          <p:spTgt spid="3"/>
-                                        </p:tgtEl>
-                                        <p:attrNameLst>
-                                          <p:attrName>style.visibility</p:attrName>
-                                        </p:attrNameLst>
-                                      </p:cBhvr>
-                                      <p:to>
-                                        <p:strVal val="visible"/>
-                                      </p:to>
-                                    </p:set>
-                                  </p:childTnLst>
-                                </p:cTn>
-                              </p:par>
-                            </p:childTnLst>
-                          </p:cTn>
-                        </p:par>
-                      </p:childTnLst>
-                    </p:cTn>
-                  </p:par>
-                </p:childTnLst>
-              </p:cTn>
-              <p:prevCondLst>
-                <p:cond evt="onPrev" delay="0">
-                  <p:tgtEl>
-                    <p:sldTgt/>
-                  </p:tgtEl>
-                </p:cond>
-              </p:prevCondLst>
-              <p:nextCondLst>
-                <p:cond evt="onNext" delay="0">
-                  <p:tgtEl>
-                    <p:sldTgt/>
-                  </p:tgtEl>
-                </p:cond>
-              </p:nextCondLst>
-            </p:seq>
-          </p:childTnLst>
-        </p:cTn>
-      </p:par>
-    </p:tnLst>
-    <p:bldLst>
-      <p:bldP spid="14" grpId="0" build="p"/>
-    </p:bldLst>
-  </p:timing>
-</p:sld>
-</file>
-
-<file path=ppt/slides/slide5.xml><?xml version="1.0" encoding="utf-8"?>
-<p:sld xmlns:a="http://schemas.openxmlformats.org/drawingml/2006/main" xmlns:r="http://schemas.openxmlformats.org/officeDocument/2006/relationships" xmlns:p="http://schemas.openxmlformats.org/presentationml/2006/main" showMasterSp="0">
-  <p:cSld>
-    <p:spTree>
-      <p:nvGrpSpPr>
-        <p:cNvPr id="1" name=""/>
-        <p:cNvGrpSpPr/>
-        <p:nvPr/>
-      </p:nvGrpSpPr>
-      <p:grpSpPr>
-        <a:xfrm>
-          <a:off x="0" y="0"/>
-          <a:ext cx="0" cy="0"/>
-          <a:chOff x="0" y="0"/>
-          <a:chExt cx="0" cy="0"/>
-        </a:xfrm>
-      </p:grpSpPr>
-      <p:sp>
-        <p:nvSpPr>
-          <p:cNvPr id="4" name="Text Placeholder 3">
-            <a:extLst>
-              <a:ext uri="{FF2B5EF4-FFF2-40B4-BE49-F238E27FC236}">
-                <a16:creationId xmlns:a16="http://schemas.microsoft.com/office/drawing/2014/main" id="{17F39168-7046-60A5-1EEA-8D2B5EAAE24F}"/>
-              </a:ext>
-            </a:extLst>
-          </p:cNvPr>
-          <p:cNvSpPr>
-            <a:spLocks noGrp="1"/>
-          </p:cNvSpPr>
-          <p:nvPr>
-            <p:ph type="body" sz="quarter" idx="13"/>
-          </p:nvPr>
-        </p:nvSpPr>
-        <p:spPr>
-          <a:xfrm>
-            <a:off x="252845" y="1285875"/>
-            <a:ext cx="8796812" cy="1714500"/>
-          </a:xfrm>
-        </p:spPr>
-        <p:txBody>
-          <a:bodyPr/>
-          <a:lstStyle/>
-          <a:p>
-            <a:r>
-              <a:rPr lang="en-US" sz="4000" dirty="0"/>
-              <a:t>Management &amp; Governance</a:t>
-            </a:r>
-          </a:p>
-        </p:txBody>
-      </p:sp>
-    </p:spTree>
-    <p:extLst>
-      <p:ext uri="{BB962C8B-B14F-4D97-AF65-F5344CB8AC3E}">
-        <p14:creationId xmlns:p14="http://schemas.microsoft.com/office/powerpoint/2010/main" val="3479183145"/>
-      </p:ext>
-    </p:extLst>
-  </p:cSld>
-  <p:clrMapOvr>
-    <a:masterClrMapping/>
-  </p:clrMapOvr>
-</p:sld>
-</file>
-
-<file path=ppt/slides/slide6.xml><?xml version="1.0" encoding="utf-8"?>
-<p:sld xmlns:a="http://schemas.openxmlformats.org/drawingml/2006/main" xmlns:r="http://schemas.openxmlformats.org/officeDocument/2006/relationships" xmlns:p="http://schemas.openxmlformats.org/presentationml/2006/main" showMasterSp="0">
-  <p:cSld>
-    <p:spTree>
-      <p:nvGrpSpPr>
-        <p:cNvPr id="1" name=""/>
-        <p:cNvGrpSpPr/>
-        <p:nvPr/>
-      </p:nvGrpSpPr>
-      <p:grpSpPr>
-        <a:xfrm>
-          <a:off x="0" y="0"/>
-          <a:ext cx="0" cy="0"/>
-          <a:chOff x="0" y="0"/>
-          <a:chExt cx="0" cy="0"/>
-        </a:xfrm>
-      </p:grpSpPr>
-      <p:sp>
-        <p:nvSpPr>
-          <p:cNvPr id="12" name="Text Placeholder 11">
-            <a:extLst>
-              <a:ext uri="{FF2B5EF4-FFF2-40B4-BE49-F238E27FC236}">
-                <a16:creationId xmlns:a16="http://schemas.microsoft.com/office/drawing/2014/main" id="{F5D0A865-EAC9-D4DF-765C-2BBCA9EC1F5C}"/>
-              </a:ext>
-            </a:extLst>
-          </p:cNvPr>
-          <p:cNvSpPr>
-            <a:spLocks noGrp="1"/>
-          </p:cNvSpPr>
-          <p:nvPr>
-            <p:ph type="body" sz="quarter" idx="10"/>
-          </p:nvPr>
-        </p:nvSpPr>
-        <p:spPr/>
-        <p:txBody>
-          <a:bodyPr/>
-          <a:lstStyle/>
-          <a:p>
-            <a:endParaRPr lang="en-US" sz="1000" dirty="0"/>
-          </a:p>
-        </p:txBody>
-      </p:sp>
-      <p:sp>
-        <p:nvSpPr>
-          <p:cNvPr id="11" name="Title 10">
-            <a:extLst>
-              <a:ext uri="{FF2B5EF4-FFF2-40B4-BE49-F238E27FC236}">
-                <a16:creationId xmlns:a16="http://schemas.microsoft.com/office/drawing/2014/main" id="{0A19052D-1C06-3BF6-CD73-31098A5519FB}"/>
-              </a:ext>
-            </a:extLst>
-          </p:cNvPr>
-          <p:cNvSpPr>
-            <a:spLocks noGrp="1"/>
-          </p:cNvSpPr>
-          <p:nvPr>
-            <p:ph type="title"/>
-          </p:nvPr>
-        </p:nvSpPr>
-        <p:spPr/>
-        <p:txBody>
-          <a:bodyPr/>
-          <a:lstStyle/>
-          <a:p>
-            <a:r>
-              <a:rPr lang="en-US" sz="1800" dirty="0"/>
-              <a:t>Management &amp; Governance Updates</a:t>
-            </a:r>
-            <a:endParaRPr lang="en-US" dirty="0"/>
-          </a:p>
-        </p:txBody>
-      </p:sp>
-      <p:sp>
-        <p:nvSpPr>
-          <p:cNvPr id="13" name="Text Placeholder 12">
-            <a:extLst>
-              <a:ext uri="{FF2B5EF4-FFF2-40B4-BE49-F238E27FC236}">
-                <a16:creationId xmlns:a16="http://schemas.microsoft.com/office/drawing/2014/main" id="{AB83368C-23D2-63DD-1F2B-65AB8A48B236}"/>
-              </a:ext>
-            </a:extLst>
-          </p:cNvPr>
-          <p:cNvSpPr>
-            <a:spLocks noGrp="1"/>
-          </p:cNvSpPr>
-          <p:nvPr>
-            <p:ph type="body" sz="quarter" idx="15"/>
-          </p:nvPr>
-        </p:nvSpPr>
-        <p:spPr/>
-        <p:txBody>
-          <a:bodyPr/>
-          <a:lstStyle/>
-          <a:p>
-            <a:endParaRPr lang="en-US"/>
-          </a:p>
-        </p:txBody>
-      </p:sp>
-      <p:sp>
-        <p:nvSpPr>
-          <p:cNvPr id="14" name="Text Placeholder 13">
-            <a:extLst>
-              <a:ext uri="{FF2B5EF4-FFF2-40B4-BE49-F238E27FC236}">
-                <a16:creationId xmlns:a16="http://schemas.microsoft.com/office/drawing/2014/main" id="{1DF1A36F-4250-259D-24AE-F82FE69A7F7E}"/>
-              </a:ext>
-            </a:extLst>
-          </p:cNvPr>
-          <p:cNvSpPr>
-            <a:spLocks noGrp="1"/>
-          </p:cNvSpPr>
-          <p:nvPr>
-            <p:ph type="body" sz="quarter" idx="16"/>
-          </p:nvPr>
-        </p:nvSpPr>
-        <p:spPr>
-          <a:xfrm>
-            <a:off x="342900" y="855081"/>
-            <a:ext cx="3955312" cy="1620024"/>
-          </a:xfrm>
-        </p:spPr>
-        <p:txBody>
-          <a:bodyPr/>
-          <a:lstStyle/>
-          <a:p>
-            <a:r>
-              <a:rPr lang="en-US" dirty="0">
-                <a:hlinkClick r:id="rId2"/>
-              </a:rPr>
-              <a:t>Azure Arc Portal Update: Simplifying Onboarding and Management at Scale</a:t>
-            </a:r>
-            <a:endParaRPr lang="ru-RU" dirty="0"/>
-          </a:p>
-          <a:p>
-            <a:pPr marL="171450" indent="-171450">
-              <a:buFont typeface="Arial" panose="020B0604020202020204" pitchFamily="34" charset="0"/>
-              <a:buChar char="•"/>
-            </a:pPr>
-            <a:r>
-              <a:rPr lang="en-US" dirty="0"/>
-              <a:t>Improved Learnability &amp; Discoverability:</a:t>
-            </a:r>
-          </a:p>
-          <a:p>
-            <a:pPr marL="514350" lvl="1" indent="-171450">
-              <a:buFont typeface="Arial" panose="020B0604020202020204" pitchFamily="34" charset="0"/>
-              <a:buChar char="•"/>
-            </a:pPr>
-            <a:r>
-              <a:rPr lang="en-US" sz="1000" dirty="0">
-                <a:latin typeface="+mj-lt"/>
-              </a:rPr>
-              <a:t>Redesigned Landing Page</a:t>
-            </a:r>
-          </a:p>
-          <a:p>
-            <a:pPr marL="514350" lvl="1" indent="-171450">
-              <a:buFont typeface="Arial" panose="020B0604020202020204" pitchFamily="34" charset="0"/>
-              <a:buChar char="•"/>
-            </a:pPr>
-            <a:r>
-              <a:rPr lang="en-US" sz="1000" dirty="0">
-                <a:latin typeface="+mj-lt"/>
-              </a:rPr>
-              <a:t>Guided Onboarding</a:t>
-            </a:r>
-          </a:p>
-          <a:p>
-            <a:pPr marL="514350" lvl="1" indent="-171450">
-              <a:buFont typeface="Arial" panose="020B0604020202020204" pitchFamily="34" charset="0"/>
-              <a:buChar char="•"/>
-            </a:pPr>
-            <a:r>
-              <a:rPr lang="en-US" sz="1000" dirty="0">
-                <a:latin typeface="+mj-lt"/>
-              </a:rPr>
-              <a:t>Refreshed Navigation</a:t>
-            </a:r>
-          </a:p>
-          <a:p>
-            <a:pPr marL="171450" indent="-171450">
-              <a:buFont typeface="Arial" panose="020B0604020202020204" pitchFamily="34" charset="0"/>
-              <a:buChar char="•"/>
-            </a:pPr>
-            <a:r>
-              <a:rPr lang="en-US" dirty="0"/>
-              <a:t>Unified Machine Onboarding</a:t>
-            </a:r>
-          </a:p>
-          <a:p>
-            <a:pPr marL="171450" indent="-171450">
-              <a:buFont typeface="Arial" panose="020B0604020202020204" pitchFamily="34" charset="0"/>
-              <a:buChar char="•"/>
-            </a:pPr>
-            <a:r>
-              <a:rPr lang="en-US" dirty="0"/>
-              <a:t>More Actionable Arc Portal Dashboards</a:t>
-            </a:r>
-          </a:p>
-          <a:p>
-            <a:endParaRPr lang="ru-RU" sz="1250" dirty="0"/>
-          </a:p>
-        </p:txBody>
-      </p:sp>
-      <p:pic>
-        <p:nvPicPr>
-          <p:cNvPr id="3" name="Picture 2">
-            <a:extLst>
-              <a:ext uri="{FF2B5EF4-FFF2-40B4-BE49-F238E27FC236}">
-                <a16:creationId xmlns:a16="http://schemas.microsoft.com/office/drawing/2014/main" id="{EECF9AAA-A055-3E04-B4A0-78E6871A41FF}"/>
-              </a:ext>
-            </a:extLst>
-          </p:cNvPr>
-          <p:cNvPicPr>
-            <a:picLocks noChangeAspect="1"/>
-          </p:cNvPicPr>
-          <p:nvPr/>
-        </p:nvPicPr>
-        <p:blipFill>
-          <a:blip r:embed="rId3"/>
-          <a:stretch>
-            <a:fillRect/>
-          </a:stretch>
-        </p:blipFill>
-        <p:spPr>
-          <a:xfrm>
-            <a:off x="781664" y="2475105"/>
-            <a:ext cx="2650926" cy="1919795"/>
-          </a:xfrm>
-          <a:prstGeom prst="rect">
-            <a:avLst/>
-          </a:prstGeom>
-        </p:spPr>
-      </p:pic>
-    </p:spTree>
-    <p:extLst>
-      <p:ext uri="{BB962C8B-B14F-4D97-AF65-F5344CB8AC3E}">
-        <p14:creationId xmlns:p14="http://schemas.microsoft.com/office/powerpoint/2010/main" val="520864076"/>
-      </p:ext>
-    </p:extLst>
-  </p:cSld>
-  <p:clrMapOvr>
-    <a:masterClrMapping/>
-  </p:clrMapOvr>
-  <mc:AlternateContent xmlns:mc="http://schemas.openxmlformats.org/markup-compatibility/2006" xmlns:p14="http://schemas.microsoft.com/office/powerpoint/2010/main">
-    <mc:Choice Requires="p14">
-      <p:transition spd="med" p14:dur="700">
-        <p:fade/>
-      </p:transition>
-    </mc:Choice>
-    <mc:Fallback xmlns="">
-      <p:transition spd="med">
-        <p:fade/>
-      </p:transition>
-    </mc:Fallback>
-  </mc:AlternateContent>
-  <p:timing>
-    <p:tnLst>
-      <p:par>
-        <p:cTn id="1" dur="indefinite" restart="never" nodeType="tmRoot">
-          <p:childTnLst>
-            <p:seq concurrent="1" nextAc="seek">
-              <p:cTn id="2" dur="indefinite" nodeType="mainSeq">
-                <p:childTnLst>
-                  <p:par>
-                    <p:cTn id="3" fill="hold">
-                      <p:stCondLst>
-                        <p:cond delay="indefinite"/>
-                      </p:stCondLst>
-                      <p:childTnLst>
-                        <p:par>
-                          <p:cTn id="4" fill="hold">
-                            <p:stCondLst>
-                              <p:cond delay="0"/>
-                            </p:stCondLst>
-                            <p:childTnLst>
-                              <p:par>
-                                <p:cTn id="5" presetID="1" presetClass="entr" presetSubtype="0" fill="hold" grpId="0" nodeType="clickEffect">
-                                  <p:stCondLst>
-                                    <p:cond delay="0"/>
-                                  </p:stCondLst>
-                                  <p:childTnLst>
-                                    <p:set>
-                                      <p:cBhvr>
-                                        <p:cTn id="6" dur="1" fill="hold">
-                                          <p:stCondLst>
-                                            <p:cond delay="0"/>
-                                          </p:stCondLst>
-                                        </p:cTn>
-                                        <p:tgtEl>
-                                          <p:spTgt spid="14">
-                                            <p:txEl>
-                                              <p:pRg st="0" end="0"/>
-                                            </p:txEl>
-                                          </p:spTgt>
-                                        </p:tgtEl>
-                                        <p:attrNameLst>
-                                          <p:attrName>style.visibility</p:attrName>
-                                        </p:attrNameLst>
-                                      </p:cBhvr>
-                                      <p:to>
-                                        <p:strVal val="visible"/>
-                                      </p:to>
-                                    </p:set>
-                                  </p:childTnLst>
-                                </p:cTn>
-                              </p:par>
-                              <p:par>
-                                <p:cTn id="7" presetID="1" presetClass="entr" presetSubtype="0" fill="hold" grpId="0" nodeType="withEffect">
-                                  <p:stCondLst>
-                                    <p:cond delay="0"/>
-                                  </p:stCondLst>
-                                  <p:childTnLst>
-                                    <p:set>
-                                      <p:cBhvr>
-                                        <p:cTn id="8" dur="1" fill="hold">
-                                          <p:stCondLst>
-                                            <p:cond delay="0"/>
-                                          </p:stCondLst>
-                                        </p:cTn>
-                                        <p:tgtEl>
-                                          <p:spTgt spid="14">
-                                            <p:txEl>
-                                              <p:pRg st="1" end="1"/>
-                                            </p:txEl>
-                                          </p:spTgt>
-                                        </p:tgtEl>
-                                        <p:attrNameLst>
-                                          <p:attrName>style.visibility</p:attrName>
-                                        </p:attrNameLst>
-                                      </p:cBhvr>
-                                      <p:to>
-                                        <p:strVal val="visible"/>
-                                      </p:to>
-                                    </p:set>
-                                  </p:childTnLst>
-                                </p:cTn>
-                              </p:par>
-                              <p:par>
-                                <p:cTn id="9" presetID="1" presetClass="entr" presetSubtype="0" fill="hold" grpId="0" nodeType="withEffect">
-                                  <p:stCondLst>
-                                    <p:cond delay="0"/>
-                                  </p:stCondLst>
-                                  <p:childTnLst>
-                                    <p:set>
-                                      <p:cBhvr>
-                                        <p:cTn id="10" dur="1" fill="hold">
-                                          <p:stCondLst>
-                                            <p:cond delay="0"/>
-                                          </p:stCondLst>
-                                        </p:cTn>
-                                        <p:tgtEl>
-                                          <p:spTgt spid="14">
-                                            <p:txEl>
-                                              <p:pRg st="2" end="2"/>
-                                            </p:txEl>
-                                          </p:spTgt>
-                                        </p:tgtEl>
-                                        <p:attrNameLst>
-                                          <p:attrName>style.visibility</p:attrName>
-                                        </p:attrNameLst>
-                                      </p:cBhvr>
-                                      <p:to>
-                                        <p:strVal val="visible"/>
-                                      </p:to>
-                                    </p:set>
-                                  </p:childTnLst>
-                                </p:cTn>
-                              </p:par>
-                              <p:par>
-                                <p:cTn id="11" presetID="1" presetClass="entr" presetSubtype="0" fill="hold" grpId="0" nodeType="withEffect">
-                                  <p:stCondLst>
-                                    <p:cond delay="0"/>
-                                  </p:stCondLst>
-                                  <p:childTnLst>
-                                    <p:set>
-                                      <p:cBhvr>
-                                        <p:cTn id="12" dur="1" fill="hold">
-                                          <p:stCondLst>
-                                            <p:cond delay="0"/>
-                                          </p:stCondLst>
-                                        </p:cTn>
-                                        <p:tgtEl>
-                                          <p:spTgt spid="14">
-                                            <p:txEl>
-                                              <p:pRg st="3" end="3"/>
-                                            </p:txEl>
-                                          </p:spTgt>
-                                        </p:tgtEl>
-                                        <p:attrNameLst>
-                                          <p:attrName>style.visibility</p:attrName>
-                                        </p:attrNameLst>
-                                      </p:cBhvr>
-                                      <p:to>
-                                        <p:strVal val="visible"/>
-                                      </p:to>
-                                    </p:set>
-                                  </p:childTnLst>
-                                </p:cTn>
-                              </p:par>
-                              <p:par>
-                                <p:cTn id="13" presetID="1" presetClass="entr" presetSubtype="0" fill="hold" grpId="0" nodeType="withEffect">
-                                  <p:stCondLst>
-                                    <p:cond delay="0"/>
-                                  </p:stCondLst>
-                                  <p:childTnLst>
-                                    <p:set>
-                                      <p:cBhvr>
-                                        <p:cTn id="14" dur="1" fill="hold">
-                                          <p:stCondLst>
-                                            <p:cond delay="0"/>
-                                          </p:stCondLst>
-                                        </p:cTn>
-                                        <p:tgtEl>
-                                          <p:spTgt spid="14">
-                                            <p:txEl>
-                                              <p:pRg st="4" end="4"/>
-                                            </p:txEl>
-                                          </p:spTgt>
-                                        </p:tgtEl>
-                                        <p:attrNameLst>
-                                          <p:attrName>style.visibility</p:attrName>
-                                        </p:attrNameLst>
-                                      </p:cBhvr>
-                                      <p:to>
-                                        <p:strVal val="visible"/>
-                                      </p:to>
-                                    </p:set>
-                                  </p:childTnLst>
-                                </p:cTn>
-                              </p:par>
-                              <p:par>
-                                <p:cTn id="15" presetID="1" presetClass="entr" presetSubtype="0" fill="hold" grpId="0" nodeType="withEffect">
-                                  <p:stCondLst>
-                                    <p:cond delay="0"/>
-                                  </p:stCondLst>
-                                  <p:childTnLst>
-                                    <p:set>
-                                      <p:cBhvr>
-                                        <p:cTn id="16" dur="1" fill="hold">
-                                          <p:stCondLst>
-                                            <p:cond delay="0"/>
-                                          </p:stCondLst>
-                                        </p:cTn>
-                                        <p:tgtEl>
-                                          <p:spTgt spid="14">
-                                            <p:txEl>
-                                              <p:pRg st="5" end="5"/>
-                                            </p:txEl>
-                                          </p:spTgt>
-                                        </p:tgtEl>
-                                        <p:attrNameLst>
-                                          <p:attrName>style.visibility</p:attrName>
-                                        </p:attrNameLst>
-                                      </p:cBhvr>
-                                      <p:to>
-                                        <p:strVal val="visible"/>
-                                      </p:to>
-                                    </p:set>
-                                  </p:childTnLst>
-                                </p:cTn>
-                              </p:par>
-                              <p:par>
-                                <p:cTn id="17" presetID="1" presetClass="entr" presetSubtype="0" fill="hold" grpId="0" nodeType="withEffect">
-                                  <p:stCondLst>
-                                    <p:cond delay="0"/>
-                                  </p:stCondLst>
-                                  <p:childTnLst>
-                                    <p:set>
-                                      <p:cBhvr>
-                                        <p:cTn id="18" dur="1" fill="hold">
-                                          <p:stCondLst>
-                                            <p:cond delay="0"/>
-                                          </p:stCondLst>
-                                        </p:cTn>
-                                        <p:tgtEl>
-                                          <p:spTgt spid="14">
-                                            <p:txEl>
-                                              <p:pRg st="6" end="6"/>
-                                            </p:txEl>
-                                          </p:spTgt>
-                                        </p:tgtEl>
-                                        <p:attrNameLst>
-                                          <p:attrName>style.visibility</p:attrName>
-                                        </p:attrNameLst>
-                                      </p:cBhvr>
-                                      <p:to>
-                                        <p:strVal val="visible"/>
-                                      </p:to>
-                                    </p:set>
-                                  </p:childTnLst>
-                                </p:cTn>
-                              </p:par>
-                              <p:par>
-                                <p:cTn id="19" presetID="1" presetClass="entr" presetSubtype="0" fill="hold" nodeType="withEffect">
-                                  <p:stCondLst>
-                                    <p:cond delay="0"/>
-                                  </p:stCondLst>
-                                  <p:childTnLst>
-                                    <p:set>
-                                      <p:cBhvr>
-                                        <p:cTn id="20" dur="1" fill="hold">
-                                          <p:stCondLst>
-                                            <p:cond delay="0"/>
-                                          </p:stCondLst>
-                                        </p:cTn>
-                                        <p:tgtEl>
-                                          <p:spTgt spid="3"/>
-                                        </p:tgtEl>
-                                        <p:attrNameLst>
-                                          <p:attrName>style.visibility</p:attrName>
-                                        </p:attrNameLst>
-                                      </p:cBhvr>
-                                      <p:to>
-                                        <p:strVal val="visible"/>
-                                      </p:to>
-                                    </p:set>
-                                  </p:childTnLst>
-                                </p:cTn>
-                              </p:par>
-                            </p:childTnLst>
-                          </p:cTn>
-                        </p:par>
-                      </p:childTnLst>
-                    </p:cTn>
-                  </p:par>
-                </p:childTnLst>
-              </p:cTn>
-              <p:prevCondLst>
-                <p:cond evt="onPrev" delay="0">
-                  <p:tgtEl>
-                    <p:sldTgt/>
-                  </p:tgtEl>
-                </p:cond>
-              </p:prevCondLst>
-              <p:nextCondLst>
-                <p:cond evt="onNext" delay="0">
-                  <p:tgtEl>
-                    <p:sldTgt/>
-                  </p:tgtEl>
-                </p:cond>
-              </p:nextCondLst>
-            </p:seq>
-          </p:childTnLst>
-        </p:cTn>
-      </p:par>
-    </p:tnLst>
-    <p:bldLst>
-      <p:bldP spid="14" grpId="0" build="p"/>
-    </p:bldLst>
-  </p:timing>
-</p:sld>
-</file>
-
-<file path=ppt/slides/slide7.xml><?xml version="1.0" encoding="utf-8"?>
-<p:sld xmlns:a="http://schemas.openxmlformats.org/drawingml/2006/main" xmlns:r="http://schemas.openxmlformats.org/officeDocument/2006/relationships" xmlns:p="http://schemas.openxmlformats.org/presentationml/2006/main" showMasterSp="0">
-  <p:cSld>
-    <p:spTree>
-      <p:nvGrpSpPr>
-        <p:cNvPr id="1" name=""/>
-        <p:cNvGrpSpPr/>
-        <p:nvPr/>
-      </p:nvGrpSpPr>
-      <p:grpSpPr>
-        <a:xfrm>
-          <a:off x="0" y="0"/>
-          <a:ext cx="0" cy="0"/>
-          <a:chOff x="0" y="0"/>
-          <a:chExt cx="0" cy="0"/>
-        </a:xfrm>
-      </p:grpSpPr>
-      <p:sp>
-        <p:nvSpPr>
-          <p:cNvPr id="4" name="Text Placeholder 3">
-            <a:extLst>
-              <a:ext uri="{FF2B5EF4-FFF2-40B4-BE49-F238E27FC236}">
-                <a16:creationId xmlns:a16="http://schemas.microsoft.com/office/drawing/2014/main" id="{17F39168-7046-60A5-1EEA-8D2B5EAAE24F}"/>
-              </a:ext>
-            </a:extLst>
-          </p:cNvPr>
-          <p:cNvSpPr>
-            <a:spLocks noGrp="1"/>
-          </p:cNvSpPr>
-          <p:nvPr>
-            <p:ph type="body" sz="quarter" idx="13"/>
-          </p:nvPr>
-        </p:nvSpPr>
-        <p:spPr/>
-        <p:txBody>
-          <a:bodyPr/>
-          <a:lstStyle/>
-          <a:p>
-            <a:r>
-              <a:rPr lang="en-US" sz="4000" dirty="0"/>
-              <a:t>Compute</a:t>
-            </a:r>
-          </a:p>
-        </p:txBody>
-      </p:sp>
-    </p:spTree>
-    <p:extLst>
-      <p:ext uri="{BB962C8B-B14F-4D97-AF65-F5344CB8AC3E}">
-        <p14:creationId xmlns:p14="http://schemas.microsoft.com/office/powerpoint/2010/main" val="274742856"/>
-      </p:ext>
-    </p:extLst>
-  </p:cSld>
-  <p:clrMapOvr>
-    <a:masterClrMapping/>
-  </p:clrMapOvr>
-</p:sld>
-</file>
-
-<file path=ppt/slides/slide8.xml><?xml version="1.0" encoding="utf-8"?>
 <p:sld xmlns:a="http://schemas.openxmlformats.org/drawingml/2006/main" xmlns:r="http://schemas.openxmlformats.org/officeDocument/2006/relationships" xmlns:p="http://schemas.openxmlformats.org/presentationml/2006/main" showMasterSp="0">
   <p:cSld>
     <p:spTree>
@@ -6719,7 +3883,7 @@
 </p:sld>
 </file>
 
-<file path=ppt/slides/slide9.xml><?xml version="1.0" encoding="utf-8"?>
+<file path=ppt/slides/slide11.xml><?xml version="1.0" encoding="utf-8"?>
 <p:sld xmlns:a="http://schemas.openxmlformats.org/drawingml/2006/main" xmlns:r="http://schemas.openxmlformats.org/officeDocument/2006/relationships" xmlns:p="http://schemas.openxmlformats.org/presentationml/2006/main">
   <p:cSld>
     <p:spTree>
@@ -7456,6 +4620,4932 @@
       </p:par>
     </p:tnLst>
   </p:timing>
+</p:sld>
+</file>
+
+<file path=ppt/slides/slide12.xml><?xml version="1.0" encoding="utf-8"?>
+<p:sld xmlns:a="http://schemas.openxmlformats.org/drawingml/2006/main" xmlns:r="http://schemas.openxmlformats.org/officeDocument/2006/relationships" xmlns:p="http://schemas.openxmlformats.org/presentationml/2006/main">
+  <p:cSld>
+    <p:spTree>
+      <p:nvGrpSpPr>
+        <p:cNvPr id="1" name=""/>
+        <p:cNvGrpSpPr/>
+        <p:nvPr/>
+      </p:nvGrpSpPr>
+      <p:grpSpPr>
+        <a:xfrm>
+          <a:off x="0" y="0"/>
+          <a:ext cx="0" cy="0"/>
+          <a:chOff x="0" y="0"/>
+          <a:chExt cx="0" cy="0"/>
+        </a:xfrm>
+      </p:grpSpPr>
+      <p:sp>
+        <p:nvSpPr>
+          <p:cNvPr id="2" name="Text Placeholder 1">
+            <a:extLst>
+              <a:ext uri="{FF2B5EF4-FFF2-40B4-BE49-F238E27FC236}">
+                <a16:creationId xmlns:a16="http://schemas.microsoft.com/office/drawing/2014/main" id="{8DE25007-B112-5BEE-A20A-F919B3C5561F}"/>
+              </a:ext>
+            </a:extLst>
+          </p:cNvPr>
+          <p:cNvSpPr>
+            <a:spLocks noGrp="1"/>
+          </p:cNvSpPr>
+          <p:nvPr>
+            <p:ph type="body" sz="quarter" idx="10"/>
+          </p:nvPr>
+        </p:nvSpPr>
+        <p:spPr/>
+        <p:txBody>
+          <a:bodyPr/>
+          <a:lstStyle/>
+          <a:p>
+            <a:endParaRPr lang="en-US"/>
+          </a:p>
+        </p:txBody>
+      </p:sp>
+      <p:sp>
+        <p:nvSpPr>
+          <p:cNvPr id="3" name="Title 2">
+            <a:extLst>
+              <a:ext uri="{FF2B5EF4-FFF2-40B4-BE49-F238E27FC236}">
+                <a16:creationId xmlns:a16="http://schemas.microsoft.com/office/drawing/2014/main" id="{89CEB40D-7854-1A6C-BCBC-395A23729AF1}"/>
+              </a:ext>
+            </a:extLst>
+          </p:cNvPr>
+          <p:cNvSpPr>
+            <a:spLocks noGrp="1"/>
+          </p:cNvSpPr>
+          <p:nvPr>
+            <p:ph type="title"/>
+          </p:nvPr>
+        </p:nvSpPr>
+        <p:spPr/>
+        <p:txBody>
+          <a:bodyPr/>
+          <a:lstStyle/>
+          <a:p>
+            <a:r>
+              <a:rPr lang="en-US" sz="1600" dirty="0"/>
+              <a:t>Compute Updates</a:t>
+            </a:r>
+            <a:endParaRPr lang="en-US" dirty="0"/>
+          </a:p>
+        </p:txBody>
+      </p:sp>
+      <p:sp>
+        <p:nvSpPr>
+          <p:cNvPr id="4" name="Text Placeholder 3">
+            <a:extLst>
+              <a:ext uri="{FF2B5EF4-FFF2-40B4-BE49-F238E27FC236}">
+                <a16:creationId xmlns:a16="http://schemas.microsoft.com/office/drawing/2014/main" id="{C566EB6D-A448-ACD7-4712-DC71A4894848}"/>
+              </a:ext>
+            </a:extLst>
+          </p:cNvPr>
+          <p:cNvSpPr>
+            <a:spLocks noGrp="1"/>
+          </p:cNvSpPr>
+          <p:nvPr>
+            <p:ph type="body" sz="quarter" idx="15"/>
+          </p:nvPr>
+        </p:nvSpPr>
+        <p:spPr/>
+        <p:txBody>
+          <a:bodyPr/>
+          <a:lstStyle/>
+          <a:p>
+            <a:endParaRPr lang="en-US"/>
+          </a:p>
+        </p:txBody>
+      </p:sp>
+      <p:sp>
+        <p:nvSpPr>
+          <p:cNvPr id="5" name="Text Placeholder 4">
+            <a:extLst>
+              <a:ext uri="{FF2B5EF4-FFF2-40B4-BE49-F238E27FC236}">
+                <a16:creationId xmlns:a16="http://schemas.microsoft.com/office/drawing/2014/main" id="{E804CC5F-CD57-D11F-589C-D381073C6829}"/>
+              </a:ext>
+            </a:extLst>
+          </p:cNvPr>
+          <p:cNvSpPr>
+            <a:spLocks noGrp="1"/>
+          </p:cNvSpPr>
+          <p:nvPr>
+            <p:ph type="body" sz="quarter" idx="16"/>
+          </p:nvPr>
+        </p:nvSpPr>
+        <p:spPr/>
+        <p:txBody>
+          <a:bodyPr/>
+          <a:lstStyle/>
+          <a:p>
+            <a:pPr algn="just"/>
+            <a:r>
+              <a:rPr lang="en-US" dirty="0">
+                <a:hlinkClick r:id="rId2"/>
+              </a:rPr>
+              <a:t>Generally Available: Deployment safeguards – pod security standard support in AKS</a:t>
+            </a:r>
+            <a:endParaRPr lang="en-US" dirty="0"/>
+          </a:p>
+          <a:p>
+            <a:pPr algn="just"/>
+            <a:r>
+              <a:rPr lang="en-US" dirty="0"/>
+              <a:t>Organizations deploying workloads on Kubernetes often need a consistent way to enforce pod security configurations across clusters. Azure Kubernetes Service (AKS) now supports Pod Security Standards within Deployment Safeguards, enabling centralized management of Baseline, Restricted, and Privileged standards at scale. </a:t>
+            </a:r>
+          </a:p>
+          <a:p>
+            <a:pPr algn="just"/>
+            <a:r>
+              <a:rPr lang="en-US" dirty="0"/>
+              <a:t>This capability allows teams to ensure that deployment manifests comply with selected security standards, help technical practitioners strengthen workload security, reduce configuration drift, and simplify the rollout of cluster-wide security controls. </a:t>
+            </a:r>
+          </a:p>
+        </p:txBody>
+      </p:sp>
+    </p:spTree>
+    <p:extLst>
+      <p:ext uri="{BB962C8B-B14F-4D97-AF65-F5344CB8AC3E}">
+        <p14:creationId xmlns:p14="http://schemas.microsoft.com/office/powerpoint/2010/main" val="3225541793"/>
+      </p:ext>
+    </p:extLst>
+  </p:cSld>
+  <p:clrMapOvr>
+    <a:masterClrMapping/>
+  </p:clrMapOvr>
+  <p:timing>
+    <p:tnLst>
+      <p:par>
+        <p:cTn id="1" dur="indefinite" restart="never" nodeType="tmRoot">
+          <p:childTnLst>
+            <p:seq concurrent="1" nextAc="seek">
+              <p:cTn id="2" dur="indefinite" nodeType="mainSeq">
+                <p:childTnLst>
+                  <p:par>
+                    <p:cTn id="3" fill="hold">
+                      <p:stCondLst>
+                        <p:cond delay="indefinite"/>
+                      </p:stCondLst>
+                      <p:childTnLst>
+                        <p:par>
+                          <p:cTn id="4" fill="hold">
+                            <p:stCondLst>
+                              <p:cond delay="0"/>
+                            </p:stCondLst>
+                            <p:childTnLst>
+                              <p:par>
+                                <p:cTn id="5" presetID="1" presetClass="entr" presetSubtype="0" fill="hold" nodeType="clickEffect">
+                                  <p:stCondLst>
+                                    <p:cond delay="0"/>
+                                  </p:stCondLst>
+                                  <p:childTnLst>
+                                    <p:set>
+                                      <p:cBhvr>
+                                        <p:cTn id="6" dur="1" fill="hold">
+                                          <p:stCondLst>
+                                            <p:cond delay="0"/>
+                                          </p:stCondLst>
+                                        </p:cTn>
+                                        <p:tgtEl>
+                                          <p:spTgt spid="5">
+                                            <p:txEl>
+                                              <p:pRg st="0" end="0"/>
+                                            </p:txEl>
+                                          </p:spTgt>
+                                        </p:tgtEl>
+                                        <p:attrNameLst>
+                                          <p:attrName>style.visibility</p:attrName>
+                                        </p:attrNameLst>
+                                      </p:cBhvr>
+                                      <p:to>
+                                        <p:strVal val="visible"/>
+                                      </p:to>
+                                    </p:set>
+                                  </p:childTnLst>
+                                </p:cTn>
+                              </p:par>
+                              <p:par>
+                                <p:cTn id="7" presetID="1" presetClass="entr" presetSubtype="0" fill="hold" nodeType="withEffect">
+                                  <p:stCondLst>
+                                    <p:cond delay="0"/>
+                                  </p:stCondLst>
+                                  <p:childTnLst>
+                                    <p:set>
+                                      <p:cBhvr>
+                                        <p:cTn id="8" dur="1" fill="hold">
+                                          <p:stCondLst>
+                                            <p:cond delay="0"/>
+                                          </p:stCondLst>
+                                        </p:cTn>
+                                        <p:tgtEl>
+                                          <p:spTgt spid="5">
+                                            <p:txEl>
+                                              <p:pRg st="1" end="1"/>
+                                            </p:txEl>
+                                          </p:spTgt>
+                                        </p:tgtEl>
+                                        <p:attrNameLst>
+                                          <p:attrName>style.visibility</p:attrName>
+                                        </p:attrNameLst>
+                                      </p:cBhvr>
+                                      <p:to>
+                                        <p:strVal val="visible"/>
+                                      </p:to>
+                                    </p:set>
+                                  </p:childTnLst>
+                                </p:cTn>
+                              </p:par>
+                              <p:par>
+                                <p:cTn id="9" presetID="1" presetClass="entr" presetSubtype="0" fill="hold" nodeType="withEffect">
+                                  <p:stCondLst>
+                                    <p:cond delay="0"/>
+                                  </p:stCondLst>
+                                  <p:childTnLst>
+                                    <p:set>
+                                      <p:cBhvr>
+                                        <p:cTn id="10" dur="1" fill="hold">
+                                          <p:stCondLst>
+                                            <p:cond delay="0"/>
+                                          </p:stCondLst>
+                                        </p:cTn>
+                                        <p:tgtEl>
+                                          <p:spTgt spid="5">
+                                            <p:txEl>
+                                              <p:pRg st="2" end="2"/>
+                                            </p:txEl>
+                                          </p:spTgt>
+                                        </p:tgtEl>
+                                        <p:attrNameLst>
+                                          <p:attrName>style.visibility</p:attrName>
+                                        </p:attrNameLst>
+                                      </p:cBhvr>
+                                      <p:to>
+                                        <p:strVal val="visible"/>
+                                      </p:to>
+                                    </p:set>
+                                  </p:childTnLst>
+                                </p:cTn>
+                              </p:par>
+                            </p:childTnLst>
+                          </p:cTn>
+                        </p:par>
+                      </p:childTnLst>
+                    </p:cTn>
+                  </p:par>
+                </p:childTnLst>
+              </p:cTn>
+              <p:prevCondLst>
+                <p:cond evt="onPrev" delay="0">
+                  <p:tgtEl>
+                    <p:sldTgt/>
+                  </p:tgtEl>
+                </p:cond>
+              </p:prevCondLst>
+              <p:nextCondLst>
+                <p:cond evt="onNext" delay="0">
+                  <p:tgtEl>
+                    <p:sldTgt/>
+                  </p:tgtEl>
+                </p:cond>
+              </p:nextCondLst>
+            </p:seq>
+          </p:childTnLst>
+        </p:cTn>
+      </p:par>
+    </p:tnLst>
+  </p:timing>
+</p:sld>
+</file>
+
+<file path=ppt/slides/slide13.xml><?xml version="1.0" encoding="utf-8"?>
+<p:sld xmlns:a="http://schemas.openxmlformats.org/drawingml/2006/main" xmlns:r="http://schemas.openxmlformats.org/officeDocument/2006/relationships" xmlns:p="http://schemas.openxmlformats.org/presentationml/2006/main" showMasterSp="0">
+  <p:cSld>
+    <p:spTree>
+      <p:nvGrpSpPr>
+        <p:cNvPr id="1" name=""/>
+        <p:cNvGrpSpPr/>
+        <p:nvPr/>
+      </p:nvGrpSpPr>
+      <p:grpSpPr>
+        <a:xfrm>
+          <a:off x="0" y="0"/>
+          <a:ext cx="0" cy="0"/>
+          <a:chOff x="0" y="0"/>
+          <a:chExt cx="0" cy="0"/>
+        </a:xfrm>
+      </p:grpSpPr>
+      <p:sp>
+        <p:nvSpPr>
+          <p:cNvPr id="4" name="Text Placeholder 3">
+            <a:extLst>
+              <a:ext uri="{FF2B5EF4-FFF2-40B4-BE49-F238E27FC236}">
+                <a16:creationId xmlns:a16="http://schemas.microsoft.com/office/drawing/2014/main" id="{17F39168-7046-60A5-1EEA-8D2B5EAAE24F}"/>
+              </a:ext>
+            </a:extLst>
+          </p:cNvPr>
+          <p:cNvSpPr>
+            <a:spLocks noGrp="1"/>
+          </p:cNvSpPr>
+          <p:nvPr>
+            <p:ph type="body" sz="quarter" idx="13"/>
+          </p:nvPr>
+        </p:nvSpPr>
+        <p:spPr/>
+        <p:txBody>
+          <a:bodyPr/>
+          <a:lstStyle/>
+          <a:p>
+            <a:r>
+              <a:rPr lang="en-US" sz="4000" dirty="0"/>
+              <a:t>Storage &amp; Data</a:t>
+            </a:r>
+          </a:p>
+        </p:txBody>
+      </p:sp>
+    </p:spTree>
+    <p:extLst>
+      <p:ext uri="{BB962C8B-B14F-4D97-AF65-F5344CB8AC3E}">
+        <p14:creationId xmlns:p14="http://schemas.microsoft.com/office/powerpoint/2010/main" val="2188140750"/>
+      </p:ext>
+    </p:extLst>
+  </p:cSld>
+  <p:clrMapOvr>
+    <a:masterClrMapping/>
+  </p:clrMapOvr>
+</p:sld>
+</file>
+
+<file path=ppt/slides/slide14.xml><?xml version="1.0" encoding="utf-8"?>
+<p:sld xmlns:a="http://schemas.openxmlformats.org/drawingml/2006/main" xmlns:r="http://schemas.openxmlformats.org/officeDocument/2006/relationships" xmlns:p="http://schemas.openxmlformats.org/presentationml/2006/main" showMasterSp="0">
+  <p:cSld>
+    <p:spTree>
+      <p:nvGrpSpPr>
+        <p:cNvPr id="1" name=""/>
+        <p:cNvGrpSpPr/>
+        <p:nvPr/>
+      </p:nvGrpSpPr>
+      <p:grpSpPr>
+        <a:xfrm>
+          <a:off x="0" y="0"/>
+          <a:ext cx="0" cy="0"/>
+          <a:chOff x="0" y="0"/>
+          <a:chExt cx="0" cy="0"/>
+        </a:xfrm>
+      </p:grpSpPr>
+      <p:sp>
+        <p:nvSpPr>
+          <p:cNvPr id="12" name="Text Placeholder 11">
+            <a:extLst>
+              <a:ext uri="{FF2B5EF4-FFF2-40B4-BE49-F238E27FC236}">
+                <a16:creationId xmlns:a16="http://schemas.microsoft.com/office/drawing/2014/main" id="{F5D0A865-EAC9-D4DF-765C-2BBCA9EC1F5C}"/>
+              </a:ext>
+            </a:extLst>
+          </p:cNvPr>
+          <p:cNvSpPr>
+            <a:spLocks noGrp="1"/>
+          </p:cNvSpPr>
+          <p:nvPr>
+            <p:ph type="body" sz="quarter" idx="10"/>
+          </p:nvPr>
+        </p:nvSpPr>
+        <p:spPr/>
+        <p:txBody>
+          <a:bodyPr/>
+          <a:lstStyle/>
+          <a:p>
+            <a:endParaRPr lang="en-US" sz="1000" dirty="0"/>
+          </a:p>
+        </p:txBody>
+      </p:sp>
+      <p:sp>
+        <p:nvSpPr>
+          <p:cNvPr id="11" name="Title 10">
+            <a:extLst>
+              <a:ext uri="{FF2B5EF4-FFF2-40B4-BE49-F238E27FC236}">
+                <a16:creationId xmlns:a16="http://schemas.microsoft.com/office/drawing/2014/main" id="{0A19052D-1C06-3BF6-CD73-31098A5519FB}"/>
+              </a:ext>
+            </a:extLst>
+          </p:cNvPr>
+          <p:cNvSpPr>
+            <a:spLocks noGrp="1"/>
+          </p:cNvSpPr>
+          <p:nvPr>
+            <p:ph type="title"/>
+          </p:nvPr>
+        </p:nvSpPr>
+        <p:spPr/>
+        <p:txBody>
+          <a:bodyPr/>
+          <a:lstStyle/>
+          <a:p>
+            <a:r>
+              <a:rPr lang="en-US" sz="1800" dirty="0"/>
+              <a:t>Storage &amp; Data Updates</a:t>
+            </a:r>
+            <a:endParaRPr lang="en-US" dirty="0"/>
+          </a:p>
+        </p:txBody>
+      </p:sp>
+      <p:sp>
+        <p:nvSpPr>
+          <p:cNvPr id="13" name="Text Placeholder 12">
+            <a:extLst>
+              <a:ext uri="{FF2B5EF4-FFF2-40B4-BE49-F238E27FC236}">
+                <a16:creationId xmlns:a16="http://schemas.microsoft.com/office/drawing/2014/main" id="{AB83368C-23D2-63DD-1F2B-65AB8A48B236}"/>
+              </a:ext>
+            </a:extLst>
+          </p:cNvPr>
+          <p:cNvSpPr>
+            <a:spLocks noGrp="1"/>
+          </p:cNvSpPr>
+          <p:nvPr>
+            <p:ph type="body" sz="quarter" idx="15"/>
+          </p:nvPr>
+        </p:nvSpPr>
+        <p:spPr/>
+        <p:txBody>
+          <a:bodyPr/>
+          <a:lstStyle/>
+          <a:p>
+            <a:endParaRPr lang="en-US"/>
+          </a:p>
+        </p:txBody>
+      </p:sp>
+      <p:sp>
+        <p:nvSpPr>
+          <p:cNvPr id="14" name="Text Placeholder 13">
+            <a:extLst>
+              <a:ext uri="{FF2B5EF4-FFF2-40B4-BE49-F238E27FC236}">
+                <a16:creationId xmlns:a16="http://schemas.microsoft.com/office/drawing/2014/main" id="{1DF1A36F-4250-259D-24AE-F82FE69A7F7E}"/>
+              </a:ext>
+            </a:extLst>
+          </p:cNvPr>
+          <p:cNvSpPr>
+            <a:spLocks noGrp="1"/>
+          </p:cNvSpPr>
+          <p:nvPr>
+            <p:ph type="body" sz="quarter" idx="16"/>
+          </p:nvPr>
+        </p:nvSpPr>
+        <p:spPr/>
+        <p:txBody>
+          <a:bodyPr/>
+          <a:lstStyle/>
+          <a:p>
+            <a:pPr algn="just"/>
+            <a:r>
+              <a:rPr lang="en-US" dirty="0">
+                <a:hlinkClick r:id="rId2"/>
+              </a:rPr>
+              <a:t>Announcing Public Preview of User delegation SAS for Azure Tables, Azure Files, and Azure Queues</a:t>
+            </a:r>
+            <a:endParaRPr lang="en-US" dirty="0"/>
+          </a:p>
+          <a:p>
+            <a:pPr algn="just"/>
+            <a:r>
+              <a:rPr lang="en-US" dirty="0"/>
+              <a:t>User Delegation (UD) SAS is now available in public preview for Azure Tables, Azure Files, and Azure Queues across all public regions. Building on existing support for Azure Blobs, this enhancement allows SAS tokens to be securely tied to a user’s Microsoft Entra ID, rather than storage account keys.</a:t>
+            </a:r>
+          </a:p>
+          <a:p>
+            <a:pPr algn="just"/>
+            <a:r>
+              <a:rPr lang="en-US" dirty="0"/>
+              <a:t>With UD SAS, organizations can delegate limited, RBAC-controlled access via pre-authorized URLs, enabling finer-grained and more secure access to storage resources such as tables, entities, queues, messages, file shares, and individual files—without exposing account credentials.</a:t>
+            </a:r>
+          </a:p>
+          <a:p>
+            <a:pPr algn="just"/>
+            <a:endParaRPr lang="en-US" dirty="0"/>
+          </a:p>
+          <a:p>
+            <a:pPr algn="just"/>
+            <a:endParaRPr lang="en-US" dirty="0"/>
+          </a:p>
+        </p:txBody>
+      </p:sp>
+    </p:spTree>
+    <p:extLst>
+      <p:ext uri="{BB962C8B-B14F-4D97-AF65-F5344CB8AC3E}">
+        <p14:creationId xmlns:p14="http://schemas.microsoft.com/office/powerpoint/2010/main" val="3259403169"/>
+      </p:ext>
+    </p:extLst>
+  </p:cSld>
+  <p:clrMapOvr>
+    <a:masterClrMapping/>
+  </p:clrMapOvr>
+  <mc:AlternateContent xmlns:mc="http://schemas.openxmlformats.org/markup-compatibility/2006" xmlns:p14="http://schemas.microsoft.com/office/powerpoint/2010/main">
+    <mc:Choice Requires="p14">
+      <p:transition spd="med" p14:dur="700">
+        <p:fade/>
+      </p:transition>
+    </mc:Choice>
+    <mc:Fallback xmlns="">
+      <p:transition spd="med">
+        <p:fade/>
+      </p:transition>
+    </mc:Fallback>
+  </mc:AlternateContent>
+  <p:timing>
+    <p:tnLst>
+      <p:par>
+        <p:cTn id="1" dur="indefinite" restart="never" nodeType="tmRoot">
+          <p:childTnLst>
+            <p:seq concurrent="1" nextAc="seek">
+              <p:cTn id="2" dur="indefinite" nodeType="mainSeq">
+                <p:childTnLst>
+                  <p:par>
+                    <p:cTn id="3" fill="hold">
+                      <p:stCondLst>
+                        <p:cond delay="indefinite"/>
+                      </p:stCondLst>
+                      <p:childTnLst>
+                        <p:par>
+                          <p:cTn id="4" fill="hold">
+                            <p:stCondLst>
+                              <p:cond delay="0"/>
+                            </p:stCondLst>
+                            <p:childTnLst>
+                              <p:par>
+                                <p:cTn id="5" presetID="1" presetClass="entr" presetSubtype="0" fill="hold" nodeType="clickEffect">
+                                  <p:stCondLst>
+                                    <p:cond delay="0"/>
+                                  </p:stCondLst>
+                                  <p:childTnLst>
+                                    <p:set>
+                                      <p:cBhvr>
+                                        <p:cTn id="6" dur="1" fill="hold">
+                                          <p:stCondLst>
+                                            <p:cond delay="0"/>
+                                          </p:stCondLst>
+                                        </p:cTn>
+                                        <p:tgtEl>
+                                          <p:spTgt spid="14">
+                                            <p:txEl>
+                                              <p:pRg st="0" end="0"/>
+                                            </p:txEl>
+                                          </p:spTgt>
+                                        </p:tgtEl>
+                                        <p:attrNameLst>
+                                          <p:attrName>style.visibility</p:attrName>
+                                        </p:attrNameLst>
+                                      </p:cBhvr>
+                                      <p:to>
+                                        <p:strVal val="visible"/>
+                                      </p:to>
+                                    </p:set>
+                                  </p:childTnLst>
+                                </p:cTn>
+                              </p:par>
+                              <p:par>
+                                <p:cTn id="7" presetID="1" presetClass="entr" presetSubtype="0" fill="hold" nodeType="withEffect">
+                                  <p:stCondLst>
+                                    <p:cond delay="0"/>
+                                  </p:stCondLst>
+                                  <p:childTnLst>
+                                    <p:set>
+                                      <p:cBhvr>
+                                        <p:cTn id="8" dur="1" fill="hold">
+                                          <p:stCondLst>
+                                            <p:cond delay="0"/>
+                                          </p:stCondLst>
+                                        </p:cTn>
+                                        <p:tgtEl>
+                                          <p:spTgt spid="14">
+                                            <p:txEl>
+                                              <p:pRg st="1" end="1"/>
+                                            </p:txEl>
+                                          </p:spTgt>
+                                        </p:tgtEl>
+                                        <p:attrNameLst>
+                                          <p:attrName>style.visibility</p:attrName>
+                                        </p:attrNameLst>
+                                      </p:cBhvr>
+                                      <p:to>
+                                        <p:strVal val="visible"/>
+                                      </p:to>
+                                    </p:set>
+                                  </p:childTnLst>
+                                </p:cTn>
+                              </p:par>
+                              <p:par>
+                                <p:cTn id="9" presetID="1" presetClass="entr" presetSubtype="0" fill="hold" nodeType="withEffect">
+                                  <p:stCondLst>
+                                    <p:cond delay="0"/>
+                                  </p:stCondLst>
+                                  <p:childTnLst>
+                                    <p:set>
+                                      <p:cBhvr>
+                                        <p:cTn id="10" dur="1" fill="hold">
+                                          <p:stCondLst>
+                                            <p:cond delay="0"/>
+                                          </p:stCondLst>
+                                        </p:cTn>
+                                        <p:tgtEl>
+                                          <p:spTgt spid="14">
+                                            <p:txEl>
+                                              <p:pRg st="2" end="2"/>
+                                            </p:txEl>
+                                          </p:spTgt>
+                                        </p:tgtEl>
+                                        <p:attrNameLst>
+                                          <p:attrName>style.visibility</p:attrName>
+                                        </p:attrNameLst>
+                                      </p:cBhvr>
+                                      <p:to>
+                                        <p:strVal val="visible"/>
+                                      </p:to>
+                                    </p:set>
+                                  </p:childTnLst>
+                                </p:cTn>
+                              </p:par>
+                            </p:childTnLst>
+                          </p:cTn>
+                        </p:par>
+                      </p:childTnLst>
+                    </p:cTn>
+                  </p:par>
+                </p:childTnLst>
+              </p:cTn>
+              <p:prevCondLst>
+                <p:cond evt="onPrev" delay="0">
+                  <p:tgtEl>
+                    <p:sldTgt/>
+                  </p:tgtEl>
+                </p:cond>
+              </p:prevCondLst>
+              <p:nextCondLst>
+                <p:cond evt="onNext" delay="0">
+                  <p:tgtEl>
+                    <p:sldTgt/>
+                  </p:tgtEl>
+                </p:cond>
+              </p:nextCondLst>
+            </p:seq>
+          </p:childTnLst>
+        </p:cTn>
+      </p:par>
+    </p:tnLst>
+  </p:timing>
+</p:sld>
+</file>
+
+<file path=ppt/slides/slide15.xml><?xml version="1.0" encoding="utf-8"?>
+<p:sld xmlns:a="http://schemas.openxmlformats.org/drawingml/2006/main" xmlns:r="http://schemas.openxmlformats.org/officeDocument/2006/relationships" xmlns:p="http://schemas.openxmlformats.org/presentationml/2006/main">
+  <p:cSld>
+    <p:spTree>
+      <p:nvGrpSpPr>
+        <p:cNvPr id="1" name="">
+          <a:extLst>
+            <a:ext uri="{FF2B5EF4-FFF2-40B4-BE49-F238E27FC236}">
+              <a16:creationId xmlns:a16="http://schemas.microsoft.com/office/drawing/2014/main" id="{8C44BC30-BE9D-D666-D8EC-C477902CDD33}"/>
+            </a:ext>
+          </a:extLst>
+        </p:cNvPr>
+        <p:cNvGrpSpPr/>
+        <p:nvPr/>
+      </p:nvGrpSpPr>
+      <p:grpSpPr>
+        <a:xfrm>
+          <a:off x="0" y="0"/>
+          <a:ext cx="0" cy="0"/>
+          <a:chOff x="0" y="0"/>
+          <a:chExt cx="0" cy="0"/>
+        </a:xfrm>
+      </p:grpSpPr>
+      <p:sp>
+        <p:nvSpPr>
+          <p:cNvPr id="12" name="Text Placeholder 11">
+            <a:extLst>
+              <a:ext uri="{FF2B5EF4-FFF2-40B4-BE49-F238E27FC236}">
+                <a16:creationId xmlns:a16="http://schemas.microsoft.com/office/drawing/2014/main" id="{0089CA58-5DC8-3994-AD5C-78748D2555F0}"/>
+              </a:ext>
+            </a:extLst>
+          </p:cNvPr>
+          <p:cNvSpPr>
+            <a:spLocks noGrp="1"/>
+          </p:cNvSpPr>
+          <p:nvPr>
+            <p:ph type="body" sz="quarter" idx="10"/>
+          </p:nvPr>
+        </p:nvSpPr>
+        <p:spPr/>
+        <p:txBody>
+          <a:bodyPr/>
+          <a:lstStyle/>
+          <a:p>
+            <a:pPr algn="just"/>
+            <a:r>
+              <a:rPr lang="en-US" sz="1000" dirty="0">
+                <a:hlinkClick r:id="rId2"/>
+              </a:rPr>
+              <a:t>Generally Available: Application volume group for Oracle create data protection volume group (API)</a:t>
+            </a:r>
+            <a:endParaRPr lang="en-US" sz="1000" dirty="0"/>
+          </a:p>
+          <a:p>
+            <a:pPr algn="just"/>
+            <a:r>
+              <a:rPr lang="en-US" sz="1000" dirty="0"/>
+              <a:t>Application Volume Group for Oracle has been enhanced to support creating </a:t>
+            </a:r>
+            <a:r>
+              <a:rPr lang="en-US" sz="1000" b="1" dirty="0"/>
+              <a:t>data protection volumes</a:t>
+            </a:r>
+            <a:r>
+              <a:rPr lang="en-US" sz="1000" dirty="0"/>
+              <a:t> within a volume group using the </a:t>
+            </a:r>
+            <a:r>
+              <a:rPr lang="en-US" sz="1000" b="1" dirty="0"/>
+              <a:t>same anti-affinity layout</a:t>
+            </a:r>
+            <a:r>
+              <a:rPr lang="en-US" sz="1000" dirty="0"/>
+              <a:t> as production volume groups.</a:t>
+            </a:r>
+          </a:p>
+          <a:p>
+            <a:pPr algn="just"/>
+            <a:r>
+              <a:rPr lang="en-US" sz="1000" dirty="0"/>
+              <a:t>This enables customers to design </a:t>
+            </a:r>
+            <a:r>
+              <a:rPr lang="en-US" sz="1000" b="1" dirty="0"/>
+              <a:t>disaster recovery layouts</a:t>
+            </a:r>
+            <a:r>
+              <a:rPr lang="en-US" sz="1000" dirty="0"/>
+              <a:t> that mirror production and support reliable failover to a chosen zone or region.</a:t>
+            </a:r>
+          </a:p>
+          <a:p>
+            <a:pPr algn="just"/>
+            <a:r>
+              <a:rPr lang="en-US" sz="1000" dirty="0"/>
+              <a:t>The feature is available in </a:t>
+            </a:r>
+            <a:r>
+              <a:rPr lang="en-US" sz="1000" b="1" dirty="0"/>
+              <a:t>all regions that support Azure NetApp Files</a:t>
+            </a:r>
+            <a:r>
+              <a:rPr lang="en-US" sz="1000" dirty="0"/>
+              <a:t>.</a:t>
+            </a:r>
+          </a:p>
+          <a:p>
+            <a:pPr algn="just"/>
+            <a:endParaRPr lang="en-US" sz="1000" dirty="0"/>
+          </a:p>
+        </p:txBody>
+      </p:sp>
+      <p:sp>
+        <p:nvSpPr>
+          <p:cNvPr id="11" name="Title 10">
+            <a:extLst>
+              <a:ext uri="{FF2B5EF4-FFF2-40B4-BE49-F238E27FC236}">
+                <a16:creationId xmlns:a16="http://schemas.microsoft.com/office/drawing/2014/main" id="{9338C940-1C5A-F159-79FA-059EBE1E77FE}"/>
+              </a:ext>
+            </a:extLst>
+          </p:cNvPr>
+          <p:cNvSpPr>
+            <a:spLocks noGrp="1"/>
+          </p:cNvSpPr>
+          <p:nvPr>
+            <p:ph type="title"/>
+          </p:nvPr>
+        </p:nvSpPr>
+        <p:spPr/>
+        <p:txBody>
+          <a:bodyPr/>
+          <a:lstStyle/>
+          <a:p>
+            <a:r>
+              <a:rPr lang="en-US" sz="1800" dirty="0"/>
+              <a:t>Storage &amp; Data Updates</a:t>
+            </a:r>
+            <a:endParaRPr lang="en-US" dirty="0"/>
+          </a:p>
+        </p:txBody>
+      </p:sp>
+      <p:sp>
+        <p:nvSpPr>
+          <p:cNvPr id="13" name="Text Placeholder 12">
+            <a:extLst>
+              <a:ext uri="{FF2B5EF4-FFF2-40B4-BE49-F238E27FC236}">
+                <a16:creationId xmlns:a16="http://schemas.microsoft.com/office/drawing/2014/main" id="{79819030-1C59-2813-CD9C-4D9347E3D500}"/>
+              </a:ext>
+            </a:extLst>
+          </p:cNvPr>
+          <p:cNvSpPr>
+            <a:spLocks noGrp="1"/>
+          </p:cNvSpPr>
+          <p:nvPr>
+            <p:ph type="body" sz="quarter" idx="15"/>
+          </p:nvPr>
+        </p:nvSpPr>
+        <p:spPr/>
+        <p:txBody>
+          <a:bodyPr/>
+          <a:lstStyle/>
+          <a:p>
+            <a:endParaRPr lang="en-US"/>
+          </a:p>
+        </p:txBody>
+      </p:sp>
+      <p:sp>
+        <p:nvSpPr>
+          <p:cNvPr id="14" name="Text Placeholder 13">
+            <a:extLst>
+              <a:ext uri="{FF2B5EF4-FFF2-40B4-BE49-F238E27FC236}">
+                <a16:creationId xmlns:a16="http://schemas.microsoft.com/office/drawing/2014/main" id="{B6F37A70-680F-B50D-A1A9-E9D2AE2C922F}"/>
+              </a:ext>
+            </a:extLst>
+          </p:cNvPr>
+          <p:cNvSpPr>
+            <a:spLocks noGrp="1"/>
+          </p:cNvSpPr>
+          <p:nvPr>
+            <p:ph type="body" sz="quarter" idx="16"/>
+          </p:nvPr>
+        </p:nvSpPr>
+        <p:spPr/>
+        <p:txBody>
+          <a:bodyPr/>
+          <a:lstStyle/>
+          <a:p>
+            <a:r>
+              <a:rPr lang="en-US" dirty="0">
+                <a:hlinkClick r:id="rId3"/>
+              </a:rPr>
+              <a:t>Azure File Sync available in 4 new regions</a:t>
+            </a:r>
+            <a:endParaRPr lang="en-US" dirty="0"/>
+          </a:p>
+          <a:p>
+            <a:r>
+              <a:rPr lang="en-US" dirty="0"/>
+              <a:t>Azure File Sync is now generally available in Italy North, New Zealand North, Poland Central, and Spain Central</a:t>
+            </a:r>
+          </a:p>
+        </p:txBody>
+      </p:sp>
+    </p:spTree>
+    <p:extLst>
+      <p:ext uri="{BB962C8B-B14F-4D97-AF65-F5344CB8AC3E}">
+        <p14:creationId xmlns:p14="http://schemas.microsoft.com/office/powerpoint/2010/main" val="670539256"/>
+      </p:ext>
+    </p:extLst>
+  </p:cSld>
+  <p:clrMapOvr>
+    <a:masterClrMapping/>
+  </p:clrMapOvr>
+  <mc:AlternateContent xmlns:mc="http://schemas.openxmlformats.org/markup-compatibility/2006" xmlns:p14="http://schemas.microsoft.com/office/powerpoint/2010/main">
+    <mc:Choice Requires="p14">
+      <p:transition spd="med" p14:dur="700">
+        <p:fade/>
+      </p:transition>
+    </mc:Choice>
+    <mc:Fallback xmlns="">
+      <p:transition spd="med">
+        <p:fade/>
+      </p:transition>
+    </mc:Fallback>
+  </mc:AlternateContent>
+  <p:timing>
+    <p:tnLst>
+      <p:par>
+        <p:cTn id="1" dur="indefinite" restart="never" nodeType="tmRoot">
+          <p:childTnLst>
+            <p:seq concurrent="1" nextAc="seek">
+              <p:cTn id="2" dur="indefinite" nodeType="mainSeq">
+                <p:childTnLst>
+                  <p:par>
+                    <p:cTn id="3" fill="hold">
+                      <p:stCondLst>
+                        <p:cond delay="indefinite"/>
+                      </p:stCondLst>
+                      <p:childTnLst>
+                        <p:par>
+                          <p:cTn id="4" fill="hold">
+                            <p:stCondLst>
+                              <p:cond delay="0"/>
+                            </p:stCondLst>
+                            <p:childTnLst>
+                              <p:par>
+                                <p:cTn id="5" presetID="1" presetClass="entr" presetSubtype="0" fill="hold" nodeType="clickEffect">
+                                  <p:stCondLst>
+                                    <p:cond delay="0"/>
+                                  </p:stCondLst>
+                                  <p:childTnLst>
+                                    <p:set>
+                                      <p:cBhvr>
+                                        <p:cTn id="6" dur="1" fill="hold">
+                                          <p:stCondLst>
+                                            <p:cond delay="0"/>
+                                          </p:stCondLst>
+                                        </p:cTn>
+                                        <p:tgtEl>
+                                          <p:spTgt spid="14">
+                                            <p:txEl>
+                                              <p:pRg st="0" end="0"/>
+                                            </p:txEl>
+                                          </p:spTgt>
+                                        </p:tgtEl>
+                                        <p:attrNameLst>
+                                          <p:attrName>style.visibility</p:attrName>
+                                        </p:attrNameLst>
+                                      </p:cBhvr>
+                                      <p:to>
+                                        <p:strVal val="visible"/>
+                                      </p:to>
+                                    </p:set>
+                                  </p:childTnLst>
+                                </p:cTn>
+                              </p:par>
+                              <p:par>
+                                <p:cTn id="7" presetID="1" presetClass="entr" presetSubtype="0" fill="hold" nodeType="withEffect">
+                                  <p:stCondLst>
+                                    <p:cond delay="0"/>
+                                  </p:stCondLst>
+                                  <p:childTnLst>
+                                    <p:set>
+                                      <p:cBhvr>
+                                        <p:cTn id="8" dur="1" fill="hold">
+                                          <p:stCondLst>
+                                            <p:cond delay="0"/>
+                                          </p:stCondLst>
+                                        </p:cTn>
+                                        <p:tgtEl>
+                                          <p:spTgt spid="14">
+                                            <p:txEl>
+                                              <p:pRg st="1" end="1"/>
+                                            </p:txEl>
+                                          </p:spTgt>
+                                        </p:tgtEl>
+                                        <p:attrNameLst>
+                                          <p:attrName>style.visibility</p:attrName>
+                                        </p:attrNameLst>
+                                      </p:cBhvr>
+                                      <p:to>
+                                        <p:strVal val="visible"/>
+                                      </p:to>
+                                    </p:set>
+                                  </p:childTnLst>
+                                </p:cTn>
+                              </p:par>
+                            </p:childTnLst>
+                          </p:cTn>
+                        </p:par>
+                      </p:childTnLst>
+                    </p:cTn>
+                  </p:par>
+                  <p:par>
+                    <p:cTn id="9" fill="hold">
+                      <p:stCondLst>
+                        <p:cond delay="indefinite"/>
+                      </p:stCondLst>
+                      <p:childTnLst>
+                        <p:par>
+                          <p:cTn id="10" fill="hold">
+                            <p:stCondLst>
+                              <p:cond delay="0"/>
+                            </p:stCondLst>
+                            <p:childTnLst>
+                              <p:par>
+                                <p:cTn id="11" presetID="1" presetClass="entr" presetSubtype="0" fill="hold" nodeType="clickEffect">
+                                  <p:stCondLst>
+                                    <p:cond delay="0"/>
+                                  </p:stCondLst>
+                                  <p:childTnLst>
+                                    <p:set>
+                                      <p:cBhvr>
+                                        <p:cTn id="12" dur="1" fill="hold">
+                                          <p:stCondLst>
+                                            <p:cond delay="0"/>
+                                          </p:stCondLst>
+                                        </p:cTn>
+                                        <p:tgtEl>
+                                          <p:spTgt spid="12">
+                                            <p:txEl>
+                                              <p:pRg st="0" end="0"/>
+                                            </p:txEl>
+                                          </p:spTgt>
+                                        </p:tgtEl>
+                                        <p:attrNameLst>
+                                          <p:attrName>style.visibility</p:attrName>
+                                        </p:attrNameLst>
+                                      </p:cBhvr>
+                                      <p:to>
+                                        <p:strVal val="visible"/>
+                                      </p:to>
+                                    </p:set>
+                                  </p:childTnLst>
+                                </p:cTn>
+                              </p:par>
+                              <p:par>
+                                <p:cTn id="13" presetID="1" presetClass="entr" presetSubtype="0" fill="hold" nodeType="withEffect">
+                                  <p:stCondLst>
+                                    <p:cond delay="0"/>
+                                  </p:stCondLst>
+                                  <p:childTnLst>
+                                    <p:set>
+                                      <p:cBhvr>
+                                        <p:cTn id="14" dur="1" fill="hold">
+                                          <p:stCondLst>
+                                            <p:cond delay="0"/>
+                                          </p:stCondLst>
+                                        </p:cTn>
+                                        <p:tgtEl>
+                                          <p:spTgt spid="12">
+                                            <p:txEl>
+                                              <p:pRg st="1" end="1"/>
+                                            </p:txEl>
+                                          </p:spTgt>
+                                        </p:tgtEl>
+                                        <p:attrNameLst>
+                                          <p:attrName>style.visibility</p:attrName>
+                                        </p:attrNameLst>
+                                      </p:cBhvr>
+                                      <p:to>
+                                        <p:strVal val="visible"/>
+                                      </p:to>
+                                    </p:set>
+                                  </p:childTnLst>
+                                </p:cTn>
+                              </p:par>
+                              <p:par>
+                                <p:cTn id="15" presetID="1" presetClass="entr" presetSubtype="0" fill="hold" nodeType="withEffect">
+                                  <p:stCondLst>
+                                    <p:cond delay="0"/>
+                                  </p:stCondLst>
+                                  <p:childTnLst>
+                                    <p:set>
+                                      <p:cBhvr>
+                                        <p:cTn id="16" dur="1" fill="hold">
+                                          <p:stCondLst>
+                                            <p:cond delay="0"/>
+                                          </p:stCondLst>
+                                        </p:cTn>
+                                        <p:tgtEl>
+                                          <p:spTgt spid="12">
+                                            <p:txEl>
+                                              <p:pRg st="2" end="2"/>
+                                            </p:txEl>
+                                          </p:spTgt>
+                                        </p:tgtEl>
+                                        <p:attrNameLst>
+                                          <p:attrName>style.visibility</p:attrName>
+                                        </p:attrNameLst>
+                                      </p:cBhvr>
+                                      <p:to>
+                                        <p:strVal val="visible"/>
+                                      </p:to>
+                                    </p:set>
+                                  </p:childTnLst>
+                                </p:cTn>
+                              </p:par>
+                              <p:par>
+                                <p:cTn id="17" presetID="1" presetClass="entr" presetSubtype="0" fill="hold" nodeType="withEffect">
+                                  <p:stCondLst>
+                                    <p:cond delay="0"/>
+                                  </p:stCondLst>
+                                  <p:childTnLst>
+                                    <p:set>
+                                      <p:cBhvr>
+                                        <p:cTn id="18" dur="1" fill="hold">
+                                          <p:stCondLst>
+                                            <p:cond delay="0"/>
+                                          </p:stCondLst>
+                                        </p:cTn>
+                                        <p:tgtEl>
+                                          <p:spTgt spid="12">
+                                            <p:txEl>
+                                              <p:pRg st="3" end="3"/>
+                                            </p:txEl>
+                                          </p:spTgt>
+                                        </p:tgtEl>
+                                        <p:attrNameLst>
+                                          <p:attrName>style.visibility</p:attrName>
+                                        </p:attrNameLst>
+                                      </p:cBhvr>
+                                      <p:to>
+                                        <p:strVal val="visible"/>
+                                      </p:to>
+                                    </p:set>
+                                  </p:childTnLst>
+                                </p:cTn>
+                              </p:par>
+                            </p:childTnLst>
+                          </p:cTn>
+                        </p:par>
+                      </p:childTnLst>
+                    </p:cTn>
+                  </p:par>
+                </p:childTnLst>
+              </p:cTn>
+              <p:prevCondLst>
+                <p:cond evt="onPrev" delay="0">
+                  <p:tgtEl>
+                    <p:sldTgt/>
+                  </p:tgtEl>
+                </p:cond>
+              </p:prevCondLst>
+              <p:nextCondLst>
+                <p:cond evt="onNext" delay="0">
+                  <p:tgtEl>
+                    <p:sldTgt/>
+                  </p:tgtEl>
+                </p:cond>
+              </p:nextCondLst>
+            </p:seq>
+          </p:childTnLst>
+        </p:cTn>
+      </p:par>
+    </p:tnLst>
+  </p:timing>
+</p:sld>
+</file>
+
+<file path=ppt/slides/slide16.xml><?xml version="1.0" encoding="utf-8"?>
+<p:sld xmlns:a="http://schemas.openxmlformats.org/drawingml/2006/main" xmlns:r="http://schemas.openxmlformats.org/officeDocument/2006/relationships" xmlns:p="http://schemas.openxmlformats.org/presentationml/2006/main">
+  <p:cSld>
+    <p:spTree>
+      <p:nvGrpSpPr>
+        <p:cNvPr id="1" name=""/>
+        <p:cNvGrpSpPr/>
+        <p:nvPr/>
+      </p:nvGrpSpPr>
+      <p:grpSpPr>
+        <a:xfrm>
+          <a:off x="0" y="0"/>
+          <a:ext cx="0" cy="0"/>
+          <a:chOff x="0" y="0"/>
+          <a:chExt cx="0" cy="0"/>
+        </a:xfrm>
+      </p:grpSpPr>
+      <p:sp>
+        <p:nvSpPr>
+          <p:cNvPr id="2" name="Text Placeholder 1">
+            <a:extLst>
+              <a:ext uri="{FF2B5EF4-FFF2-40B4-BE49-F238E27FC236}">
+                <a16:creationId xmlns:a16="http://schemas.microsoft.com/office/drawing/2014/main" id="{95DE0D3A-7055-3634-9C7E-067A14BB5DDF}"/>
+              </a:ext>
+            </a:extLst>
+          </p:cNvPr>
+          <p:cNvSpPr>
+            <a:spLocks noGrp="1"/>
+          </p:cNvSpPr>
+          <p:nvPr>
+            <p:ph type="body" sz="quarter" idx="10"/>
+          </p:nvPr>
+        </p:nvSpPr>
+        <p:spPr/>
+        <p:txBody>
+          <a:bodyPr/>
+          <a:lstStyle/>
+          <a:p>
+            <a:endParaRPr lang="en-US"/>
+          </a:p>
+        </p:txBody>
+      </p:sp>
+      <p:sp>
+        <p:nvSpPr>
+          <p:cNvPr id="3" name="Title 2">
+            <a:extLst>
+              <a:ext uri="{FF2B5EF4-FFF2-40B4-BE49-F238E27FC236}">
+                <a16:creationId xmlns:a16="http://schemas.microsoft.com/office/drawing/2014/main" id="{3F5A1350-36D1-A966-0D33-661477FF4707}"/>
+              </a:ext>
+            </a:extLst>
+          </p:cNvPr>
+          <p:cNvSpPr>
+            <a:spLocks noGrp="1"/>
+          </p:cNvSpPr>
+          <p:nvPr>
+            <p:ph type="title"/>
+          </p:nvPr>
+        </p:nvSpPr>
+        <p:spPr/>
+        <p:txBody>
+          <a:bodyPr/>
+          <a:lstStyle/>
+          <a:p>
+            <a:r>
+              <a:rPr lang="en-US" sz="1600" dirty="0"/>
+              <a:t>Storage &amp; Data Updates</a:t>
+            </a:r>
+            <a:endParaRPr lang="en-US" dirty="0"/>
+          </a:p>
+        </p:txBody>
+      </p:sp>
+      <p:sp>
+        <p:nvSpPr>
+          <p:cNvPr id="4" name="Text Placeholder 3">
+            <a:extLst>
+              <a:ext uri="{FF2B5EF4-FFF2-40B4-BE49-F238E27FC236}">
+                <a16:creationId xmlns:a16="http://schemas.microsoft.com/office/drawing/2014/main" id="{17606A37-C291-2E14-0AB1-D36C6BFD2F8C}"/>
+              </a:ext>
+            </a:extLst>
+          </p:cNvPr>
+          <p:cNvSpPr>
+            <a:spLocks noGrp="1"/>
+          </p:cNvSpPr>
+          <p:nvPr>
+            <p:ph type="body" sz="quarter" idx="15"/>
+          </p:nvPr>
+        </p:nvSpPr>
+        <p:spPr/>
+        <p:txBody>
+          <a:bodyPr/>
+          <a:lstStyle/>
+          <a:p>
+            <a:endParaRPr lang="en-US"/>
+          </a:p>
+        </p:txBody>
+      </p:sp>
+      <p:sp>
+        <p:nvSpPr>
+          <p:cNvPr id="5" name="Text Placeholder 4">
+            <a:extLst>
+              <a:ext uri="{FF2B5EF4-FFF2-40B4-BE49-F238E27FC236}">
+                <a16:creationId xmlns:a16="http://schemas.microsoft.com/office/drawing/2014/main" id="{1461A12A-F78F-C38A-27EE-B3EF6B325B8C}"/>
+              </a:ext>
+            </a:extLst>
+          </p:cNvPr>
+          <p:cNvSpPr>
+            <a:spLocks noGrp="1"/>
+          </p:cNvSpPr>
+          <p:nvPr>
+            <p:ph type="body" sz="quarter" idx="16"/>
+          </p:nvPr>
+        </p:nvSpPr>
+        <p:spPr>
+          <a:xfrm>
+            <a:off x="342900" y="855081"/>
+            <a:ext cx="3955312" cy="1716670"/>
+          </a:xfrm>
+        </p:spPr>
+        <p:txBody>
+          <a:bodyPr/>
+          <a:lstStyle/>
+          <a:p>
+            <a:pPr algn="just"/>
+            <a:r>
+              <a:rPr lang="en-US" dirty="0">
+                <a:hlinkClick r:id="rId2"/>
+              </a:rPr>
+              <a:t>Generally Available: Azure File Sync in Israel Central</a:t>
+            </a:r>
+            <a:endParaRPr lang="en-US" dirty="0"/>
+          </a:p>
+          <a:p>
+            <a:pPr algn="just"/>
+            <a:r>
+              <a:rPr lang="en-US" dirty="0"/>
+              <a:t>Azure File Sync enables seamless data tiering from on-premises Windows Servers to Azure Files, supporting hybrid scenarios and simplified file server migration. Organizations retain local file server performance and compatibility while benefiting from the scale and cost efficiency of Azure Files.</a:t>
+            </a:r>
+          </a:p>
+          <a:p>
+            <a:pPr algn="just"/>
+            <a:r>
+              <a:rPr lang="en-US" dirty="0"/>
+              <a:t>With expansion into </a:t>
+            </a:r>
+            <a:r>
+              <a:rPr lang="en-US" b="1" dirty="0"/>
+              <a:t>Israel Central</a:t>
+            </a:r>
+            <a:r>
+              <a:rPr lang="en-US" dirty="0"/>
+              <a:t>, customers gain </a:t>
+            </a:r>
+            <a:r>
+              <a:rPr lang="en-US" b="1" dirty="0"/>
+              <a:t>lower latency</a:t>
+            </a:r>
+            <a:r>
+              <a:rPr lang="en-US" dirty="0"/>
+              <a:t>, </a:t>
+            </a:r>
+            <a:r>
+              <a:rPr lang="en-US" b="1" dirty="0"/>
+              <a:t>improved performance</a:t>
+            </a:r>
+            <a:r>
+              <a:rPr lang="en-US" dirty="0"/>
+              <a:t>, and </a:t>
+            </a:r>
+            <a:r>
+              <a:rPr lang="en-US" b="1" dirty="0"/>
+              <a:t>support for local data residency requirements</a:t>
+            </a:r>
+            <a:r>
+              <a:rPr lang="en-US" dirty="0"/>
+              <a:t>, bringing hybrid file services closer to regional workloads.</a:t>
+            </a:r>
+          </a:p>
+          <a:p>
+            <a:pPr algn="just"/>
+            <a:endParaRPr lang="en-US" dirty="0"/>
+          </a:p>
+        </p:txBody>
+      </p:sp>
+    </p:spTree>
+    <p:extLst>
+      <p:ext uri="{BB962C8B-B14F-4D97-AF65-F5344CB8AC3E}">
+        <p14:creationId xmlns:p14="http://schemas.microsoft.com/office/powerpoint/2010/main" val="279085917"/>
+      </p:ext>
+    </p:extLst>
+  </p:cSld>
+  <p:clrMapOvr>
+    <a:masterClrMapping/>
+  </p:clrMapOvr>
+  <p:timing>
+    <p:tnLst>
+      <p:par>
+        <p:cTn id="1" dur="indefinite" restart="never" nodeType="tmRoot">
+          <p:childTnLst>
+            <p:seq concurrent="1" nextAc="seek">
+              <p:cTn id="2" dur="indefinite" nodeType="mainSeq">
+                <p:childTnLst>
+                  <p:par>
+                    <p:cTn id="3" fill="hold">
+                      <p:stCondLst>
+                        <p:cond delay="indefinite"/>
+                      </p:stCondLst>
+                      <p:childTnLst>
+                        <p:par>
+                          <p:cTn id="4" fill="hold">
+                            <p:stCondLst>
+                              <p:cond delay="0"/>
+                            </p:stCondLst>
+                            <p:childTnLst>
+                              <p:par>
+                                <p:cTn id="5" presetID="1" presetClass="entr" presetSubtype="0" fill="hold" nodeType="clickEffect">
+                                  <p:stCondLst>
+                                    <p:cond delay="0"/>
+                                  </p:stCondLst>
+                                  <p:childTnLst>
+                                    <p:set>
+                                      <p:cBhvr>
+                                        <p:cTn id="6" dur="1" fill="hold">
+                                          <p:stCondLst>
+                                            <p:cond delay="0"/>
+                                          </p:stCondLst>
+                                        </p:cTn>
+                                        <p:tgtEl>
+                                          <p:spTgt spid="5">
+                                            <p:txEl>
+                                              <p:pRg st="0" end="0"/>
+                                            </p:txEl>
+                                          </p:spTgt>
+                                        </p:tgtEl>
+                                        <p:attrNameLst>
+                                          <p:attrName>style.visibility</p:attrName>
+                                        </p:attrNameLst>
+                                      </p:cBhvr>
+                                      <p:to>
+                                        <p:strVal val="visible"/>
+                                      </p:to>
+                                    </p:set>
+                                  </p:childTnLst>
+                                </p:cTn>
+                              </p:par>
+                              <p:par>
+                                <p:cTn id="7" presetID="1" presetClass="entr" presetSubtype="0" fill="hold" nodeType="withEffect">
+                                  <p:stCondLst>
+                                    <p:cond delay="0"/>
+                                  </p:stCondLst>
+                                  <p:childTnLst>
+                                    <p:set>
+                                      <p:cBhvr>
+                                        <p:cTn id="8" dur="1" fill="hold">
+                                          <p:stCondLst>
+                                            <p:cond delay="0"/>
+                                          </p:stCondLst>
+                                        </p:cTn>
+                                        <p:tgtEl>
+                                          <p:spTgt spid="5">
+                                            <p:txEl>
+                                              <p:pRg st="1" end="1"/>
+                                            </p:txEl>
+                                          </p:spTgt>
+                                        </p:tgtEl>
+                                        <p:attrNameLst>
+                                          <p:attrName>style.visibility</p:attrName>
+                                        </p:attrNameLst>
+                                      </p:cBhvr>
+                                      <p:to>
+                                        <p:strVal val="visible"/>
+                                      </p:to>
+                                    </p:set>
+                                  </p:childTnLst>
+                                </p:cTn>
+                              </p:par>
+                              <p:par>
+                                <p:cTn id="9" presetID="1" presetClass="entr" presetSubtype="0" fill="hold" nodeType="withEffect">
+                                  <p:stCondLst>
+                                    <p:cond delay="0"/>
+                                  </p:stCondLst>
+                                  <p:childTnLst>
+                                    <p:set>
+                                      <p:cBhvr>
+                                        <p:cTn id="10" dur="1" fill="hold">
+                                          <p:stCondLst>
+                                            <p:cond delay="0"/>
+                                          </p:stCondLst>
+                                        </p:cTn>
+                                        <p:tgtEl>
+                                          <p:spTgt spid="5">
+                                            <p:txEl>
+                                              <p:pRg st="2" end="2"/>
+                                            </p:txEl>
+                                          </p:spTgt>
+                                        </p:tgtEl>
+                                        <p:attrNameLst>
+                                          <p:attrName>style.visibility</p:attrName>
+                                        </p:attrNameLst>
+                                      </p:cBhvr>
+                                      <p:to>
+                                        <p:strVal val="visible"/>
+                                      </p:to>
+                                    </p:set>
+                                  </p:childTnLst>
+                                </p:cTn>
+                              </p:par>
+                            </p:childTnLst>
+                          </p:cTn>
+                        </p:par>
+                      </p:childTnLst>
+                    </p:cTn>
+                  </p:par>
+                </p:childTnLst>
+              </p:cTn>
+              <p:prevCondLst>
+                <p:cond evt="onPrev" delay="0">
+                  <p:tgtEl>
+                    <p:sldTgt/>
+                  </p:tgtEl>
+                </p:cond>
+              </p:prevCondLst>
+              <p:nextCondLst>
+                <p:cond evt="onNext" delay="0">
+                  <p:tgtEl>
+                    <p:sldTgt/>
+                  </p:tgtEl>
+                </p:cond>
+              </p:nextCondLst>
+            </p:seq>
+          </p:childTnLst>
+        </p:cTn>
+      </p:par>
+    </p:tnLst>
+  </p:timing>
+</p:sld>
+</file>
+
+<file path=ppt/slides/slide17.xml><?xml version="1.0" encoding="utf-8"?>
+<p:sld xmlns:a="http://schemas.openxmlformats.org/drawingml/2006/main" xmlns:r="http://schemas.openxmlformats.org/officeDocument/2006/relationships" xmlns:p="http://schemas.openxmlformats.org/presentationml/2006/main" showMasterSp="0">
+  <p:cSld>
+    <p:spTree>
+      <p:nvGrpSpPr>
+        <p:cNvPr id="1" name=""/>
+        <p:cNvGrpSpPr/>
+        <p:nvPr/>
+      </p:nvGrpSpPr>
+      <p:grpSpPr>
+        <a:xfrm>
+          <a:off x="0" y="0"/>
+          <a:ext cx="0" cy="0"/>
+          <a:chOff x="0" y="0"/>
+          <a:chExt cx="0" cy="0"/>
+        </a:xfrm>
+      </p:grpSpPr>
+      <p:sp>
+        <p:nvSpPr>
+          <p:cNvPr id="4" name="Text Placeholder 3">
+            <a:extLst>
+              <a:ext uri="{FF2B5EF4-FFF2-40B4-BE49-F238E27FC236}">
+                <a16:creationId xmlns:a16="http://schemas.microsoft.com/office/drawing/2014/main" id="{17F39168-7046-60A5-1EEA-8D2B5EAAE24F}"/>
+              </a:ext>
+            </a:extLst>
+          </p:cNvPr>
+          <p:cNvSpPr>
+            <a:spLocks noGrp="1"/>
+          </p:cNvSpPr>
+          <p:nvPr>
+            <p:ph type="body" sz="quarter" idx="13"/>
+          </p:nvPr>
+        </p:nvSpPr>
+        <p:spPr/>
+        <p:txBody>
+          <a:bodyPr/>
+          <a:lstStyle/>
+          <a:p>
+            <a:r>
+              <a:rPr lang="en-US" sz="4000" dirty="0"/>
+              <a:t>Integration</a:t>
+            </a:r>
+          </a:p>
+        </p:txBody>
+      </p:sp>
+    </p:spTree>
+    <p:extLst>
+      <p:ext uri="{BB962C8B-B14F-4D97-AF65-F5344CB8AC3E}">
+        <p14:creationId xmlns:p14="http://schemas.microsoft.com/office/powerpoint/2010/main" val="596233084"/>
+      </p:ext>
+    </p:extLst>
+  </p:cSld>
+  <p:clrMapOvr>
+    <a:masterClrMapping/>
+  </p:clrMapOvr>
+</p:sld>
+</file>
+
+<file path=ppt/slides/slide18.xml><?xml version="1.0" encoding="utf-8"?>
+<p:sld xmlns:a="http://schemas.openxmlformats.org/drawingml/2006/main" xmlns:r="http://schemas.openxmlformats.org/officeDocument/2006/relationships" xmlns:p="http://schemas.openxmlformats.org/presentationml/2006/main" showMasterSp="0">
+  <p:cSld>
+    <p:spTree>
+      <p:nvGrpSpPr>
+        <p:cNvPr id="1" name=""/>
+        <p:cNvGrpSpPr/>
+        <p:nvPr/>
+      </p:nvGrpSpPr>
+      <p:grpSpPr>
+        <a:xfrm>
+          <a:off x="0" y="0"/>
+          <a:ext cx="0" cy="0"/>
+          <a:chOff x="0" y="0"/>
+          <a:chExt cx="0" cy="0"/>
+        </a:xfrm>
+      </p:grpSpPr>
+      <p:sp>
+        <p:nvSpPr>
+          <p:cNvPr id="12" name="Text Placeholder 11">
+            <a:extLst>
+              <a:ext uri="{FF2B5EF4-FFF2-40B4-BE49-F238E27FC236}">
+                <a16:creationId xmlns:a16="http://schemas.microsoft.com/office/drawing/2014/main" id="{F5D0A865-EAC9-D4DF-765C-2BBCA9EC1F5C}"/>
+              </a:ext>
+            </a:extLst>
+          </p:cNvPr>
+          <p:cNvSpPr>
+            <a:spLocks noGrp="1"/>
+          </p:cNvSpPr>
+          <p:nvPr>
+            <p:ph type="body" sz="quarter" idx="10"/>
+          </p:nvPr>
+        </p:nvSpPr>
+        <p:spPr/>
+        <p:txBody>
+          <a:bodyPr/>
+          <a:lstStyle/>
+          <a:p>
+            <a:endParaRPr lang="en-US" sz="1000" dirty="0"/>
+          </a:p>
+        </p:txBody>
+      </p:sp>
+      <p:sp>
+        <p:nvSpPr>
+          <p:cNvPr id="11" name="Title 10">
+            <a:extLst>
+              <a:ext uri="{FF2B5EF4-FFF2-40B4-BE49-F238E27FC236}">
+                <a16:creationId xmlns:a16="http://schemas.microsoft.com/office/drawing/2014/main" id="{0A19052D-1C06-3BF6-CD73-31098A5519FB}"/>
+              </a:ext>
+            </a:extLst>
+          </p:cNvPr>
+          <p:cNvSpPr>
+            <a:spLocks noGrp="1"/>
+          </p:cNvSpPr>
+          <p:nvPr>
+            <p:ph type="title"/>
+          </p:nvPr>
+        </p:nvSpPr>
+        <p:spPr/>
+        <p:txBody>
+          <a:bodyPr/>
+          <a:lstStyle/>
+          <a:p>
+            <a:r>
+              <a:rPr lang="en-US" sz="1800" dirty="0"/>
+              <a:t>Integration Updates</a:t>
+            </a:r>
+            <a:endParaRPr lang="en-US" dirty="0"/>
+          </a:p>
+        </p:txBody>
+      </p:sp>
+      <p:sp>
+        <p:nvSpPr>
+          <p:cNvPr id="13" name="Text Placeholder 12">
+            <a:extLst>
+              <a:ext uri="{FF2B5EF4-FFF2-40B4-BE49-F238E27FC236}">
+                <a16:creationId xmlns:a16="http://schemas.microsoft.com/office/drawing/2014/main" id="{AB83368C-23D2-63DD-1F2B-65AB8A48B236}"/>
+              </a:ext>
+            </a:extLst>
+          </p:cNvPr>
+          <p:cNvSpPr>
+            <a:spLocks noGrp="1"/>
+          </p:cNvSpPr>
+          <p:nvPr>
+            <p:ph type="body" sz="quarter" idx="15"/>
+          </p:nvPr>
+        </p:nvSpPr>
+        <p:spPr/>
+        <p:txBody>
+          <a:bodyPr/>
+          <a:lstStyle/>
+          <a:p>
+            <a:endParaRPr lang="en-US"/>
+          </a:p>
+        </p:txBody>
+      </p:sp>
+      <p:sp>
+        <p:nvSpPr>
+          <p:cNvPr id="14" name="Text Placeholder 13">
+            <a:extLst>
+              <a:ext uri="{FF2B5EF4-FFF2-40B4-BE49-F238E27FC236}">
+                <a16:creationId xmlns:a16="http://schemas.microsoft.com/office/drawing/2014/main" id="{1DF1A36F-4250-259D-24AE-F82FE69A7F7E}"/>
+              </a:ext>
+            </a:extLst>
+          </p:cNvPr>
+          <p:cNvSpPr>
+            <a:spLocks noGrp="1"/>
+          </p:cNvSpPr>
+          <p:nvPr>
+            <p:ph type="body" sz="quarter" idx="16"/>
+          </p:nvPr>
+        </p:nvSpPr>
+        <p:spPr>
+          <a:xfrm>
+            <a:off x="342900" y="855080"/>
+            <a:ext cx="3955312" cy="1883333"/>
+          </a:xfrm>
+        </p:spPr>
+        <p:txBody>
+          <a:bodyPr/>
+          <a:lstStyle/>
+          <a:p>
+            <a:pPr algn="just"/>
+            <a:r>
+              <a:rPr lang="en-US" dirty="0">
+                <a:hlinkClick r:id="rId2"/>
+              </a:rPr>
+              <a:t>Introducing Administration Client Support for the Azure Service Bus Emulator</a:t>
+            </a:r>
+            <a:endParaRPr lang="en-US" dirty="0"/>
+          </a:p>
+          <a:p>
+            <a:pPr algn="just"/>
+            <a:r>
+              <a:rPr lang="en-US" dirty="0"/>
+              <a:t>MS announced administration client support for the Azure Service Bus emulator, expanding it beyond messaging to include local management operations such as creating, updating, and deleting entities.</a:t>
+            </a:r>
+          </a:p>
+          <a:p>
+            <a:pPr algn="just"/>
+            <a:r>
+              <a:rPr lang="en-US" dirty="0"/>
+              <a:t>Azure Service Bus is a fully managed enterprise message broker for reliable queue- and topic-based messaging. While the local emulator already enabled developers to test message flows, this update now supports end-to-end local workflows that rely on management operations during application startup or deployment—making local development and testing even more complete.</a:t>
+            </a:r>
+          </a:p>
+          <a:p>
+            <a:pPr algn="just"/>
+            <a:endParaRPr lang="en-US" dirty="0"/>
+          </a:p>
+        </p:txBody>
+      </p:sp>
+    </p:spTree>
+    <p:extLst>
+      <p:ext uri="{BB962C8B-B14F-4D97-AF65-F5344CB8AC3E}">
+        <p14:creationId xmlns:p14="http://schemas.microsoft.com/office/powerpoint/2010/main" val="4065945540"/>
+      </p:ext>
+    </p:extLst>
+  </p:cSld>
+  <p:clrMapOvr>
+    <a:masterClrMapping/>
+  </p:clrMapOvr>
+  <mc:AlternateContent xmlns:mc="http://schemas.openxmlformats.org/markup-compatibility/2006" xmlns:p14="http://schemas.microsoft.com/office/powerpoint/2010/main">
+    <mc:Choice Requires="p14">
+      <p:transition spd="med" p14:dur="700">
+        <p:fade/>
+      </p:transition>
+    </mc:Choice>
+    <mc:Fallback xmlns="">
+      <p:transition spd="med">
+        <p:fade/>
+      </p:transition>
+    </mc:Fallback>
+  </mc:AlternateContent>
+  <p:timing>
+    <p:tnLst>
+      <p:par>
+        <p:cTn id="1" dur="indefinite" restart="never" nodeType="tmRoot">
+          <p:childTnLst>
+            <p:seq concurrent="1" nextAc="seek">
+              <p:cTn id="2" dur="indefinite" nodeType="mainSeq">
+                <p:childTnLst>
+                  <p:par>
+                    <p:cTn id="3" fill="hold">
+                      <p:stCondLst>
+                        <p:cond delay="indefinite"/>
+                      </p:stCondLst>
+                      <p:childTnLst>
+                        <p:par>
+                          <p:cTn id="4" fill="hold">
+                            <p:stCondLst>
+                              <p:cond delay="0"/>
+                            </p:stCondLst>
+                            <p:childTnLst>
+                              <p:par>
+                                <p:cTn id="5" presetID="1" presetClass="entr" presetSubtype="0" fill="hold" nodeType="clickEffect">
+                                  <p:stCondLst>
+                                    <p:cond delay="0"/>
+                                  </p:stCondLst>
+                                  <p:childTnLst>
+                                    <p:set>
+                                      <p:cBhvr>
+                                        <p:cTn id="6" dur="1" fill="hold">
+                                          <p:stCondLst>
+                                            <p:cond delay="0"/>
+                                          </p:stCondLst>
+                                        </p:cTn>
+                                        <p:tgtEl>
+                                          <p:spTgt spid="14">
+                                            <p:txEl>
+                                              <p:pRg st="0" end="0"/>
+                                            </p:txEl>
+                                          </p:spTgt>
+                                        </p:tgtEl>
+                                        <p:attrNameLst>
+                                          <p:attrName>style.visibility</p:attrName>
+                                        </p:attrNameLst>
+                                      </p:cBhvr>
+                                      <p:to>
+                                        <p:strVal val="visible"/>
+                                      </p:to>
+                                    </p:set>
+                                  </p:childTnLst>
+                                </p:cTn>
+                              </p:par>
+                              <p:par>
+                                <p:cTn id="7" presetID="1" presetClass="entr" presetSubtype="0" fill="hold" nodeType="withEffect">
+                                  <p:stCondLst>
+                                    <p:cond delay="0"/>
+                                  </p:stCondLst>
+                                  <p:childTnLst>
+                                    <p:set>
+                                      <p:cBhvr>
+                                        <p:cTn id="8" dur="1" fill="hold">
+                                          <p:stCondLst>
+                                            <p:cond delay="0"/>
+                                          </p:stCondLst>
+                                        </p:cTn>
+                                        <p:tgtEl>
+                                          <p:spTgt spid="14">
+                                            <p:txEl>
+                                              <p:pRg st="1" end="1"/>
+                                            </p:txEl>
+                                          </p:spTgt>
+                                        </p:tgtEl>
+                                        <p:attrNameLst>
+                                          <p:attrName>style.visibility</p:attrName>
+                                        </p:attrNameLst>
+                                      </p:cBhvr>
+                                      <p:to>
+                                        <p:strVal val="visible"/>
+                                      </p:to>
+                                    </p:set>
+                                  </p:childTnLst>
+                                </p:cTn>
+                              </p:par>
+                              <p:par>
+                                <p:cTn id="9" presetID="1" presetClass="entr" presetSubtype="0" fill="hold" nodeType="withEffect">
+                                  <p:stCondLst>
+                                    <p:cond delay="0"/>
+                                  </p:stCondLst>
+                                  <p:childTnLst>
+                                    <p:set>
+                                      <p:cBhvr>
+                                        <p:cTn id="10" dur="1" fill="hold">
+                                          <p:stCondLst>
+                                            <p:cond delay="0"/>
+                                          </p:stCondLst>
+                                        </p:cTn>
+                                        <p:tgtEl>
+                                          <p:spTgt spid="14">
+                                            <p:txEl>
+                                              <p:pRg st="2" end="2"/>
+                                            </p:txEl>
+                                          </p:spTgt>
+                                        </p:tgtEl>
+                                        <p:attrNameLst>
+                                          <p:attrName>style.visibility</p:attrName>
+                                        </p:attrNameLst>
+                                      </p:cBhvr>
+                                      <p:to>
+                                        <p:strVal val="visible"/>
+                                      </p:to>
+                                    </p:set>
+                                  </p:childTnLst>
+                                </p:cTn>
+                              </p:par>
+                            </p:childTnLst>
+                          </p:cTn>
+                        </p:par>
+                      </p:childTnLst>
+                    </p:cTn>
+                  </p:par>
+                </p:childTnLst>
+              </p:cTn>
+              <p:prevCondLst>
+                <p:cond evt="onPrev" delay="0">
+                  <p:tgtEl>
+                    <p:sldTgt/>
+                  </p:tgtEl>
+                </p:cond>
+              </p:prevCondLst>
+              <p:nextCondLst>
+                <p:cond evt="onNext" delay="0">
+                  <p:tgtEl>
+                    <p:sldTgt/>
+                  </p:tgtEl>
+                </p:cond>
+              </p:nextCondLst>
+            </p:seq>
+          </p:childTnLst>
+        </p:cTn>
+      </p:par>
+    </p:tnLst>
+  </p:timing>
+</p:sld>
+</file>
+
+<file path=ppt/slides/slide19.xml><?xml version="1.0" encoding="utf-8"?>
+<p:sld xmlns:a="http://schemas.openxmlformats.org/drawingml/2006/main" xmlns:r="http://schemas.openxmlformats.org/officeDocument/2006/relationships" xmlns:p="http://schemas.openxmlformats.org/presentationml/2006/main">
+  <p:cSld>
+    <p:spTree>
+      <p:nvGrpSpPr>
+        <p:cNvPr id="1" name=""/>
+        <p:cNvGrpSpPr/>
+        <p:nvPr/>
+      </p:nvGrpSpPr>
+      <p:grpSpPr>
+        <a:xfrm>
+          <a:off x="0" y="0"/>
+          <a:ext cx="0" cy="0"/>
+          <a:chOff x="0" y="0"/>
+          <a:chExt cx="0" cy="0"/>
+        </a:xfrm>
+      </p:grpSpPr>
+      <p:sp>
+        <p:nvSpPr>
+          <p:cNvPr id="4" name="Text Placeholder 3">
+            <a:extLst>
+              <a:ext uri="{FF2B5EF4-FFF2-40B4-BE49-F238E27FC236}">
+                <a16:creationId xmlns:a16="http://schemas.microsoft.com/office/drawing/2014/main" id="{17F39168-7046-60A5-1EEA-8D2B5EAAE24F}"/>
+              </a:ext>
+            </a:extLst>
+          </p:cNvPr>
+          <p:cNvSpPr>
+            <a:spLocks noGrp="1"/>
+          </p:cNvSpPr>
+          <p:nvPr>
+            <p:ph type="body" sz="quarter" idx="13"/>
+          </p:nvPr>
+        </p:nvSpPr>
+        <p:spPr>
+          <a:xfrm>
+            <a:off x="252845" y="1285875"/>
+            <a:ext cx="4748646" cy="1714500"/>
+          </a:xfrm>
+        </p:spPr>
+        <p:txBody>
+          <a:bodyPr/>
+          <a:lstStyle/>
+          <a:p>
+            <a:r>
+              <a:rPr lang="en-US" sz="4000" dirty="0"/>
+              <a:t>DevOps &amp; IaC &amp; Automation</a:t>
+            </a:r>
+          </a:p>
+        </p:txBody>
+      </p:sp>
+    </p:spTree>
+    <p:extLst>
+      <p:ext uri="{BB962C8B-B14F-4D97-AF65-F5344CB8AC3E}">
+        <p14:creationId xmlns:p14="http://schemas.microsoft.com/office/powerpoint/2010/main" val="653784621"/>
+      </p:ext>
+    </p:extLst>
+  </p:cSld>
+  <p:clrMapOvr>
+    <a:masterClrMapping/>
+  </p:clrMapOvr>
+</p:sld>
+</file>
+
+<file path=ppt/slides/slide2.xml><?xml version="1.0" encoding="utf-8"?>
+<p:sld xmlns:a="http://schemas.openxmlformats.org/drawingml/2006/main" xmlns:r="http://schemas.openxmlformats.org/officeDocument/2006/relationships" xmlns:p="http://schemas.openxmlformats.org/presentationml/2006/main">
+  <p:cSld>
+    <p:spTree>
+      <p:nvGrpSpPr>
+        <p:cNvPr id="1" name="">
+          <a:extLst>
+            <a:ext uri="{FF2B5EF4-FFF2-40B4-BE49-F238E27FC236}">
+              <a16:creationId xmlns:a16="http://schemas.microsoft.com/office/drawing/2014/main" id="{E619CD01-5C36-07DD-85AD-9C54D72D8FEC}"/>
+            </a:ext>
+          </a:extLst>
+        </p:cNvPr>
+        <p:cNvGrpSpPr/>
+        <p:nvPr/>
+      </p:nvGrpSpPr>
+      <p:grpSpPr>
+        <a:xfrm>
+          <a:off x="0" y="0"/>
+          <a:ext cx="0" cy="0"/>
+          <a:chOff x="0" y="0"/>
+          <a:chExt cx="0" cy="0"/>
+        </a:xfrm>
+      </p:grpSpPr>
+      <p:sp>
+        <p:nvSpPr>
+          <p:cNvPr id="4" name="Text Placeholder 3">
+            <a:extLst>
+              <a:ext uri="{FF2B5EF4-FFF2-40B4-BE49-F238E27FC236}">
+                <a16:creationId xmlns:a16="http://schemas.microsoft.com/office/drawing/2014/main" id="{F9BB3323-77C8-AB8E-1BF2-D9EEA58211F1}"/>
+              </a:ext>
+            </a:extLst>
+          </p:cNvPr>
+          <p:cNvSpPr>
+            <a:spLocks noGrp="1"/>
+          </p:cNvSpPr>
+          <p:nvPr>
+            <p:ph type="body" sz="quarter" idx="13"/>
+          </p:nvPr>
+        </p:nvSpPr>
+        <p:spPr>
+          <a:xfrm>
+            <a:off x="252845" y="1285875"/>
+            <a:ext cx="6271326" cy="1714500"/>
+          </a:xfrm>
+        </p:spPr>
+        <p:txBody>
+          <a:bodyPr/>
+          <a:lstStyle/>
+          <a:p>
+            <a:r>
+              <a:rPr lang="en-US" sz="4000" dirty="0"/>
+              <a:t>Networking</a:t>
+            </a:r>
+          </a:p>
+        </p:txBody>
+      </p:sp>
+    </p:spTree>
+    <p:extLst>
+      <p:ext uri="{BB962C8B-B14F-4D97-AF65-F5344CB8AC3E}">
+        <p14:creationId xmlns:p14="http://schemas.microsoft.com/office/powerpoint/2010/main" val="841833609"/>
+      </p:ext>
+    </p:extLst>
+  </p:cSld>
+  <p:clrMapOvr>
+    <a:masterClrMapping/>
+  </p:clrMapOvr>
+</p:sld>
+</file>
+
+<file path=ppt/slides/slide20.xml><?xml version="1.0" encoding="utf-8"?>
+<p:sld xmlns:a="http://schemas.openxmlformats.org/drawingml/2006/main" xmlns:r="http://schemas.openxmlformats.org/officeDocument/2006/relationships" xmlns:p="http://schemas.openxmlformats.org/presentationml/2006/main">
+  <p:cSld>
+    <p:spTree>
+      <p:nvGrpSpPr>
+        <p:cNvPr id="1" name="">
+          <a:extLst>
+            <a:ext uri="{FF2B5EF4-FFF2-40B4-BE49-F238E27FC236}">
+              <a16:creationId xmlns:a16="http://schemas.microsoft.com/office/drawing/2014/main" id="{37878F22-A9E3-2B6E-58E1-F0D0E1E104E0}"/>
+            </a:ext>
+          </a:extLst>
+        </p:cNvPr>
+        <p:cNvGrpSpPr/>
+        <p:nvPr/>
+      </p:nvGrpSpPr>
+      <p:grpSpPr>
+        <a:xfrm>
+          <a:off x="0" y="0"/>
+          <a:ext cx="0" cy="0"/>
+          <a:chOff x="0" y="0"/>
+          <a:chExt cx="0" cy="0"/>
+        </a:xfrm>
+      </p:grpSpPr>
+      <p:sp>
+        <p:nvSpPr>
+          <p:cNvPr id="12" name="Text Placeholder 11">
+            <a:extLst>
+              <a:ext uri="{FF2B5EF4-FFF2-40B4-BE49-F238E27FC236}">
+                <a16:creationId xmlns:a16="http://schemas.microsoft.com/office/drawing/2014/main" id="{70409C6D-0E1D-A764-A4B4-2D3FADB4EE00}"/>
+              </a:ext>
+            </a:extLst>
+          </p:cNvPr>
+          <p:cNvSpPr>
+            <a:spLocks noGrp="1"/>
+          </p:cNvSpPr>
+          <p:nvPr>
+            <p:ph type="body" sz="quarter" idx="10"/>
+          </p:nvPr>
+        </p:nvSpPr>
+        <p:spPr/>
+        <p:txBody>
+          <a:bodyPr/>
+          <a:lstStyle/>
+          <a:p>
+            <a:pPr algn="just"/>
+            <a:r>
+              <a:rPr lang="en-US" sz="1000" dirty="0">
+                <a:hlinkClick r:id="rId2"/>
+              </a:rPr>
+              <a:t>Generally Available: Reporting in Playwright Workspaces (part of Azure App Testing)</a:t>
+            </a:r>
+            <a:endParaRPr lang="en-US" sz="1000" dirty="0"/>
+          </a:p>
+          <a:p>
+            <a:pPr algn="just"/>
+            <a:r>
+              <a:rPr lang="en-US" sz="1000" dirty="0"/>
+              <a:t>Reporting capabilities are now live in </a:t>
+            </a:r>
+            <a:r>
+              <a:rPr lang="en-US" sz="1000" b="1" dirty="0"/>
+              <a:t>Playwright Workspaces</a:t>
+            </a:r>
+            <a:r>
+              <a:rPr lang="en-US" sz="1000" dirty="0"/>
+              <a:t>, delivering an integrated, flexible, and collaborative reporting experience that makes test debugging faster and easier. Customers can bring their own </a:t>
+            </a:r>
+            <a:r>
+              <a:rPr lang="en-US" sz="1000" b="1" dirty="0"/>
+              <a:t>Azure Storage</a:t>
+            </a:r>
+            <a:r>
+              <a:rPr lang="en-US" sz="1000" dirty="0"/>
+              <a:t> accounts to securely store and govern test artifacts.</a:t>
+            </a:r>
+          </a:p>
+          <a:p>
+            <a:pPr algn="just"/>
+            <a:r>
+              <a:rPr lang="en-US" sz="1000" dirty="0"/>
+              <a:t>Playwright Workspaces is a fully managed end-to-end web testing service built on Playwright, enabling significantly faster test execution by running tests in parallel on managed cloud-based browsers.</a:t>
+            </a:r>
+          </a:p>
+          <a:p>
+            <a:pPr algn="just"/>
+            <a:endParaRPr lang="en-US" sz="1000" dirty="0"/>
+          </a:p>
+        </p:txBody>
+      </p:sp>
+      <p:sp>
+        <p:nvSpPr>
+          <p:cNvPr id="11" name="Title 10">
+            <a:extLst>
+              <a:ext uri="{FF2B5EF4-FFF2-40B4-BE49-F238E27FC236}">
+                <a16:creationId xmlns:a16="http://schemas.microsoft.com/office/drawing/2014/main" id="{1A1E796A-EE79-410E-046D-1D63E445E96B}"/>
+              </a:ext>
+            </a:extLst>
+          </p:cNvPr>
+          <p:cNvSpPr>
+            <a:spLocks noGrp="1"/>
+          </p:cNvSpPr>
+          <p:nvPr>
+            <p:ph type="title"/>
+          </p:nvPr>
+        </p:nvSpPr>
+        <p:spPr/>
+        <p:txBody>
+          <a:bodyPr/>
+          <a:lstStyle/>
+          <a:p>
+            <a:r>
+              <a:rPr lang="en-US" sz="1800" dirty="0"/>
+              <a:t>Integration Updates</a:t>
+            </a:r>
+            <a:endParaRPr lang="en-US" dirty="0"/>
+          </a:p>
+        </p:txBody>
+      </p:sp>
+      <p:sp>
+        <p:nvSpPr>
+          <p:cNvPr id="13" name="Text Placeholder 12">
+            <a:extLst>
+              <a:ext uri="{FF2B5EF4-FFF2-40B4-BE49-F238E27FC236}">
+                <a16:creationId xmlns:a16="http://schemas.microsoft.com/office/drawing/2014/main" id="{AED4F9DC-B482-0291-E516-FC62C0D1927D}"/>
+              </a:ext>
+            </a:extLst>
+          </p:cNvPr>
+          <p:cNvSpPr>
+            <a:spLocks noGrp="1"/>
+          </p:cNvSpPr>
+          <p:nvPr>
+            <p:ph type="body" sz="quarter" idx="15"/>
+          </p:nvPr>
+        </p:nvSpPr>
+        <p:spPr/>
+        <p:txBody>
+          <a:bodyPr/>
+          <a:lstStyle/>
+          <a:p>
+            <a:endParaRPr lang="en-US"/>
+          </a:p>
+        </p:txBody>
+      </p:sp>
+      <p:sp>
+        <p:nvSpPr>
+          <p:cNvPr id="14" name="Text Placeholder 13">
+            <a:extLst>
+              <a:ext uri="{FF2B5EF4-FFF2-40B4-BE49-F238E27FC236}">
+                <a16:creationId xmlns:a16="http://schemas.microsoft.com/office/drawing/2014/main" id="{C3960749-A6C0-6C05-2CF4-B9E16BFA36F2}"/>
+              </a:ext>
+            </a:extLst>
+          </p:cNvPr>
+          <p:cNvSpPr>
+            <a:spLocks noGrp="1"/>
+          </p:cNvSpPr>
+          <p:nvPr>
+            <p:ph type="body" sz="quarter" idx="16"/>
+          </p:nvPr>
+        </p:nvSpPr>
+        <p:spPr>
+          <a:xfrm>
+            <a:off x="342900" y="855080"/>
+            <a:ext cx="3955312" cy="1845033"/>
+          </a:xfrm>
+        </p:spPr>
+        <p:txBody>
+          <a:bodyPr/>
+          <a:lstStyle/>
+          <a:p>
+            <a:pPr algn="just"/>
+            <a:r>
+              <a:rPr lang="en-US" dirty="0">
+                <a:hlinkClick r:id="rId3"/>
+              </a:rPr>
+              <a:t>Generally Available: Azure Load Testing in Switzerland North</a:t>
+            </a:r>
+            <a:endParaRPr lang="en-US" dirty="0"/>
+          </a:p>
+          <a:p>
+            <a:pPr algn="just"/>
+            <a:r>
+              <a:rPr lang="en-US" dirty="0"/>
+              <a:t>Azure Load Testing capability in Azure App Testing is now generally available in Switzerland North. </a:t>
+            </a:r>
+          </a:p>
+          <a:p>
+            <a:pPr algn="just"/>
+            <a:r>
+              <a:rPr lang="en-US" dirty="0"/>
+              <a:t>Customers can now use </a:t>
+            </a:r>
+            <a:r>
+              <a:rPr lang="en-US" b="1" dirty="0"/>
+              <a:t>Azure Load Testing</a:t>
+            </a:r>
+            <a:r>
+              <a:rPr lang="en-US" dirty="0"/>
+              <a:t> within </a:t>
+            </a:r>
+            <a:r>
+              <a:rPr lang="en-US" b="1" dirty="0"/>
+              <a:t>Azure App Testing</a:t>
+            </a:r>
+            <a:r>
+              <a:rPr lang="en-US" dirty="0"/>
+              <a:t> to run large-scale load simulations, quickly identify performance bottlenecks with rich client- and server-side metrics, receive AI-powered insights, and integrate tests into CI/CD pipelines. You can get started with no prior load-testing expertise or reuse existing Apache JMeter or Locust scripts—now with local availability in Switzerland North.</a:t>
+            </a:r>
+          </a:p>
+        </p:txBody>
+      </p:sp>
+    </p:spTree>
+    <p:extLst>
+      <p:ext uri="{BB962C8B-B14F-4D97-AF65-F5344CB8AC3E}">
+        <p14:creationId xmlns:p14="http://schemas.microsoft.com/office/powerpoint/2010/main" val="58293682"/>
+      </p:ext>
+    </p:extLst>
+  </p:cSld>
+  <p:clrMapOvr>
+    <a:masterClrMapping/>
+  </p:clrMapOvr>
+  <mc:AlternateContent xmlns:mc="http://schemas.openxmlformats.org/markup-compatibility/2006" xmlns:p14="http://schemas.microsoft.com/office/powerpoint/2010/main">
+    <mc:Choice Requires="p14">
+      <p:transition spd="med" p14:dur="700">
+        <p:fade/>
+      </p:transition>
+    </mc:Choice>
+    <mc:Fallback xmlns="">
+      <p:transition spd="med">
+        <p:fade/>
+      </p:transition>
+    </mc:Fallback>
+  </mc:AlternateContent>
+  <p:timing>
+    <p:tnLst>
+      <p:par>
+        <p:cTn id="1" dur="indefinite" restart="never" nodeType="tmRoot">
+          <p:childTnLst>
+            <p:seq concurrent="1" nextAc="seek">
+              <p:cTn id="2" dur="indefinite" nodeType="mainSeq">
+                <p:childTnLst>
+                  <p:par>
+                    <p:cTn id="3" fill="hold">
+                      <p:stCondLst>
+                        <p:cond delay="indefinite"/>
+                      </p:stCondLst>
+                      <p:childTnLst>
+                        <p:par>
+                          <p:cTn id="4" fill="hold">
+                            <p:stCondLst>
+                              <p:cond delay="0"/>
+                            </p:stCondLst>
+                            <p:childTnLst>
+                              <p:par>
+                                <p:cTn id="5" presetID="1" presetClass="entr" presetSubtype="0" fill="hold" nodeType="clickEffect">
+                                  <p:stCondLst>
+                                    <p:cond delay="0"/>
+                                  </p:stCondLst>
+                                  <p:childTnLst>
+                                    <p:set>
+                                      <p:cBhvr>
+                                        <p:cTn id="6" dur="1" fill="hold">
+                                          <p:stCondLst>
+                                            <p:cond delay="0"/>
+                                          </p:stCondLst>
+                                        </p:cTn>
+                                        <p:tgtEl>
+                                          <p:spTgt spid="14">
+                                            <p:txEl>
+                                              <p:pRg st="0" end="0"/>
+                                            </p:txEl>
+                                          </p:spTgt>
+                                        </p:tgtEl>
+                                        <p:attrNameLst>
+                                          <p:attrName>style.visibility</p:attrName>
+                                        </p:attrNameLst>
+                                      </p:cBhvr>
+                                      <p:to>
+                                        <p:strVal val="visible"/>
+                                      </p:to>
+                                    </p:set>
+                                  </p:childTnLst>
+                                </p:cTn>
+                              </p:par>
+                              <p:par>
+                                <p:cTn id="7" presetID="1" presetClass="entr" presetSubtype="0" fill="hold" nodeType="withEffect">
+                                  <p:stCondLst>
+                                    <p:cond delay="0"/>
+                                  </p:stCondLst>
+                                  <p:childTnLst>
+                                    <p:set>
+                                      <p:cBhvr>
+                                        <p:cTn id="8" dur="1" fill="hold">
+                                          <p:stCondLst>
+                                            <p:cond delay="0"/>
+                                          </p:stCondLst>
+                                        </p:cTn>
+                                        <p:tgtEl>
+                                          <p:spTgt spid="14">
+                                            <p:txEl>
+                                              <p:pRg st="1" end="1"/>
+                                            </p:txEl>
+                                          </p:spTgt>
+                                        </p:tgtEl>
+                                        <p:attrNameLst>
+                                          <p:attrName>style.visibility</p:attrName>
+                                        </p:attrNameLst>
+                                      </p:cBhvr>
+                                      <p:to>
+                                        <p:strVal val="visible"/>
+                                      </p:to>
+                                    </p:set>
+                                  </p:childTnLst>
+                                </p:cTn>
+                              </p:par>
+                              <p:par>
+                                <p:cTn id="9" presetID="1" presetClass="entr" presetSubtype="0" fill="hold" nodeType="withEffect">
+                                  <p:stCondLst>
+                                    <p:cond delay="0"/>
+                                  </p:stCondLst>
+                                  <p:childTnLst>
+                                    <p:set>
+                                      <p:cBhvr>
+                                        <p:cTn id="10" dur="1" fill="hold">
+                                          <p:stCondLst>
+                                            <p:cond delay="0"/>
+                                          </p:stCondLst>
+                                        </p:cTn>
+                                        <p:tgtEl>
+                                          <p:spTgt spid="14">
+                                            <p:txEl>
+                                              <p:pRg st="2" end="2"/>
+                                            </p:txEl>
+                                          </p:spTgt>
+                                        </p:tgtEl>
+                                        <p:attrNameLst>
+                                          <p:attrName>style.visibility</p:attrName>
+                                        </p:attrNameLst>
+                                      </p:cBhvr>
+                                      <p:to>
+                                        <p:strVal val="visible"/>
+                                      </p:to>
+                                    </p:set>
+                                  </p:childTnLst>
+                                </p:cTn>
+                              </p:par>
+                            </p:childTnLst>
+                          </p:cTn>
+                        </p:par>
+                      </p:childTnLst>
+                    </p:cTn>
+                  </p:par>
+                  <p:par>
+                    <p:cTn id="11" fill="hold">
+                      <p:stCondLst>
+                        <p:cond delay="indefinite"/>
+                      </p:stCondLst>
+                      <p:childTnLst>
+                        <p:par>
+                          <p:cTn id="12" fill="hold">
+                            <p:stCondLst>
+                              <p:cond delay="0"/>
+                            </p:stCondLst>
+                            <p:childTnLst>
+                              <p:par>
+                                <p:cTn id="13" presetID="1" presetClass="entr" presetSubtype="0" fill="hold" nodeType="clickEffect">
+                                  <p:stCondLst>
+                                    <p:cond delay="0"/>
+                                  </p:stCondLst>
+                                  <p:childTnLst>
+                                    <p:set>
+                                      <p:cBhvr>
+                                        <p:cTn id="14" dur="1" fill="hold">
+                                          <p:stCondLst>
+                                            <p:cond delay="0"/>
+                                          </p:stCondLst>
+                                        </p:cTn>
+                                        <p:tgtEl>
+                                          <p:spTgt spid="12">
+                                            <p:txEl>
+                                              <p:pRg st="0" end="0"/>
+                                            </p:txEl>
+                                          </p:spTgt>
+                                        </p:tgtEl>
+                                        <p:attrNameLst>
+                                          <p:attrName>style.visibility</p:attrName>
+                                        </p:attrNameLst>
+                                      </p:cBhvr>
+                                      <p:to>
+                                        <p:strVal val="visible"/>
+                                      </p:to>
+                                    </p:set>
+                                  </p:childTnLst>
+                                </p:cTn>
+                              </p:par>
+                              <p:par>
+                                <p:cTn id="15" presetID="1" presetClass="entr" presetSubtype="0" fill="hold" nodeType="withEffect">
+                                  <p:stCondLst>
+                                    <p:cond delay="0"/>
+                                  </p:stCondLst>
+                                  <p:childTnLst>
+                                    <p:set>
+                                      <p:cBhvr>
+                                        <p:cTn id="16" dur="1" fill="hold">
+                                          <p:stCondLst>
+                                            <p:cond delay="0"/>
+                                          </p:stCondLst>
+                                        </p:cTn>
+                                        <p:tgtEl>
+                                          <p:spTgt spid="12">
+                                            <p:txEl>
+                                              <p:pRg st="1" end="1"/>
+                                            </p:txEl>
+                                          </p:spTgt>
+                                        </p:tgtEl>
+                                        <p:attrNameLst>
+                                          <p:attrName>style.visibility</p:attrName>
+                                        </p:attrNameLst>
+                                      </p:cBhvr>
+                                      <p:to>
+                                        <p:strVal val="visible"/>
+                                      </p:to>
+                                    </p:set>
+                                  </p:childTnLst>
+                                </p:cTn>
+                              </p:par>
+                              <p:par>
+                                <p:cTn id="17" presetID="1" presetClass="entr" presetSubtype="0" fill="hold" nodeType="withEffect">
+                                  <p:stCondLst>
+                                    <p:cond delay="0"/>
+                                  </p:stCondLst>
+                                  <p:childTnLst>
+                                    <p:set>
+                                      <p:cBhvr>
+                                        <p:cTn id="18" dur="1" fill="hold">
+                                          <p:stCondLst>
+                                            <p:cond delay="0"/>
+                                          </p:stCondLst>
+                                        </p:cTn>
+                                        <p:tgtEl>
+                                          <p:spTgt spid="12">
+                                            <p:txEl>
+                                              <p:pRg st="2" end="2"/>
+                                            </p:txEl>
+                                          </p:spTgt>
+                                        </p:tgtEl>
+                                        <p:attrNameLst>
+                                          <p:attrName>style.visibility</p:attrName>
+                                        </p:attrNameLst>
+                                      </p:cBhvr>
+                                      <p:to>
+                                        <p:strVal val="visible"/>
+                                      </p:to>
+                                    </p:set>
+                                  </p:childTnLst>
+                                </p:cTn>
+                              </p:par>
+                            </p:childTnLst>
+                          </p:cTn>
+                        </p:par>
+                      </p:childTnLst>
+                    </p:cTn>
+                  </p:par>
+                </p:childTnLst>
+              </p:cTn>
+              <p:prevCondLst>
+                <p:cond evt="onPrev" delay="0">
+                  <p:tgtEl>
+                    <p:sldTgt/>
+                  </p:tgtEl>
+                </p:cond>
+              </p:prevCondLst>
+              <p:nextCondLst>
+                <p:cond evt="onNext" delay="0">
+                  <p:tgtEl>
+                    <p:sldTgt/>
+                  </p:tgtEl>
+                </p:cond>
+              </p:nextCondLst>
+            </p:seq>
+          </p:childTnLst>
+        </p:cTn>
+      </p:par>
+    </p:tnLst>
+  </p:timing>
+</p:sld>
+</file>
+
+<file path=ppt/slides/slide21.xml><?xml version="1.0" encoding="utf-8"?>
+<p:sld xmlns:a="http://schemas.openxmlformats.org/drawingml/2006/main" xmlns:r="http://schemas.openxmlformats.org/officeDocument/2006/relationships" xmlns:p="http://schemas.openxmlformats.org/presentationml/2006/main" showMasterSp="0">
+  <p:cSld>
+    <p:spTree>
+      <p:nvGrpSpPr>
+        <p:cNvPr id="1" name=""/>
+        <p:cNvGrpSpPr/>
+        <p:nvPr/>
+      </p:nvGrpSpPr>
+      <p:grpSpPr>
+        <a:xfrm>
+          <a:off x="0" y="0"/>
+          <a:ext cx="0" cy="0"/>
+          <a:chOff x="0" y="0"/>
+          <a:chExt cx="0" cy="0"/>
+        </a:xfrm>
+      </p:grpSpPr>
+      <p:sp>
+        <p:nvSpPr>
+          <p:cNvPr id="4" name="Text Placeholder 3">
+            <a:extLst>
+              <a:ext uri="{FF2B5EF4-FFF2-40B4-BE49-F238E27FC236}">
+                <a16:creationId xmlns:a16="http://schemas.microsoft.com/office/drawing/2014/main" id="{17F39168-7046-60A5-1EEA-8D2B5EAAE24F}"/>
+              </a:ext>
+            </a:extLst>
+          </p:cNvPr>
+          <p:cNvSpPr>
+            <a:spLocks noGrp="1"/>
+          </p:cNvSpPr>
+          <p:nvPr>
+            <p:ph type="body" sz="quarter" idx="13"/>
+          </p:nvPr>
+        </p:nvSpPr>
+        <p:spPr/>
+        <p:txBody>
+          <a:bodyPr/>
+          <a:lstStyle/>
+          <a:p>
+            <a:r>
+              <a:rPr lang="en-US" sz="4000" dirty="0"/>
+              <a:t>Information</a:t>
+            </a:r>
+          </a:p>
+        </p:txBody>
+      </p:sp>
+    </p:spTree>
+    <p:extLst>
+      <p:ext uri="{BB962C8B-B14F-4D97-AF65-F5344CB8AC3E}">
+        <p14:creationId xmlns:p14="http://schemas.microsoft.com/office/powerpoint/2010/main" val="1276041622"/>
+      </p:ext>
+    </p:extLst>
+  </p:cSld>
+  <p:clrMapOvr>
+    <a:masterClrMapping/>
+  </p:clrMapOvr>
+</p:sld>
+</file>
+
+<file path=ppt/slides/slide22.xml><?xml version="1.0" encoding="utf-8"?>
+<p:sld xmlns:a="http://schemas.openxmlformats.org/drawingml/2006/main" xmlns:r="http://schemas.openxmlformats.org/officeDocument/2006/relationships" xmlns:p="http://schemas.openxmlformats.org/presentationml/2006/main" showMasterSp="0">
+  <p:cSld>
+    <p:spTree>
+      <p:nvGrpSpPr>
+        <p:cNvPr id="1" name=""/>
+        <p:cNvGrpSpPr/>
+        <p:nvPr/>
+      </p:nvGrpSpPr>
+      <p:grpSpPr>
+        <a:xfrm>
+          <a:off x="0" y="0"/>
+          <a:ext cx="0" cy="0"/>
+          <a:chOff x="0" y="0"/>
+          <a:chExt cx="0" cy="0"/>
+        </a:xfrm>
+      </p:grpSpPr>
+      <p:sp>
+        <p:nvSpPr>
+          <p:cNvPr id="2" name="Text Placeholder 1">
+            <a:extLst>
+              <a:ext uri="{FF2B5EF4-FFF2-40B4-BE49-F238E27FC236}">
+                <a16:creationId xmlns:a16="http://schemas.microsoft.com/office/drawing/2014/main" id="{BD9E4E97-A385-759E-BD70-47D0B91CA39E}"/>
+              </a:ext>
+            </a:extLst>
+          </p:cNvPr>
+          <p:cNvSpPr>
+            <a:spLocks noGrp="1"/>
+          </p:cNvSpPr>
+          <p:nvPr>
+            <p:ph type="body" sz="quarter" idx="10"/>
+          </p:nvPr>
+        </p:nvSpPr>
+        <p:spPr>
+          <a:xfrm>
+            <a:off x="342900" y="855080"/>
+            <a:ext cx="8455914" cy="3774069"/>
+          </a:xfrm>
+        </p:spPr>
+        <p:txBody>
+          <a:bodyPr/>
+          <a:lstStyle/>
+          <a:p>
+            <a:r>
+              <a:rPr lang="en-US" dirty="0">
+                <a:hlinkClick r:id="rId2"/>
+              </a:rPr>
+              <a:t>Azure Times GitHub Repo</a:t>
+            </a:r>
+            <a:endParaRPr lang="en-US" dirty="0"/>
+          </a:p>
+        </p:txBody>
+      </p:sp>
+      <p:sp>
+        <p:nvSpPr>
+          <p:cNvPr id="3" name="Title 2">
+            <a:extLst>
+              <a:ext uri="{FF2B5EF4-FFF2-40B4-BE49-F238E27FC236}">
+                <a16:creationId xmlns:a16="http://schemas.microsoft.com/office/drawing/2014/main" id="{78BEF490-0130-4022-0399-BE422CD7CB94}"/>
+              </a:ext>
+            </a:extLst>
+          </p:cNvPr>
+          <p:cNvSpPr>
+            <a:spLocks noGrp="1"/>
+          </p:cNvSpPr>
+          <p:nvPr>
+            <p:ph type="title"/>
+          </p:nvPr>
+        </p:nvSpPr>
+        <p:spPr/>
+        <p:txBody>
+          <a:bodyPr/>
+          <a:lstStyle/>
+          <a:p>
+            <a:r>
+              <a:rPr lang="en-US" sz="1800" dirty="0"/>
+              <a:t>Information</a:t>
+            </a:r>
+            <a:br>
+              <a:rPr lang="en-US" sz="1800" dirty="0"/>
+            </a:br>
+            <a:endParaRPr lang="en-US" dirty="0"/>
+          </a:p>
+        </p:txBody>
+      </p:sp>
+    </p:spTree>
+    <p:extLst>
+      <p:ext uri="{BB962C8B-B14F-4D97-AF65-F5344CB8AC3E}">
+        <p14:creationId xmlns:p14="http://schemas.microsoft.com/office/powerpoint/2010/main" val="747681537"/>
+      </p:ext>
+    </p:extLst>
+  </p:cSld>
+  <p:clrMapOvr>
+    <a:masterClrMapping/>
+  </p:clrMapOvr>
+</p:sld>
+</file>
+
+<file path=ppt/slides/slide23.xml><?xml version="1.0" encoding="utf-8"?>
+<p:sld xmlns:a="http://schemas.openxmlformats.org/drawingml/2006/main" xmlns:r="http://schemas.openxmlformats.org/officeDocument/2006/relationships" xmlns:p="http://schemas.openxmlformats.org/presentationml/2006/main" showMasterSp="0">
+  <p:cSld>
+    <p:spTree>
+      <p:nvGrpSpPr>
+        <p:cNvPr id="1" name=""/>
+        <p:cNvGrpSpPr/>
+        <p:nvPr/>
+      </p:nvGrpSpPr>
+      <p:grpSpPr>
+        <a:xfrm>
+          <a:off x="0" y="0"/>
+          <a:ext cx="0" cy="0"/>
+          <a:chOff x="0" y="0"/>
+          <a:chExt cx="0" cy="0"/>
+        </a:xfrm>
+      </p:grpSpPr>
+      <p:sp>
+        <p:nvSpPr>
+          <p:cNvPr id="4" name="Text Placeholder 3">
+            <a:extLst>
+              <a:ext uri="{FF2B5EF4-FFF2-40B4-BE49-F238E27FC236}">
+                <a16:creationId xmlns:a16="http://schemas.microsoft.com/office/drawing/2014/main" id="{17F39168-7046-60A5-1EEA-8D2B5EAAE24F}"/>
+              </a:ext>
+            </a:extLst>
+          </p:cNvPr>
+          <p:cNvSpPr>
+            <a:spLocks noGrp="1"/>
+          </p:cNvSpPr>
+          <p:nvPr>
+            <p:ph type="body" sz="quarter" idx="13"/>
+          </p:nvPr>
+        </p:nvSpPr>
+        <p:spPr/>
+        <p:txBody>
+          <a:bodyPr/>
+          <a:lstStyle/>
+          <a:p>
+            <a:r>
+              <a:rPr lang="en-US" sz="4000" dirty="0"/>
+              <a:t>Questions</a:t>
+            </a:r>
+          </a:p>
+        </p:txBody>
+      </p:sp>
+    </p:spTree>
+    <p:extLst>
+      <p:ext uri="{BB962C8B-B14F-4D97-AF65-F5344CB8AC3E}">
+        <p14:creationId xmlns:p14="http://schemas.microsoft.com/office/powerpoint/2010/main" val="2482707150"/>
+      </p:ext>
+    </p:extLst>
+  </p:cSld>
+  <p:clrMapOvr>
+    <a:masterClrMapping/>
+  </p:clrMapOvr>
+</p:sld>
+</file>
+
+<file path=ppt/slides/slide3.xml><?xml version="1.0" encoding="utf-8"?>
+<p:sld xmlns:a="http://schemas.openxmlformats.org/drawingml/2006/main" xmlns:r="http://schemas.openxmlformats.org/officeDocument/2006/relationships" xmlns:p="http://schemas.openxmlformats.org/presentationml/2006/main">
+  <p:cSld>
+    <p:spTree>
+      <p:nvGrpSpPr>
+        <p:cNvPr id="1" name="">
+          <a:extLst>
+            <a:ext uri="{FF2B5EF4-FFF2-40B4-BE49-F238E27FC236}">
+              <a16:creationId xmlns:a16="http://schemas.microsoft.com/office/drawing/2014/main" id="{0591EA1E-E3F4-D4E0-9E09-F2F862038797}"/>
+            </a:ext>
+          </a:extLst>
+        </p:cNvPr>
+        <p:cNvGrpSpPr/>
+        <p:nvPr/>
+      </p:nvGrpSpPr>
+      <p:grpSpPr>
+        <a:xfrm>
+          <a:off x="0" y="0"/>
+          <a:ext cx="0" cy="0"/>
+          <a:chOff x="0" y="0"/>
+          <a:chExt cx="0" cy="0"/>
+        </a:xfrm>
+      </p:grpSpPr>
+      <p:sp>
+        <p:nvSpPr>
+          <p:cNvPr id="11" name="Title 10">
+            <a:extLst>
+              <a:ext uri="{FF2B5EF4-FFF2-40B4-BE49-F238E27FC236}">
+                <a16:creationId xmlns:a16="http://schemas.microsoft.com/office/drawing/2014/main" id="{52035F88-72CD-A4F9-73CE-74DBA4A24D02}"/>
+              </a:ext>
+            </a:extLst>
+          </p:cNvPr>
+          <p:cNvSpPr>
+            <a:spLocks noGrp="1"/>
+          </p:cNvSpPr>
+          <p:nvPr>
+            <p:ph type="title"/>
+          </p:nvPr>
+        </p:nvSpPr>
+        <p:spPr/>
+        <p:txBody>
+          <a:bodyPr/>
+          <a:lstStyle/>
+          <a:p>
+            <a:r>
+              <a:rPr lang="en-US" sz="1800" dirty="0"/>
+              <a:t>Networking Updates</a:t>
+            </a:r>
+            <a:endParaRPr lang="en-US" dirty="0"/>
+          </a:p>
+        </p:txBody>
+      </p:sp>
+      <p:sp>
+        <p:nvSpPr>
+          <p:cNvPr id="13" name="Text Placeholder 12">
+            <a:extLst>
+              <a:ext uri="{FF2B5EF4-FFF2-40B4-BE49-F238E27FC236}">
+                <a16:creationId xmlns:a16="http://schemas.microsoft.com/office/drawing/2014/main" id="{B5259137-31E6-14F0-A368-C1705A0A3F42}"/>
+              </a:ext>
+            </a:extLst>
+          </p:cNvPr>
+          <p:cNvSpPr>
+            <a:spLocks noGrp="1"/>
+          </p:cNvSpPr>
+          <p:nvPr>
+            <p:ph type="body" sz="quarter" idx="15"/>
+          </p:nvPr>
+        </p:nvSpPr>
+        <p:spPr/>
+        <p:txBody>
+          <a:bodyPr/>
+          <a:lstStyle/>
+          <a:p>
+            <a:endParaRPr lang="en-US" dirty="0"/>
+          </a:p>
+        </p:txBody>
+      </p:sp>
+      <p:sp>
+        <p:nvSpPr>
+          <p:cNvPr id="14" name="Text Placeholder 13">
+            <a:extLst>
+              <a:ext uri="{FF2B5EF4-FFF2-40B4-BE49-F238E27FC236}">
+                <a16:creationId xmlns:a16="http://schemas.microsoft.com/office/drawing/2014/main" id="{37F06958-73C8-9ACF-8BFA-14340ED83732}"/>
+              </a:ext>
+            </a:extLst>
+          </p:cNvPr>
+          <p:cNvSpPr>
+            <a:spLocks noGrp="1"/>
+          </p:cNvSpPr>
+          <p:nvPr>
+            <p:ph type="body" sz="quarter" idx="16"/>
+          </p:nvPr>
+        </p:nvSpPr>
+        <p:spPr/>
+        <p:txBody>
+          <a:bodyPr/>
+          <a:lstStyle/>
+          <a:p>
+            <a:pPr algn="just"/>
+            <a:r>
+              <a:rPr lang="en-US" dirty="0">
+                <a:hlinkClick r:id="rId2"/>
+              </a:rPr>
+              <a:t>Generally Available: StandardV2 NAT Gateway with zone-redundancy and StandardV2 public IPs </a:t>
+            </a:r>
+            <a:endParaRPr lang="en-US" dirty="0"/>
+          </a:p>
+          <a:p>
+            <a:pPr algn="just"/>
+            <a:r>
+              <a:rPr lang="en-US" dirty="0"/>
+              <a:t>StandardV2 SKU NAT Gateway is now generally available, delivering enhanced resiliency, greater performance, and dual-stack connectivity, all at the same price as the Standard SKU.  </a:t>
+            </a:r>
+          </a:p>
+          <a:p>
+            <a:pPr algn="just"/>
+            <a:r>
+              <a:rPr lang="en-US" dirty="0"/>
+              <a:t>StandardV2 Public IP addresses and prefixes are also generally available. </a:t>
+            </a:r>
+          </a:p>
+          <a:p>
+            <a:pPr algn="just"/>
+            <a:r>
+              <a:rPr lang="en-US" dirty="0"/>
+              <a:t>StandardV2 NAT Gateway requires StandardV2 public IPs; Standard SKU public IPs are not supported.  </a:t>
+            </a:r>
+          </a:p>
+          <a:p>
+            <a:pPr algn="just"/>
+            <a:r>
+              <a:rPr lang="en-US" dirty="0"/>
+              <a:t>What’s new with StandardV2 NAT Gateway:  </a:t>
+            </a:r>
+          </a:p>
+          <a:p>
+            <a:pPr marL="171450" indent="-171450" algn="just">
+              <a:buFont typeface="Arial" panose="020B0604020202020204" pitchFamily="34" charset="0"/>
+              <a:buChar char="•"/>
+            </a:pPr>
+            <a:r>
+              <a:rPr lang="en-US" dirty="0"/>
+              <a:t>Zone-redundancy: Automatically maintains outbound connectivity during single zone failures in availability zone-enabled regions.  </a:t>
+            </a:r>
+          </a:p>
+          <a:p>
+            <a:pPr marL="171450" indent="-171450" algn="just">
+              <a:buFont typeface="Arial" panose="020B0604020202020204" pitchFamily="34" charset="0"/>
+              <a:buChar char="•"/>
+            </a:pPr>
+            <a:r>
+              <a:rPr lang="en-US" dirty="0"/>
+              <a:t>Enhanced performance: Up to 100 Gbps of throughput and 10 million packets per second—double the Standard SKU capacity.  </a:t>
+            </a:r>
+          </a:p>
+          <a:p>
+            <a:pPr marL="171450" indent="-171450" algn="just">
+              <a:buFont typeface="Arial" panose="020B0604020202020204" pitchFamily="34" charset="0"/>
+              <a:buChar char="•"/>
+            </a:pPr>
+            <a:r>
+              <a:rPr lang="en-US" dirty="0"/>
+              <a:t>Dual-stack support: Attach up to 16 IPv6 and 16 IPv4 public IP addresses for future ready connectivity.  </a:t>
+            </a:r>
+          </a:p>
+          <a:p>
+            <a:pPr marL="171450" indent="-171450" algn="just">
+              <a:buFont typeface="Arial" panose="020B0604020202020204" pitchFamily="34" charset="0"/>
+              <a:buChar char="•"/>
+            </a:pPr>
+            <a:r>
+              <a:rPr lang="en-US" dirty="0"/>
+              <a:t>Traffic insights with flow logs: Gain detailed IP-level visibility of traffic for troubleshooting and compliance verification.  </a:t>
+            </a:r>
+          </a:p>
+          <a:p>
+            <a:pPr algn="just"/>
+            <a:endParaRPr lang="en-US" dirty="0"/>
+          </a:p>
+        </p:txBody>
+      </p:sp>
+      <p:pic>
+        <p:nvPicPr>
+          <p:cNvPr id="1026" name="Picture 2" descr="Diagram shows a StandardV2 NAT Gateway spanning multiple availability zones in a region.">
+            <a:extLst>
+              <a:ext uri="{FF2B5EF4-FFF2-40B4-BE49-F238E27FC236}">
+                <a16:creationId xmlns:a16="http://schemas.microsoft.com/office/drawing/2014/main" id="{11650E1F-85DF-8DDF-A47E-0A73F5F32E7D}"/>
+              </a:ext>
+            </a:extLst>
+          </p:cNvPr>
+          <p:cNvPicPr>
+            <a:picLocks noChangeAspect="1" noChangeArrowheads="1"/>
+          </p:cNvPicPr>
+          <p:nvPr/>
+        </p:nvPicPr>
+        <p:blipFill>
+          <a:blip r:embed="rId3">
+            <a:extLst>
+              <a:ext uri="{28A0092B-C50C-407E-A947-70E740481C1C}">
+                <a14:useLocalDpi xmlns:a14="http://schemas.microsoft.com/office/drawing/2010/main" val="0"/>
+              </a:ext>
+            </a:extLst>
+          </a:blip>
+          <a:srcRect/>
+          <a:stretch>
+            <a:fillRect/>
+          </a:stretch>
+        </p:blipFill>
+        <p:spPr bwMode="auto">
+          <a:xfrm>
+            <a:off x="4964346" y="1214437"/>
+            <a:ext cx="3571875" cy="2714625"/>
+          </a:xfrm>
+          <a:prstGeom prst="rect">
+            <a:avLst/>
+          </a:prstGeom>
+          <a:noFill/>
+          <a:extLst>
+            <a:ext uri="{909E8E84-426E-40DD-AFC4-6F175D3DCCD1}">
+              <a14:hiddenFill xmlns:a14="http://schemas.microsoft.com/office/drawing/2010/main">
+                <a:solidFill>
+                  <a:srgbClr val="FFFFFF"/>
+                </a:solidFill>
+              </a14:hiddenFill>
+            </a:ext>
+          </a:extLst>
+        </p:spPr>
+      </p:pic>
+    </p:spTree>
+    <p:extLst>
+      <p:ext uri="{BB962C8B-B14F-4D97-AF65-F5344CB8AC3E}">
+        <p14:creationId xmlns:p14="http://schemas.microsoft.com/office/powerpoint/2010/main" val="1164516947"/>
+      </p:ext>
+    </p:extLst>
+  </p:cSld>
+  <p:clrMapOvr>
+    <a:masterClrMapping/>
+  </p:clrMapOvr>
+  <mc:AlternateContent xmlns:mc="http://schemas.openxmlformats.org/markup-compatibility/2006" xmlns:p14="http://schemas.microsoft.com/office/powerpoint/2010/main">
+    <mc:Choice Requires="p14">
+      <p:transition spd="med" p14:dur="700">
+        <p:fade/>
+      </p:transition>
+    </mc:Choice>
+    <mc:Fallback xmlns="">
+      <p:transition spd="med">
+        <p:fade/>
+      </p:transition>
+    </mc:Fallback>
+  </mc:AlternateContent>
+  <p:timing>
+    <p:tnLst>
+      <p:par>
+        <p:cTn id="1" dur="indefinite" restart="never" nodeType="tmRoot">
+          <p:childTnLst>
+            <p:seq concurrent="1" nextAc="seek">
+              <p:cTn id="2" dur="indefinite" nodeType="mainSeq">
+                <p:childTnLst>
+                  <p:par>
+                    <p:cTn id="3" fill="hold">
+                      <p:stCondLst>
+                        <p:cond delay="indefinite"/>
+                      </p:stCondLst>
+                      <p:childTnLst>
+                        <p:par>
+                          <p:cTn id="4" fill="hold">
+                            <p:stCondLst>
+                              <p:cond delay="0"/>
+                            </p:stCondLst>
+                            <p:childTnLst>
+                              <p:par>
+                                <p:cTn id="5" presetID="1" presetClass="entr" presetSubtype="0" fill="hold" grpId="0" nodeType="clickEffect">
+                                  <p:stCondLst>
+                                    <p:cond delay="0"/>
+                                  </p:stCondLst>
+                                  <p:childTnLst>
+                                    <p:set>
+                                      <p:cBhvr>
+                                        <p:cTn id="6" dur="1" fill="hold">
+                                          <p:stCondLst>
+                                            <p:cond delay="0"/>
+                                          </p:stCondLst>
+                                        </p:cTn>
+                                        <p:tgtEl>
+                                          <p:spTgt spid="14">
+                                            <p:txEl>
+                                              <p:pRg st="0" end="0"/>
+                                            </p:txEl>
+                                          </p:spTgt>
+                                        </p:tgtEl>
+                                        <p:attrNameLst>
+                                          <p:attrName>style.visibility</p:attrName>
+                                        </p:attrNameLst>
+                                      </p:cBhvr>
+                                      <p:to>
+                                        <p:strVal val="visible"/>
+                                      </p:to>
+                                    </p:set>
+                                  </p:childTnLst>
+                                </p:cTn>
+                              </p:par>
+                              <p:par>
+                                <p:cTn id="7" presetID="1" presetClass="entr" presetSubtype="0" fill="hold" grpId="0" nodeType="withEffect">
+                                  <p:stCondLst>
+                                    <p:cond delay="0"/>
+                                  </p:stCondLst>
+                                  <p:childTnLst>
+                                    <p:set>
+                                      <p:cBhvr>
+                                        <p:cTn id="8" dur="1" fill="hold">
+                                          <p:stCondLst>
+                                            <p:cond delay="0"/>
+                                          </p:stCondLst>
+                                        </p:cTn>
+                                        <p:tgtEl>
+                                          <p:spTgt spid="14">
+                                            <p:txEl>
+                                              <p:pRg st="1" end="1"/>
+                                            </p:txEl>
+                                          </p:spTgt>
+                                        </p:tgtEl>
+                                        <p:attrNameLst>
+                                          <p:attrName>style.visibility</p:attrName>
+                                        </p:attrNameLst>
+                                      </p:cBhvr>
+                                      <p:to>
+                                        <p:strVal val="visible"/>
+                                      </p:to>
+                                    </p:set>
+                                  </p:childTnLst>
+                                </p:cTn>
+                              </p:par>
+                              <p:par>
+                                <p:cTn id="9" presetID="1" presetClass="entr" presetSubtype="0" fill="hold" grpId="0" nodeType="withEffect">
+                                  <p:stCondLst>
+                                    <p:cond delay="0"/>
+                                  </p:stCondLst>
+                                  <p:childTnLst>
+                                    <p:set>
+                                      <p:cBhvr>
+                                        <p:cTn id="10" dur="1" fill="hold">
+                                          <p:stCondLst>
+                                            <p:cond delay="0"/>
+                                          </p:stCondLst>
+                                        </p:cTn>
+                                        <p:tgtEl>
+                                          <p:spTgt spid="14">
+                                            <p:txEl>
+                                              <p:pRg st="2" end="2"/>
+                                            </p:txEl>
+                                          </p:spTgt>
+                                        </p:tgtEl>
+                                        <p:attrNameLst>
+                                          <p:attrName>style.visibility</p:attrName>
+                                        </p:attrNameLst>
+                                      </p:cBhvr>
+                                      <p:to>
+                                        <p:strVal val="visible"/>
+                                      </p:to>
+                                    </p:set>
+                                  </p:childTnLst>
+                                </p:cTn>
+                              </p:par>
+                              <p:par>
+                                <p:cTn id="11" presetID="1" presetClass="entr" presetSubtype="0" fill="hold" grpId="0" nodeType="withEffect">
+                                  <p:stCondLst>
+                                    <p:cond delay="0"/>
+                                  </p:stCondLst>
+                                  <p:childTnLst>
+                                    <p:set>
+                                      <p:cBhvr>
+                                        <p:cTn id="12" dur="1" fill="hold">
+                                          <p:stCondLst>
+                                            <p:cond delay="0"/>
+                                          </p:stCondLst>
+                                        </p:cTn>
+                                        <p:tgtEl>
+                                          <p:spTgt spid="14">
+                                            <p:txEl>
+                                              <p:pRg st="3" end="3"/>
+                                            </p:txEl>
+                                          </p:spTgt>
+                                        </p:tgtEl>
+                                        <p:attrNameLst>
+                                          <p:attrName>style.visibility</p:attrName>
+                                        </p:attrNameLst>
+                                      </p:cBhvr>
+                                      <p:to>
+                                        <p:strVal val="visible"/>
+                                      </p:to>
+                                    </p:set>
+                                  </p:childTnLst>
+                                </p:cTn>
+                              </p:par>
+                              <p:par>
+                                <p:cTn id="13" presetID="1" presetClass="entr" presetSubtype="0" fill="hold" grpId="0" nodeType="withEffect">
+                                  <p:stCondLst>
+                                    <p:cond delay="0"/>
+                                  </p:stCondLst>
+                                  <p:childTnLst>
+                                    <p:set>
+                                      <p:cBhvr>
+                                        <p:cTn id="14" dur="1" fill="hold">
+                                          <p:stCondLst>
+                                            <p:cond delay="0"/>
+                                          </p:stCondLst>
+                                        </p:cTn>
+                                        <p:tgtEl>
+                                          <p:spTgt spid="14">
+                                            <p:txEl>
+                                              <p:pRg st="4" end="4"/>
+                                            </p:txEl>
+                                          </p:spTgt>
+                                        </p:tgtEl>
+                                        <p:attrNameLst>
+                                          <p:attrName>style.visibility</p:attrName>
+                                        </p:attrNameLst>
+                                      </p:cBhvr>
+                                      <p:to>
+                                        <p:strVal val="visible"/>
+                                      </p:to>
+                                    </p:set>
+                                  </p:childTnLst>
+                                </p:cTn>
+                              </p:par>
+                              <p:par>
+                                <p:cTn id="15" presetID="1" presetClass="entr" presetSubtype="0" fill="hold" grpId="0" nodeType="withEffect">
+                                  <p:stCondLst>
+                                    <p:cond delay="0"/>
+                                  </p:stCondLst>
+                                  <p:childTnLst>
+                                    <p:set>
+                                      <p:cBhvr>
+                                        <p:cTn id="16" dur="1" fill="hold">
+                                          <p:stCondLst>
+                                            <p:cond delay="0"/>
+                                          </p:stCondLst>
+                                        </p:cTn>
+                                        <p:tgtEl>
+                                          <p:spTgt spid="14">
+                                            <p:txEl>
+                                              <p:pRg st="5" end="5"/>
+                                            </p:txEl>
+                                          </p:spTgt>
+                                        </p:tgtEl>
+                                        <p:attrNameLst>
+                                          <p:attrName>style.visibility</p:attrName>
+                                        </p:attrNameLst>
+                                      </p:cBhvr>
+                                      <p:to>
+                                        <p:strVal val="visible"/>
+                                      </p:to>
+                                    </p:set>
+                                  </p:childTnLst>
+                                </p:cTn>
+                              </p:par>
+                              <p:par>
+                                <p:cTn id="17" presetID="1" presetClass="entr" presetSubtype="0" fill="hold" grpId="0" nodeType="withEffect">
+                                  <p:stCondLst>
+                                    <p:cond delay="0"/>
+                                  </p:stCondLst>
+                                  <p:childTnLst>
+                                    <p:set>
+                                      <p:cBhvr>
+                                        <p:cTn id="18" dur="1" fill="hold">
+                                          <p:stCondLst>
+                                            <p:cond delay="0"/>
+                                          </p:stCondLst>
+                                        </p:cTn>
+                                        <p:tgtEl>
+                                          <p:spTgt spid="14">
+                                            <p:txEl>
+                                              <p:pRg st="6" end="6"/>
+                                            </p:txEl>
+                                          </p:spTgt>
+                                        </p:tgtEl>
+                                        <p:attrNameLst>
+                                          <p:attrName>style.visibility</p:attrName>
+                                        </p:attrNameLst>
+                                      </p:cBhvr>
+                                      <p:to>
+                                        <p:strVal val="visible"/>
+                                      </p:to>
+                                    </p:set>
+                                  </p:childTnLst>
+                                </p:cTn>
+                              </p:par>
+                              <p:par>
+                                <p:cTn id="19" presetID="1" presetClass="entr" presetSubtype="0" fill="hold" grpId="0" nodeType="withEffect">
+                                  <p:stCondLst>
+                                    <p:cond delay="0"/>
+                                  </p:stCondLst>
+                                  <p:childTnLst>
+                                    <p:set>
+                                      <p:cBhvr>
+                                        <p:cTn id="20" dur="1" fill="hold">
+                                          <p:stCondLst>
+                                            <p:cond delay="0"/>
+                                          </p:stCondLst>
+                                        </p:cTn>
+                                        <p:tgtEl>
+                                          <p:spTgt spid="14">
+                                            <p:txEl>
+                                              <p:pRg st="7" end="7"/>
+                                            </p:txEl>
+                                          </p:spTgt>
+                                        </p:tgtEl>
+                                        <p:attrNameLst>
+                                          <p:attrName>style.visibility</p:attrName>
+                                        </p:attrNameLst>
+                                      </p:cBhvr>
+                                      <p:to>
+                                        <p:strVal val="visible"/>
+                                      </p:to>
+                                    </p:set>
+                                  </p:childTnLst>
+                                </p:cTn>
+                              </p:par>
+                              <p:par>
+                                <p:cTn id="21" presetID="1" presetClass="entr" presetSubtype="0" fill="hold" grpId="0" nodeType="withEffect">
+                                  <p:stCondLst>
+                                    <p:cond delay="0"/>
+                                  </p:stCondLst>
+                                  <p:childTnLst>
+                                    <p:set>
+                                      <p:cBhvr>
+                                        <p:cTn id="22" dur="1" fill="hold">
+                                          <p:stCondLst>
+                                            <p:cond delay="0"/>
+                                          </p:stCondLst>
+                                        </p:cTn>
+                                        <p:tgtEl>
+                                          <p:spTgt spid="14">
+                                            <p:txEl>
+                                              <p:pRg st="8" end="8"/>
+                                            </p:txEl>
+                                          </p:spTgt>
+                                        </p:tgtEl>
+                                        <p:attrNameLst>
+                                          <p:attrName>style.visibility</p:attrName>
+                                        </p:attrNameLst>
+                                      </p:cBhvr>
+                                      <p:to>
+                                        <p:strVal val="visible"/>
+                                      </p:to>
+                                    </p:set>
+                                  </p:childTnLst>
+                                </p:cTn>
+                              </p:par>
+                              <p:par>
+                                <p:cTn id="23" presetID="1" presetClass="entr" presetSubtype="0" fill="hold" nodeType="withEffect">
+                                  <p:stCondLst>
+                                    <p:cond delay="0"/>
+                                  </p:stCondLst>
+                                  <p:childTnLst>
+                                    <p:set>
+                                      <p:cBhvr>
+                                        <p:cTn id="24" dur="1" fill="hold">
+                                          <p:stCondLst>
+                                            <p:cond delay="0"/>
+                                          </p:stCondLst>
+                                        </p:cTn>
+                                        <p:tgtEl>
+                                          <p:spTgt spid="1026"/>
+                                        </p:tgtEl>
+                                        <p:attrNameLst>
+                                          <p:attrName>style.visibility</p:attrName>
+                                        </p:attrNameLst>
+                                      </p:cBhvr>
+                                      <p:to>
+                                        <p:strVal val="visible"/>
+                                      </p:to>
+                                    </p:set>
+                                  </p:childTnLst>
+                                </p:cTn>
+                              </p:par>
+                            </p:childTnLst>
+                          </p:cTn>
+                        </p:par>
+                      </p:childTnLst>
+                    </p:cTn>
+                  </p:par>
+                </p:childTnLst>
+              </p:cTn>
+              <p:prevCondLst>
+                <p:cond evt="onPrev" delay="0">
+                  <p:tgtEl>
+                    <p:sldTgt/>
+                  </p:tgtEl>
+                </p:cond>
+              </p:prevCondLst>
+              <p:nextCondLst>
+                <p:cond evt="onNext" delay="0">
+                  <p:tgtEl>
+                    <p:sldTgt/>
+                  </p:tgtEl>
+                </p:cond>
+              </p:nextCondLst>
+            </p:seq>
+          </p:childTnLst>
+        </p:cTn>
+      </p:par>
+    </p:tnLst>
+    <p:bldLst>
+      <p:bldP spid="14" grpId="0" build="p"/>
+    </p:bldLst>
+  </p:timing>
+</p:sld>
+</file>
+
+<file path=ppt/slides/slide4.xml><?xml version="1.0" encoding="utf-8"?>
+<p:sld xmlns:a="http://schemas.openxmlformats.org/drawingml/2006/main" xmlns:r="http://schemas.openxmlformats.org/officeDocument/2006/relationships" xmlns:p="http://schemas.openxmlformats.org/presentationml/2006/main" showMasterSp="0">
+  <p:cSld>
+    <p:spTree>
+      <p:nvGrpSpPr>
+        <p:cNvPr id="1" name=""/>
+        <p:cNvGrpSpPr/>
+        <p:nvPr/>
+      </p:nvGrpSpPr>
+      <p:grpSpPr>
+        <a:xfrm>
+          <a:off x="0" y="0"/>
+          <a:ext cx="0" cy="0"/>
+          <a:chOff x="0" y="0"/>
+          <a:chExt cx="0" cy="0"/>
+        </a:xfrm>
+      </p:grpSpPr>
+      <p:sp>
+        <p:nvSpPr>
+          <p:cNvPr id="4" name="Text Placeholder 3">
+            <a:extLst>
+              <a:ext uri="{FF2B5EF4-FFF2-40B4-BE49-F238E27FC236}">
+                <a16:creationId xmlns:a16="http://schemas.microsoft.com/office/drawing/2014/main" id="{17F39168-7046-60A5-1EEA-8D2B5EAAE24F}"/>
+              </a:ext>
+            </a:extLst>
+          </p:cNvPr>
+          <p:cNvSpPr>
+            <a:spLocks noGrp="1"/>
+          </p:cNvSpPr>
+          <p:nvPr>
+            <p:ph type="body" sz="quarter" idx="13"/>
+          </p:nvPr>
+        </p:nvSpPr>
+        <p:spPr>
+          <a:xfrm>
+            <a:off x="252845" y="1285875"/>
+            <a:ext cx="6271326" cy="1714500"/>
+          </a:xfrm>
+        </p:spPr>
+        <p:txBody>
+          <a:bodyPr/>
+          <a:lstStyle/>
+          <a:p>
+            <a:r>
+              <a:rPr lang="en-US" sz="4000" dirty="0"/>
+              <a:t>Security &amp; Identity</a:t>
+            </a:r>
+          </a:p>
+        </p:txBody>
+      </p:sp>
+    </p:spTree>
+    <p:extLst>
+      <p:ext uri="{BB962C8B-B14F-4D97-AF65-F5344CB8AC3E}">
+        <p14:creationId xmlns:p14="http://schemas.microsoft.com/office/powerpoint/2010/main" val="3117920021"/>
+      </p:ext>
+    </p:extLst>
+  </p:cSld>
+  <p:clrMapOvr>
+    <a:masterClrMapping/>
+  </p:clrMapOvr>
+</p:sld>
+</file>
+
+<file path=ppt/slides/slide5.xml><?xml version="1.0" encoding="utf-8"?>
+<p:sld xmlns:a="http://schemas.openxmlformats.org/drawingml/2006/main" xmlns:r="http://schemas.openxmlformats.org/officeDocument/2006/relationships" xmlns:p="http://schemas.openxmlformats.org/presentationml/2006/main" showMasterSp="0">
+  <p:cSld>
+    <p:spTree>
+      <p:nvGrpSpPr>
+        <p:cNvPr id="1" name=""/>
+        <p:cNvGrpSpPr/>
+        <p:nvPr/>
+      </p:nvGrpSpPr>
+      <p:grpSpPr>
+        <a:xfrm>
+          <a:off x="0" y="0"/>
+          <a:ext cx="0" cy="0"/>
+          <a:chOff x="0" y="0"/>
+          <a:chExt cx="0" cy="0"/>
+        </a:xfrm>
+      </p:grpSpPr>
+      <p:sp>
+        <p:nvSpPr>
+          <p:cNvPr id="12" name="Text Placeholder 11">
+            <a:extLst>
+              <a:ext uri="{FF2B5EF4-FFF2-40B4-BE49-F238E27FC236}">
+                <a16:creationId xmlns:a16="http://schemas.microsoft.com/office/drawing/2014/main" id="{F5D0A865-EAC9-D4DF-765C-2BBCA9EC1F5C}"/>
+              </a:ext>
+            </a:extLst>
+          </p:cNvPr>
+          <p:cNvSpPr>
+            <a:spLocks noGrp="1"/>
+          </p:cNvSpPr>
+          <p:nvPr>
+            <p:ph type="body" sz="quarter" idx="10"/>
+          </p:nvPr>
+        </p:nvSpPr>
+        <p:spPr/>
+        <p:txBody>
+          <a:bodyPr/>
+          <a:lstStyle/>
+          <a:p>
+            <a:endParaRPr lang="en-US" sz="1000" dirty="0"/>
+          </a:p>
+        </p:txBody>
+      </p:sp>
+      <p:sp>
+        <p:nvSpPr>
+          <p:cNvPr id="11" name="Title 10">
+            <a:extLst>
+              <a:ext uri="{FF2B5EF4-FFF2-40B4-BE49-F238E27FC236}">
+                <a16:creationId xmlns:a16="http://schemas.microsoft.com/office/drawing/2014/main" id="{0A19052D-1C06-3BF6-CD73-31098A5519FB}"/>
+              </a:ext>
+            </a:extLst>
+          </p:cNvPr>
+          <p:cNvSpPr>
+            <a:spLocks noGrp="1"/>
+          </p:cNvSpPr>
+          <p:nvPr>
+            <p:ph type="title"/>
+          </p:nvPr>
+        </p:nvSpPr>
+        <p:spPr/>
+        <p:txBody>
+          <a:bodyPr/>
+          <a:lstStyle/>
+          <a:p>
+            <a:r>
+              <a:rPr lang="en-US" sz="1800" dirty="0"/>
+              <a:t>Security &amp; Identity Updates</a:t>
+            </a:r>
+            <a:endParaRPr lang="en-US" dirty="0"/>
+          </a:p>
+        </p:txBody>
+      </p:sp>
+      <p:sp>
+        <p:nvSpPr>
+          <p:cNvPr id="13" name="Text Placeholder 12">
+            <a:extLst>
+              <a:ext uri="{FF2B5EF4-FFF2-40B4-BE49-F238E27FC236}">
+                <a16:creationId xmlns:a16="http://schemas.microsoft.com/office/drawing/2014/main" id="{AB83368C-23D2-63DD-1F2B-65AB8A48B236}"/>
+              </a:ext>
+            </a:extLst>
+          </p:cNvPr>
+          <p:cNvSpPr>
+            <a:spLocks noGrp="1"/>
+          </p:cNvSpPr>
+          <p:nvPr>
+            <p:ph type="body" sz="quarter" idx="15"/>
+          </p:nvPr>
+        </p:nvSpPr>
+        <p:spPr/>
+        <p:txBody>
+          <a:bodyPr/>
+          <a:lstStyle/>
+          <a:p>
+            <a:endParaRPr lang="en-US"/>
+          </a:p>
+        </p:txBody>
+      </p:sp>
+      <p:sp>
+        <p:nvSpPr>
+          <p:cNvPr id="14" name="Text Placeholder 13">
+            <a:extLst>
+              <a:ext uri="{FF2B5EF4-FFF2-40B4-BE49-F238E27FC236}">
+                <a16:creationId xmlns:a16="http://schemas.microsoft.com/office/drawing/2014/main" id="{1DF1A36F-4250-259D-24AE-F82FE69A7F7E}"/>
+              </a:ext>
+            </a:extLst>
+          </p:cNvPr>
+          <p:cNvSpPr>
+            <a:spLocks noGrp="1"/>
+          </p:cNvSpPr>
+          <p:nvPr>
+            <p:ph type="body" sz="quarter" idx="16"/>
+          </p:nvPr>
+        </p:nvSpPr>
+        <p:spPr/>
+        <p:txBody>
+          <a:bodyPr/>
+          <a:lstStyle/>
+          <a:p>
+            <a:pPr algn="just"/>
+            <a:r>
+              <a:rPr lang="en-US" dirty="0">
+                <a:hlinkClick r:id="rId2"/>
+              </a:rPr>
+              <a:t>Public Preview: IP Network Firewalls for Azure Managed HSM</a:t>
+            </a:r>
+            <a:endParaRPr lang="en-US" dirty="0"/>
+          </a:p>
+          <a:p>
+            <a:pPr algn="just"/>
+            <a:r>
+              <a:rPr lang="en-US" dirty="0"/>
+              <a:t>MS announced the public preview of IP Network Firewalls for Azure Key Vault Managed HSM, now available in East US, West US, West US 2, West Central US, UK South, and West Europe.</a:t>
+            </a:r>
+          </a:p>
+          <a:p>
+            <a:pPr algn="just"/>
+            <a:r>
+              <a:rPr lang="en-US" dirty="0"/>
+              <a:t>This feature lets you restrict data plane access to Managed HSM by allowing specific IPv4 CIDR ranges (up to 10) in the Managed HSM firewall—ideal for services with static or well-known IP addresses.</a:t>
+            </a:r>
+          </a:p>
+          <a:p>
+            <a:pPr algn="just"/>
+            <a:r>
+              <a:rPr lang="en-US" dirty="0"/>
+              <a:t>Key notes:</a:t>
+            </a:r>
+          </a:p>
+          <a:p>
+            <a:pPr marL="171450" indent="-171450" algn="just">
+              <a:buFont typeface="Arial" panose="020B0604020202020204" pitchFamily="34" charset="0"/>
+              <a:buChar char="•"/>
+            </a:pPr>
+            <a:r>
+              <a:rPr lang="en-US" dirty="0"/>
+              <a:t>Firewall rules apply only to data plane operations (control plane is unaffected).</a:t>
+            </a:r>
+          </a:p>
+          <a:p>
+            <a:pPr marL="171450" indent="-171450" algn="just">
+              <a:buFont typeface="Arial" panose="020B0604020202020204" pitchFamily="34" charset="0"/>
+              <a:buChar char="•"/>
+            </a:pPr>
+            <a:r>
+              <a:rPr lang="en-US" dirty="0"/>
+              <a:t>Only IPv4 is supported in this preview.</a:t>
+            </a:r>
+          </a:p>
+          <a:p>
+            <a:pPr marL="171450" indent="-171450" algn="just">
+              <a:buFont typeface="Arial" panose="020B0604020202020204" pitchFamily="34" charset="0"/>
+              <a:buChar char="•"/>
+            </a:pPr>
+            <a:r>
+              <a:rPr lang="en-US" dirty="0"/>
+              <a:t>To access data via tools like the Azure portal, you must connect from within the configured trusted network boundary.</a:t>
+            </a:r>
+          </a:p>
+          <a:p>
+            <a:pPr algn="just"/>
+            <a:r>
+              <a:rPr lang="en-US" dirty="0"/>
+              <a:t>This enhancement strengthens network security for Managed HSM while maintaining operational flexibility.</a:t>
+            </a:r>
+          </a:p>
+          <a:p>
+            <a:pPr algn="just"/>
+            <a:r>
+              <a:rPr lang="en-US" dirty="0"/>
+              <a:t>There is a limit of 10 IP address or address ranges you can add per resource.</a:t>
+            </a:r>
+          </a:p>
+        </p:txBody>
+      </p:sp>
+    </p:spTree>
+    <p:extLst>
+      <p:ext uri="{BB962C8B-B14F-4D97-AF65-F5344CB8AC3E}">
+        <p14:creationId xmlns:p14="http://schemas.microsoft.com/office/powerpoint/2010/main" val="493310561"/>
+      </p:ext>
+    </p:extLst>
+  </p:cSld>
+  <p:clrMapOvr>
+    <a:masterClrMapping/>
+  </p:clrMapOvr>
+  <mc:AlternateContent xmlns:mc="http://schemas.openxmlformats.org/markup-compatibility/2006" xmlns:p14="http://schemas.microsoft.com/office/powerpoint/2010/main">
+    <mc:Choice Requires="p14">
+      <p:transition spd="med" p14:dur="700">
+        <p:fade/>
+      </p:transition>
+    </mc:Choice>
+    <mc:Fallback xmlns="">
+      <p:transition spd="med">
+        <p:fade/>
+      </p:transition>
+    </mc:Fallback>
+  </mc:AlternateContent>
+  <p:timing>
+    <p:tnLst>
+      <p:par>
+        <p:cTn id="1" dur="indefinite" restart="never" nodeType="tmRoot">
+          <p:childTnLst>
+            <p:seq concurrent="1" nextAc="seek">
+              <p:cTn id="2" dur="indefinite" nodeType="mainSeq">
+                <p:childTnLst>
+                  <p:par>
+                    <p:cTn id="3" fill="hold">
+                      <p:stCondLst>
+                        <p:cond delay="indefinite"/>
+                      </p:stCondLst>
+                      <p:childTnLst>
+                        <p:par>
+                          <p:cTn id="4" fill="hold">
+                            <p:stCondLst>
+                              <p:cond delay="0"/>
+                            </p:stCondLst>
+                            <p:childTnLst>
+                              <p:par>
+                                <p:cTn id="5" presetID="1" presetClass="entr" presetSubtype="0" fill="hold" nodeType="clickEffect">
+                                  <p:stCondLst>
+                                    <p:cond delay="0"/>
+                                  </p:stCondLst>
+                                  <p:childTnLst>
+                                    <p:set>
+                                      <p:cBhvr>
+                                        <p:cTn id="6" dur="1" fill="hold">
+                                          <p:stCondLst>
+                                            <p:cond delay="0"/>
+                                          </p:stCondLst>
+                                        </p:cTn>
+                                        <p:tgtEl>
+                                          <p:spTgt spid="14">
+                                            <p:txEl>
+                                              <p:pRg st="0" end="0"/>
+                                            </p:txEl>
+                                          </p:spTgt>
+                                        </p:tgtEl>
+                                        <p:attrNameLst>
+                                          <p:attrName>style.visibility</p:attrName>
+                                        </p:attrNameLst>
+                                      </p:cBhvr>
+                                      <p:to>
+                                        <p:strVal val="visible"/>
+                                      </p:to>
+                                    </p:set>
+                                  </p:childTnLst>
+                                </p:cTn>
+                              </p:par>
+                              <p:par>
+                                <p:cTn id="7" presetID="1" presetClass="entr" presetSubtype="0" fill="hold" nodeType="withEffect">
+                                  <p:stCondLst>
+                                    <p:cond delay="0"/>
+                                  </p:stCondLst>
+                                  <p:childTnLst>
+                                    <p:set>
+                                      <p:cBhvr>
+                                        <p:cTn id="8" dur="1" fill="hold">
+                                          <p:stCondLst>
+                                            <p:cond delay="0"/>
+                                          </p:stCondLst>
+                                        </p:cTn>
+                                        <p:tgtEl>
+                                          <p:spTgt spid="14">
+                                            <p:txEl>
+                                              <p:pRg st="1" end="1"/>
+                                            </p:txEl>
+                                          </p:spTgt>
+                                        </p:tgtEl>
+                                        <p:attrNameLst>
+                                          <p:attrName>style.visibility</p:attrName>
+                                        </p:attrNameLst>
+                                      </p:cBhvr>
+                                      <p:to>
+                                        <p:strVal val="visible"/>
+                                      </p:to>
+                                    </p:set>
+                                  </p:childTnLst>
+                                </p:cTn>
+                              </p:par>
+                              <p:par>
+                                <p:cTn id="9" presetID="1" presetClass="entr" presetSubtype="0" fill="hold" nodeType="withEffect">
+                                  <p:stCondLst>
+                                    <p:cond delay="0"/>
+                                  </p:stCondLst>
+                                  <p:childTnLst>
+                                    <p:set>
+                                      <p:cBhvr>
+                                        <p:cTn id="10" dur="1" fill="hold">
+                                          <p:stCondLst>
+                                            <p:cond delay="0"/>
+                                          </p:stCondLst>
+                                        </p:cTn>
+                                        <p:tgtEl>
+                                          <p:spTgt spid="14">
+                                            <p:txEl>
+                                              <p:pRg st="2" end="2"/>
+                                            </p:txEl>
+                                          </p:spTgt>
+                                        </p:tgtEl>
+                                        <p:attrNameLst>
+                                          <p:attrName>style.visibility</p:attrName>
+                                        </p:attrNameLst>
+                                      </p:cBhvr>
+                                      <p:to>
+                                        <p:strVal val="visible"/>
+                                      </p:to>
+                                    </p:set>
+                                  </p:childTnLst>
+                                </p:cTn>
+                              </p:par>
+                              <p:par>
+                                <p:cTn id="11" presetID="1" presetClass="entr" presetSubtype="0" fill="hold" nodeType="withEffect">
+                                  <p:stCondLst>
+                                    <p:cond delay="0"/>
+                                  </p:stCondLst>
+                                  <p:childTnLst>
+                                    <p:set>
+                                      <p:cBhvr>
+                                        <p:cTn id="12" dur="1" fill="hold">
+                                          <p:stCondLst>
+                                            <p:cond delay="0"/>
+                                          </p:stCondLst>
+                                        </p:cTn>
+                                        <p:tgtEl>
+                                          <p:spTgt spid="14">
+                                            <p:txEl>
+                                              <p:pRg st="3" end="3"/>
+                                            </p:txEl>
+                                          </p:spTgt>
+                                        </p:tgtEl>
+                                        <p:attrNameLst>
+                                          <p:attrName>style.visibility</p:attrName>
+                                        </p:attrNameLst>
+                                      </p:cBhvr>
+                                      <p:to>
+                                        <p:strVal val="visible"/>
+                                      </p:to>
+                                    </p:set>
+                                  </p:childTnLst>
+                                </p:cTn>
+                              </p:par>
+                              <p:par>
+                                <p:cTn id="13" presetID="1" presetClass="entr" presetSubtype="0" fill="hold" nodeType="withEffect">
+                                  <p:stCondLst>
+                                    <p:cond delay="0"/>
+                                  </p:stCondLst>
+                                  <p:childTnLst>
+                                    <p:set>
+                                      <p:cBhvr>
+                                        <p:cTn id="14" dur="1" fill="hold">
+                                          <p:stCondLst>
+                                            <p:cond delay="0"/>
+                                          </p:stCondLst>
+                                        </p:cTn>
+                                        <p:tgtEl>
+                                          <p:spTgt spid="14">
+                                            <p:txEl>
+                                              <p:pRg st="4" end="4"/>
+                                            </p:txEl>
+                                          </p:spTgt>
+                                        </p:tgtEl>
+                                        <p:attrNameLst>
+                                          <p:attrName>style.visibility</p:attrName>
+                                        </p:attrNameLst>
+                                      </p:cBhvr>
+                                      <p:to>
+                                        <p:strVal val="visible"/>
+                                      </p:to>
+                                    </p:set>
+                                  </p:childTnLst>
+                                </p:cTn>
+                              </p:par>
+                              <p:par>
+                                <p:cTn id="15" presetID="1" presetClass="entr" presetSubtype="0" fill="hold" nodeType="withEffect">
+                                  <p:stCondLst>
+                                    <p:cond delay="0"/>
+                                  </p:stCondLst>
+                                  <p:childTnLst>
+                                    <p:set>
+                                      <p:cBhvr>
+                                        <p:cTn id="16" dur="1" fill="hold">
+                                          <p:stCondLst>
+                                            <p:cond delay="0"/>
+                                          </p:stCondLst>
+                                        </p:cTn>
+                                        <p:tgtEl>
+                                          <p:spTgt spid="14">
+                                            <p:txEl>
+                                              <p:pRg st="5" end="5"/>
+                                            </p:txEl>
+                                          </p:spTgt>
+                                        </p:tgtEl>
+                                        <p:attrNameLst>
+                                          <p:attrName>style.visibility</p:attrName>
+                                        </p:attrNameLst>
+                                      </p:cBhvr>
+                                      <p:to>
+                                        <p:strVal val="visible"/>
+                                      </p:to>
+                                    </p:set>
+                                  </p:childTnLst>
+                                </p:cTn>
+                              </p:par>
+                              <p:par>
+                                <p:cTn id="17" presetID="1" presetClass="entr" presetSubtype="0" fill="hold" nodeType="withEffect">
+                                  <p:stCondLst>
+                                    <p:cond delay="0"/>
+                                  </p:stCondLst>
+                                  <p:childTnLst>
+                                    <p:set>
+                                      <p:cBhvr>
+                                        <p:cTn id="18" dur="1" fill="hold">
+                                          <p:stCondLst>
+                                            <p:cond delay="0"/>
+                                          </p:stCondLst>
+                                        </p:cTn>
+                                        <p:tgtEl>
+                                          <p:spTgt spid="14">
+                                            <p:txEl>
+                                              <p:pRg st="6" end="6"/>
+                                            </p:txEl>
+                                          </p:spTgt>
+                                        </p:tgtEl>
+                                        <p:attrNameLst>
+                                          <p:attrName>style.visibility</p:attrName>
+                                        </p:attrNameLst>
+                                      </p:cBhvr>
+                                      <p:to>
+                                        <p:strVal val="visible"/>
+                                      </p:to>
+                                    </p:set>
+                                  </p:childTnLst>
+                                </p:cTn>
+                              </p:par>
+                              <p:par>
+                                <p:cTn id="19" presetID="1" presetClass="entr" presetSubtype="0" fill="hold" nodeType="withEffect">
+                                  <p:stCondLst>
+                                    <p:cond delay="0"/>
+                                  </p:stCondLst>
+                                  <p:childTnLst>
+                                    <p:set>
+                                      <p:cBhvr>
+                                        <p:cTn id="20" dur="1" fill="hold">
+                                          <p:stCondLst>
+                                            <p:cond delay="0"/>
+                                          </p:stCondLst>
+                                        </p:cTn>
+                                        <p:tgtEl>
+                                          <p:spTgt spid="14">
+                                            <p:txEl>
+                                              <p:pRg st="7" end="7"/>
+                                            </p:txEl>
+                                          </p:spTgt>
+                                        </p:tgtEl>
+                                        <p:attrNameLst>
+                                          <p:attrName>style.visibility</p:attrName>
+                                        </p:attrNameLst>
+                                      </p:cBhvr>
+                                      <p:to>
+                                        <p:strVal val="visible"/>
+                                      </p:to>
+                                    </p:set>
+                                  </p:childTnLst>
+                                </p:cTn>
+                              </p:par>
+                              <p:par>
+                                <p:cTn id="21" presetID="1" presetClass="entr" presetSubtype="0" fill="hold" nodeType="withEffect">
+                                  <p:stCondLst>
+                                    <p:cond delay="0"/>
+                                  </p:stCondLst>
+                                  <p:childTnLst>
+                                    <p:set>
+                                      <p:cBhvr>
+                                        <p:cTn id="22" dur="1" fill="hold">
+                                          <p:stCondLst>
+                                            <p:cond delay="0"/>
+                                          </p:stCondLst>
+                                        </p:cTn>
+                                        <p:tgtEl>
+                                          <p:spTgt spid="14">
+                                            <p:txEl>
+                                              <p:pRg st="8" end="8"/>
+                                            </p:txEl>
+                                          </p:spTgt>
+                                        </p:tgtEl>
+                                        <p:attrNameLst>
+                                          <p:attrName>style.visibility</p:attrName>
+                                        </p:attrNameLst>
+                                      </p:cBhvr>
+                                      <p:to>
+                                        <p:strVal val="visible"/>
+                                      </p:to>
+                                    </p:set>
+                                  </p:childTnLst>
+                                </p:cTn>
+                              </p:par>
+                            </p:childTnLst>
+                          </p:cTn>
+                        </p:par>
+                      </p:childTnLst>
+                    </p:cTn>
+                  </p:par>
+                </p:childTnLst>
+              </p:cTn>
+              <p:prevCondLst>
+                <p:cond evt="onPrev" delay="0">
+                  <p:tgtEl>
+                    <p:sldTgt/>
+                  </p:tgtEl>
+                </p:cond>
+              </p:prevCondLst>
+              <p:nextCondLst>
+                <p:cond evt="onNext" delay="0">
+                  <p:tgtEl>
+                    <p:sldTgt/>
+                  </p:tgtEl>
+                </p:cond>
+              </p:nextCondLst>
+            </p:seq>
+          </p:childTnLst>
+        </p:cTn>
+      </p:par>
+    </p:tnLst>
+  </p:timing>
+</p:sld>
+</file>
+
+<file path=ppt/slides/slide6.xml><?xml version="1.0" encoding="utf-8"?>
+<p:sld xmlns:a="http://schemas.openxmlformats.org/drawingml/2006/main" xmlns:r="http://schemas.openxmlformats.org/officeDocument/2006/relationships" xmlns:p="http://schemas.openxmlformats.org/presentationml/2006/main">
+  <p:cSld>
+    <p:spTree>
+      <p:nvGrpSpPr>
+        <p:cNvPr id="1" name="">
+          <a:extLst>
+            <a:ext uri="{FF2B5EF4-FFF2-40B4-BE49-F238E27FC236}">
+              <a16:creationId xmlns:a16="http://schemas.microsoft.com/office/drawing/2014/main" id="{4254E758-0E9C-1A59-D8C1-58D462C9879C}"/>
+            </a:ext>
+          </a:extLst>
+        </p:cNvPr>
+        <p:cNvGrpSpPr/>
+        <p:nvPr/>
+      </p:nvGrpSpPr>
+      <p:grpSpPr>
+        <a:xfrm>
+          <a:off x="0" y="0"/>
+          <a:ext cx="0" cy="0"/>
+          <a:chOff x="0" y="0"/>
+          <a:chExt cx="0" cy="0"/>
+        </a:xfrm>
+      </p:grpSpPr>
+      <p:sp>
+        <p:nvSpPr>
+          <p:cNvPr id="12" name="Text Placeholder 11">
+            <a:extLst>
+              <a:ext uri="{FF2B5EF4-FFF2-40B4-BE49-F238E27FC236}">
+                <a16:creationId xmlns:a16="http://schemas.microsoft.com/office/drawing/2014/main" id="{F4EFDCEC-74D7-CC9F-3A0E-1009C7BB635B}"/>
+              </a:ext>
+            </a:extLst>
+          </p:cNvPr>
+          <p:cNvSpPr>
+            <a:spLocks noGrp="1"/>
+          </p:cNvSpPr>
+          <p:nvPr>
+            <p:ph type="body" sz="quarter" idx="10"/>
+          </p:nvPr>
+        </p:nvSpPr>
+        <p:spPr/>
+        <p:txBody>
+          <a:bodyPr/>
+          <a:lstStyle/>
+          <a:p>
+            <a:endParaRPr lang="en-US" sz="1000" dirty="0"/>
+          </a:p>
+        </p:txBody>
+      </p:sp>
+      <p:sp>
+        <p:nvSpPr>
+          <p:cNvPr id="11" name="Title 10">
+            <a:extLst>
+              <a:ext uri="{FF2B5EF4-FFF2-40B4-BE49-F238E27FC236}">
+                <a16:creationId xmlns:a16="http://schemas.microsoft.com/office/drawing/2014/main" id="{108EB9BC-7C8E-C179-D7B3-FA8C3832EAD4}"/>
+              </a:ext>
+            </a:extLst>
+          </p:cNvPr>
+          <p:cNvSpPr>
+            <a:spLocks noGrp="1"/>
+          </p:cNvSpPr>
+          <p:nvPr>
+            <p:ph type="title"/>
+          </p:nvPr>
+        </p:nvSpPr>
+        <p:spPr/>
+        <p:txBody>
+          <a:bodyPr/>
+          <a:lstStyle/>
+          <a:p>
+            <a:r>
+              <a:rPr lang="en-US" sz="1800" dirty="0"/>
+              <a:t>Security &amp; Identity Updates</a:t>
+            </a:r>
+            <a:endParaRPr lang="en-US" dirty="0"/>
+          </a:p>
+        </p:txBody>
+      </p:sp>
+      <p:sp>
+        <p:nvSpPr>
+          <p:cNvPr id="13" name="Text Placeholder 12">
+            <a:extLst>
+              <a:ext uri="{FF2B5EF4-FFF2-40B4-BE49-F238E27FC236}">
+                <a16:creationId xmlns:a16="http://schemas.microsoft.com/office/drawing/2014/main" id="{5B52A8BE-107A-17D0-9868-4A2D8C2F4337}"/>
+              </a:ext>
+            </a:extLst>
+          </p:cNvPr>
+          <p:cNvSpPr>
+            <a:spLocks noGrp="1"/>
+          </p:cNvSpPr>
+          <p:nvPr>
+            <p:ph type="body" sz="quarter" idx="15"/>
+          </p:nvPr>
+        </p:nvSpPr>
+        <p:spPr/>
+        <p:txBody>
+          <a:bodyPr/>
+          <a:lstStyle/>
+          <a:p>
+            <a:endParaRPr lang="en-US"/>
+          </a:p>
+        </p:txBody>
+      </p:sp>
+      <p:sp>
+        <p:nvSpPr>
+          <p:cNvPr id="14" name="Text Placeholder 13">
+            <a:extLst>
+              <a:ext uri="{FF2B5EF4-FFF2-40B4-BE49-F238E27FC236}">
+                <a16:creationId xmlns:a16="http://schemas.microsoft.com/office/drawing/2014/main" id="{6125CF61-DD31-42B7-98F6-ACEF3D4AB8DC}"/>
+              </a:ext>
+            </a:extLst>
+          </p:cNvPr>
+          <p:cNvSpPr>
+            <a:spLocks noGrp="1"/>
+          </p:cNvSpPr>
+          <p:nvPr>
+            <p:ph type="body" sz="quarter" idx="16"/>
+          </p:nvPr>
+        </p:nvSpPr>
+        <p:spPr>
+          <a:xfrm>
+            <a:off x="342900" y="855080"/>
+            <a:ext cx="3955312" cy="1155643"/>
+          </a:xfrm>
+        </p:spPr>
+        <p:txBody>
+          <a:bodyPr/>
+          <a:lstStyle/>
+          <a:p>
+            <a:pPr algn="just"/>
+            <a:r>
+              <a:rPr lang="en-US" dirty="0">
+                <a:hlinkClick r:id="rId2"/>
+              </a:rPr>
+              <a:t>Announcing Unified SOX &amp; DORA Compliance Solutions in Microsoft Sentinel</a:t>
+            </a:r>
+            <a:endParaRPr lang="en-US" dirty="0"/>
+          </a:p>
+          <a:p>
+            <a:pPr algn="just"/>
+            <a:r>
+              <a:rPr lang="en-US" dirty="0"/>
+              <a:t>As regulatory demands intensify, SOX and DORA have become critical compliance frameworks for financial organizations. Microsoft Sentinel now provides dedicated solutions for both, helping security and compliance teams maintain continuous, audit-ready compliance across cloud and enterprise environments.</a:t>
+            </a:r>
+          </a:p>
+        </p:txBody>
+      </p:sp>
+      <p:pic>
+        <p:nvPicPr>
+          <p:cNvPr id="3" name="Picture 2">
+            <a:extLst>
+              <a:ext uri="{FF2B5EF4-FFF2-40B4-BE49-F238E27FC236}">
+                <a16:creationId xmlns:a16="http://schemas.microsoft.com/office/drawing/2014/main" id="{F2B42777-D72E-75CF-C1F4-E606D608E728}"/>
+              </a:ext>
+            </a:extLst>
+          </p:cNvPr>
+          <p:cNvPicPr>
+            <a:picLocks noChangeAspect="1"/>
+          </p:cNvPicPr>
+          <p:nvPr/>
+        </p:nvPicPr>
+        <p:blipFill>
+          <a:blip r:embed="rId3"/>
+          <a:stretch>
+            <a:fillRect/>
+          </a:stretch>
+        </p:blipFill>
+        <p:spPr>
+          <a:xfrm>
+            <a:off x="342900" y="2163248"/>
+            <a:ext cx="3958388" cy="2125172"/>
+          </a:xfrm>
+          <a:prstGeom prst="rect">
+            <a:avLst/>
+          </a:prstGeom>
+        </p:spPr>
+      </p:pic>
+    </p:spTree>
+    <p:extLst>
+      <p:ext uri="{BB962C8B-B14F-4D97-AF65-F5344CB8AC3E}">
+        <p14:creationId xmlns:p14="http://schemas.microsoft.com/office/powerpoint/2010/main" val="2813364561"/>
+      </p:ext>
+    </p:extLst>
+  </p:cSld>
+  <p:clrMapOvr>
+    <a:masterClrMapping/>
+  </p:clrMapOvr>
+  <mc:AlternateContent xmlns:mc="http://schemas.openxmlformats.org/markup-compatibility/2006" xmlns:p14="http://schemas.microsoft.com/office/powerpoint/2010/main">
+    <mc:Choice Requires="p14">
+      <p:transition spd="med" p14:dur="700">
+        <p:fade/>
+      </p:transition>
+    </mc:Choice>
+    <mc:Fallback xmlns="">
+      <p:transition spd="med">
+        <p:fade/>
+      </p:transition>
+    </mc:Fallback>
+  </mc:AlternateContent>
+  <p:timing>
+    <p:tnLst>
+      <p:par>
+        <p:cTn id="1" dur="indefinite" restart="never" nodeType="tmRoot">
+          <p:childTnLst>
+            <p:seq concurrent="1" nextAc="seek">
+              <p:cTn id="2" dur="indefinite" nodeType="mainSeq">
+                <p:childTnLst>
+                  <p:par>
+                    <p:cTn id="3" fill="hold">
+                      <p:stCondLst>
+                        <p:cond delay="indefinite"/>
+                      </p:stCondLst>
+                      <p:childTnLst>
+                        <p:par>
+                          <p:cTn id="4" fill="hold">
+                            <p:stCondLst>
+                              <p:cond delay="0"/>
+                            </p:stCondLst>
+                            <p:childTnLst>
+                              <p:par>
+                                <p:cTn id="5" presetID="1" presetClass="entr" presetSubtype="0" fill="hold" grpId="0" nodeType="clickEffect">
+                                  <p:stCondLst>
+                                    <p:cond delay="0"/>
+                                  </p:stCondLst>
+                                  <p:childTnLst>
+                                    <p:set>
+                                      <p:cBhvr>
+                                        <p:cTn id="6" dur="1" fill="hold">
+                                          <p:stCondLst>
+                                            <p:cond delay="0"/>
+                                          </p:stCondLst>
+                                        </p:cTn>
+                                        <p:tgtEl>
+                                          <p:spTgt spid="14">
+                                            <p:txEl>
+                                              <p:pRg st="0" end="0"/>
+                                            </p:txEl>
+                                          </p:spTgt>
+                                        </p:tgtEl>
+                                        <p:attrNameLst>
+                                          <p:attrName>style.visibility</p:attrName>
+                                        </p:attrNameLst>
+                                      </p:cBhvr>
+                                      <p:to>
+                                        <p:strVal val="visible"/>
+                                      </p:to>
+                                    </p:set>
+                                  </p:childTnLst>
+                                </p:cTn>
+                              </p:par>
+                              <p:par>
+                                <p:cTn id="7" presetID="1" presetClass="entr" presetSubtype="0" fill="hold" grpId="0" nodeType="withEffect">
+                                  <p:stCondLst>
+                                    <p:cond delay="0"/>
+                                  </p:stCondLst>
+                                  <p:childTnLst>
+                                    <p:set>
+                                      <p:cBhvr>
+                                        <p:cTn id="8" dur="1" fill="hold">
+                                          <p:stCondLst>
+                                            <p:cond delay="0"/>
+                                          </p:stCondLst>
+                                        </p:cTn>
+                                        <p:tgtEl>
+                                          <p:spTgt spid="14">
+                                            <p:txEl>
+                                              <p:pRg st="1" end="1"/>
+                                            </p:txEl>
+                                          </p:spTgt>
+                                        </p:tgtEl>
+                                        <p:attrNameLst>
+                                          <p:attrName>style.visibility</p:attrName>
+                                        </p:attrNameLst>
+                                      </p:cBhvr>
+                                      <p:to>
+                                        <p:strVal val="visible"/>
+                                      </p:to>
+                                    </p:set>
+                                  </p:childTnLst>
+                                </p:cTn>
+                              </p:par>
+                              <p:par>
+                                <p:cTn id="9" presetID="1" presetClass="entr" presetSubtype="0" fill="hold" nodeType="withEffect">
+                                  <p:stCondLst>
+                                    <p:cond delay="0"/>
+                                  </p:stCondLst>
+                                  <p:childTnLst>
+                                    <p:set>
+                                      <p:cBhvr>
+                                        <p:cTn id="10" dur="1" fill="hold">
+                                          <p:stCondLst>
+                                            <p:cond delay="0"/>
+                                          </p:stCondLst>
+                                        </p:cTn>
+                                        <p:tgtEl>
+                                          <p:spTgt spid="3"/>
+                                        </p:tgtEl>
+                                        <p:attrNameLst>
+                                          <p:attrName>style.visibility</p:attrName>
+                                        </p:attrNameLst>
+                                      </p:cBhvr>
+                                      <p:to>
+                                        <p:strVal val="visible"/>
+                                      </p:to>
+                                    </p:set>
+                                  </p:childTnLst>
+                                </p:cTn>
+                              </p:par>
+                            </p:childTnLst>
+                          </p:cTn>
+                        </p:par>
+                      </p:childTnLst>
+                    </p:cTn>
+                  </p:par>
+                </p:childTnLst>
+              </p:cTn>
+              <p:prevCondLst>
+                <p:cond evt="onPrev" delay="0">
+                  <p:tgtEl>
+                    <p:sldTgt/>
+                  </p:tgtEl>
+                </p:cond>
+              </p:prevCondLst>
+              <p:nextCondLst>
+                <p:cond evt="onNext" delay="0">
+                  <p:tgtEl>
+                    <p:sldTgt/>
+                  </p:tgtEl>
+                </p:cond>
+              </p:nextCondLst>
+            </p:seq>
+          </p:childTnLst>
+        </p:cTn>
+      </p:par>
+    </p:tnLst>
+    <p:bldLst>
+      <p:bldP spid="14" grpId="0" build="p"/>
+    </p:bldLst>
+  </p:timing>
+</p:sld>
+</file>
+
+<file path=ppt/slides/slide7.xml><?xml version="1.0" encoding="utf-8"?>
+<p:sld xmlns:a="http://schemas.openxmlformats.org/drawingml/2006/main" xmlns:r="http://schemas.openxmlformats.org/officeDocument/2006/relationships" xmlns:p="http://schemas.openxmlformats.org/presentationml/2006/main" showMasterSp="0">
+  <p:cSld>
+    <p:spTree>
+      <p:nvGrpSpPr>
+        <p:cNvPr id="1" name=""/>
+        <p:cNvGrpSpPr/>
+        <p:nvPr/>
+      </p:nvGrpSpPr>
+      <p:grpSpPr>
+        <a:xfrm>
+          <a:off x="0" y="0"/>
+          <a:ext cx="0" cy="0"/>
+          <a:chOff x="0" y="0"/>
+          <a:chExt cx="0" cy="0"/>
+        </a:xfrm>
+      </p:grpSpPr>
+      <p:sp>
+        <p:nvSpPr>
+          <p:cNvPr id="4" name="Text Placeholder 3">
+            <a:extLst>
+              <a:ext uri="{FF2B5EF4-FFF2-40B4-BE49-F238E27FC236}">
+                <a16:creationId xmlns:a16="http://schemas.microsoft.com/office/drawing/2014/main" id="{17F39168-7046-60A5-1EEA-8D2B5EAAE24F}"/>
+              </a:ext>
+            </a:extLst>
+          </p:cNvPr>
+          <p:cNvSpPr>
+            <a:spLocks noGrp="1"/>
+          </p:cNvSpPr>
+          <p:nvPr>
+            <p:ph type="body" sz="quarter" idx="13"/>
+          </p:nvPr>
+        </p:nvSpPr>
+        <p:spPr>
+          <a:xfrm>
+            <a:off x="252845" y="1285875"/>
+            <a:ext cx="8796812" cy="1714500"/>
+          </a:xfrm>
+        </p:spPr>
+        <p:txBody>
+          <a:bodyPr/>
+          <a:lstStyle/>
+          <a:p>
+            <a:r>
+              <a:rPr lang="en-US" sz="4000" dirty="0"/>
+              <a:t>Management &amp; Governance</a:t>
+            </a:r>
+          </a:p>
+        </p:txBody>
+      </p:sp>
+    </p:spTree>
+    <p:extLst>
+      <p:ext uri="{BB962C8B-B14F-4D97-AF65-F5344CB8AC3E}">
+        <p14:creationId xmlns:p14="http://schemas.microsoft.com/office/powerpoint/2010/main" val="3479183145"/>
+      </p:ext>
+    </p:extLst>
+  </p:cSld>
+  <p:clrMapOvr>
+    <a:masterClrMapping/>
+  </p:clrMapOvr>
+</p:sld>
+</file>
+
+<file path=ppt/slides/slide8.xml><?xml version="1.0" encoding="utf-8"?>
+<p:sld xmlns:a="http://schemas.openxmlformats.org/drawingml/2006/main" xmlns:r="http://schemas.openxmlformats.org/officeDocument/2006/relationships" xmlns:p="http://schemas.openxmlformats.org/presentationml/2006/main" showMasterSp="0">
+  <p:cSld>
+    <p:spTree>
+      <p:nvGrpSpPr>
+        <p:cNvPr id="1" name=""/>
+        <p:cNvGrpSpPr/>
+        <p:nvPr/>
+      </p:nvGrpSpPr>
+      <p:grpSpPr>
+        <a:xfrm>
+          <a:off x="0" y="0"/>
+          <a:ext cx="0" cy="0"/>
+          <a:chOff x="0" y="0"/>
+          <a:chExt cx="0" cy="0"/>
+        </a:xfrm>
+      </p:grpSpPr>
+      <p:sp>
+        <p:nvSpPr>
+          <p:cNvPr id="12" name="Text Placeholder 11">
+            <a:extLst>
+              <a:ext uri="{FF2B5EF4-FFF2-40B4-BE49-F238E27FC236}">
+                <a16:creationId xmlns:a16="http://schemas.microsoft.com/office/drawing/2014/main" id="{F5D0A865-EAC9-D4DF-765C-2BBCA9EC1F5C}"/>
+              </a:ext>
+            </a:extLst>
+          </p:cNvPr>
+          <p:cNvSpPr>
+            <a:spLocks noGrp="1"/>
+          </p:cNvSpPr>
+          <p:nvPr>
+            <p:ph type="body" sz="quarter" idx="10"/>
+          </p:nvPr>
+        </p:nvSpPr>
+        <p:spPr/>
+        <p:txBody>
+          <a:bodyPr/>
+          <a:lstStyle/>
+          <a:p>
+            <a:endParaRPr lang="en-US" sz="1000" dirty="0"/>
+          </a:p>
+        </p:txBody>
+      </p:sp>
+      <p:sp>
+        <p:nvSpPr>
+          <p:cNvPr id="11" name="Title 10">
+            <a:extLst>
+              <a:ext uri="{FF2B5EF4-FFF2-40B4-BE49-F238E27FC236}">
+                <a16:creationId xmlns:a16="http://schemas.microsoft.com/office/drawing/2014/main" id="{0A19052D-1C06-3BF6-CD73-31098A5519FB}"/>
+              </a:ext>
+            </a:extLst>
+          </p:cNvPr>
+          <p:cNvSpPr>
+            <a:spLocks noGrp="1"/>
+          </p:cNvSpPr>
+          <p:nvPr>
+            <p:ph type="title"/>
+          </p:nvPr>
+        </p:nvSpPr>
+        <p:spPr/>
+        <p:txBody>
+          <a:bodyPr/>
+          <a:lstStyle/>
+          <a:p>
+            <a:r>
+              <a:rPr lang="en-US" sz="1800" dirty="0"/>
+              <a:t>Management &amp; Governance Updates</a:t>
+            </a:r>
+            <a:endParaRPr lang="en-US" dirty="0"/>
+          </a:p>
+        </p:txBody>
+      </p:sp>
+      <p:sp>
+        <p:nvSpPr>
+          <p:cNvPr id="13" name="Text Placeholder 12">
+            <a:extLst>
+              <a:ext uri="{FF2B5EF4-FFF2-40B4-BE49-F238E27FC236}">
+                <a16:creationId xmlns:a16="http://schemas.microsoft.com/office/drawing/2014/main" id="{AB83368C-23D2-63DD-1F2B-65AB8A48B236}"/>
+              </a:ext>
+            </a:extLst>
+          </p:cNvPr>
+          <p:cNvSpPr>
+            <a:spLocks noGrp="1"/>
+          </p:cNvSpPr>
+          <p:nvPr>
+            <p:ph type="body" sz="quarter" idx="15"/>
+          </p:nvPr>
+        </p:nvSpPr>
+        <p:spPr/>
+        <p:txBody>
+          <a:bodyPr/>
+          <a:lstStyle/>
+          <a:p>
+            <a:endParaRPr lang="en-US"/>
+          </a:p>
+        </p:txBody>
+      </p:sp>
+      <p:sp>
+        <p:nvSpPr>
+          <p:cNvPr id="14" name="Text Placeholder 13">
+            <a:extLst>
+              <a:ext uri="{FF2B5EF4-FFF2-40B4-BE49-F238E27FC236}">
+                <a16:creationId xmlns:a16="http://schemas.microsoft.com/office/drawing/2014/main" id="{1DF1A36F-4250-259D-24AE-F82FE69A7F7E}"/>
+              </a:ext>
+            </a:extLst>
+          </p:cNvPr>
+          <p:cNvSpPr>
+            <a:spLocks noGrp="1"/>
+          </p:cNvSpPr>
+          <p:nvPr>
+            <p:ph type="body" sz="quarter" idx="16"/>
+          </p:nvPr>
+        </p:nvSpPr>
+        <p:spPr>
+          <a:xfrm>
+            <a:off x="342900" y="855081"/>
+            <a:ext cx="3955312" cy="1620024"/>
+          </a:xfrm>
+        </p:spPr>
+        <p:txBody>
+          <a:bodyPr/>
+          <a:lstStyle/>
+          <a:p>
+            <a:r>
+              <a:rPr lang="en-US" dirty="0">
+                <a:hlinkClick r:id="rId2"/>
+              </a:rPr>
+              <a:t>Azure Arc Portal Update: Simplifying Onboarding and Management at Scale</a:t>
+            </a:r>
+            <a:endParaRPr lang="ru-RU" dirty="0"/>
+          </a:p>
+          <a:p>
+            <a:pPr marL="171450" indent="-171450">
+              <a:buFont typeface="Arial" panose="020B0604020202020204" pitchFamily="34" charset="0"/>
+              <a:buChar char="•"/>
+            </a:pPr>
+            <a:r>
+              <a:rPr lang="en-US" dirty="0"/>
+              <a:t>Improved Learnability &amp; Discoverability:</a:t>
+            </a:r>
+          </a:p>
+          <a:p>
+            <a:pPr marL="514350" lvl="1" indent="-171450">
+              <a:buFont typeface="Arial" panose="020B0604020202020204" pitchFamily="34" charset="0"/>
+              <a:buChar char="•"/>
+            </a:pPr>
+            <a:r>
+              <a:rPr lang="en-US" sz="1000" dirty="0">
+                <a:latin typeface="+mj-lt"/>
+              </a:rPr>
+              <a:t>Redesigned Landing Page</a:t>
+            </a:r>
+          </a:p>
+          <a:p>
+            <a:pPr marL="514350" lvl="1" indent="-171450">
+              <a:buFont typeface="Arial" panose="020B0604020202020204" pitchFamily="34" charset="0"/>
+              <a:buChar char="•"/>
+            </a:pPr>
+            <a:r>
+              <a:rPr lang="en-US" sz="1000" dirty="0">
+                <a:latin typeface="+mj-lt"/>
+              </a:rPr>
+              <a:t>Guided Onboarding</a:t>
+            </a:r>
+          </a:p>
+          <a:p>
+            <a:pPr marL="514350" lvl="1" indent="-171450">
+              <a:buFont typeface="Arial" panose="020B0604020202020204" pitchFamily="34" charset="0"/>
+              <a:buChar char="•"/>
+            </a:pPr>
+            <a:r>
+              <a:rPr lang="en-US" sz="1000" dirty="0">
+                <a:latin typeface="+mj-lt"/>
+              </a:rPr>
+              <a:t>Refreshed Navigation</a:t>
+            </a:r>
+          </a:p>
+          <a:p>
+            <a:pPr marL="171450" indent="-171450">
+              <a:buFont typeface="Arial" panose="020B0604020202020204" pitchFamily="34" charset="0"/>
+              <a:buChar char="•"/>
+            </a:pPr>
+            <a:r>
+              <a:rPr lang="en-US" dirty="0"/>
+              <a:t>Unified Machine Onboarding</a:t>
+            </a:r>
+          </a:p>
+          <a:p>
+            <a:pPr marL="171450" indent="-171450">
+              <a:buFont typeface="Arial" panose="020B0604020202020204" pitchFamily="34" charset="0"/>
+              <a:buChar char="•"/>
+            </a:pPr>
+            <a:r>
+              <a:rPr lang="en-US" dirty="0"/>
+              <a:t>More Actionable Arc Portal Dashboards</a:t>
+            </a:r>
+          </a:p>
+          <a:p>
+            <a:endParaRPr lang="ru-RU" sz="1250" dirty="0"/>
+          </a:p>
+        </p:txBody>
+      </p:sp>
+      <p:pic>
+        <p:nvPicPr>
+          <p:cNvPr id="3" name="Picture 2">
+            <a:extLst>
+              <a:ext uri="{FF2B5EF4-FFF2-40B4-BE49-F238E27FC236}">
+                <a16:creationId xmlns:a16="http://schemas.microsoft.com/office/drawing/2014/main" id="{EECF9AAA-A055-3E04-B4A0-78E6871A41FF}"/>
+              </a:ext>
+            </a:extLst>
+          </p:cNvPr>
+          <p:cNvPicPr>
+            <a:picLocks noChangeAspect="1"/>
+          </p:cNvPicPr>
+          <p:nvPr/>
+        </p:nvPicPr>
+        <p:blipFill>
+          <a:blip r:embed="rId3"/>
+          <a:stretch>
+            <a:fillRect/>
+          </a:stretch>
+        </p:blipFill>
+        <p:spPr>
+          <a:xfrm>
+            <a:off x="781664" y="2475105"/>
+            <a:ext cx="2650926" cy="1919795"/>
+          </a:xfrm>
+          <a:prstGeom prst="rect">
+            <a:avLst/>
+          </a:prstGeom>
+        </p:spPr>
+      </p:pic>
+    </p:spTree>
+    <p:extLst>
+      <p:ext uri="{BB962C8B-B14F-4D97-AF65-F5344CB8AC3E}">
+        <p14:creationId xmlns:p14="http://schemas.microsoft.com/office/powerpoint/2010/main" val="520864076"/>
+      </p:ext>
+    </p:extLst>
+  </p:cSld>
+  <p:clrMapOvr>
+    <a:masterClrMapping/>
+  </p:clrMapOvr>
+  <mc:AlternateContent xmlns:mc="http://schemas.openxmlformats.org/markup-compatibility/2006" xmlns:p14="http://schemas.microsoft.com/office/powerpoint/2010/main">
+    <mc:Choice Requires="p14">
+      <p:transition spd="med" p14:dur="700">
+        <p:fade/>
+      </p:transition>
+    </mc:Choice>
+    <mc:Fallback xmlns="">
+      <p:transition spd="med">
+        <p:fade/>
+      </p:transition>
+    </mc:Fallback>
+  </mc:AlternateContent>
+  <p:timing>
+    <p:tnLst>
+      <p:par>
+        <p:cTn id="1" dur="indefinite" restart="never" nodeType="tmRoot">
+          <p:childTnLst>
+            <p:seq concurrent="1" nextAc="seek">
+              <p:cTn id="2" dur="indefinite" nodeType="mainSeq">
+                <p:childTnLst>
+                  <p:par>
+                    <p:cTn id="3" fill="hold">
+                      <p:stCondLst>
+                        <p:cond delay="indefinite"/>
+                      </p:stCondLst>
+                      <p:childTnLst>
+                        <p:par>
+                          <p:cTn id="4" fill="hold">
+                            <p:stCondLst>
+                              <p:cond delay="0"/>
+                            </p:stCondLst>
+                            <p:childTnLst>
+                              <p:par>
+                                <p:cTn id="5" presetID="1" presetClass="entr" presetSubtype="0" fill="hold" grpId="0" nodeType="clickEffect">
+                                  <p:stCondLst>
+                                    <p:cond delay="0"/>
+                                  </p:stCondLst>
+                                  <p:childTnLst>
+                                    <p:set>
+                                      <p:cBhvr>
+                                        <p:cTn id="6" dur="1" fill="hold">
+                                          <p:stCondLst>
+                                            <p:cond delay="0"/>
+                                          </p:stCondLst>
+                                        </p:cTn>
+                                        <p:tgtEl>
+                                          <p:spTgt spid="14">
+                                            <p:txEl>
+                                              <p:pRg st="0" end="0"/>
+                                            </p:txEl>
+                                          </p:spTgt>
+                                        </p:tgtEl>
+                                        <p:attrNameLst>
+                                          <p:attrName>style.visibility</p:attrName>
+                                        </p:attrNameLst>
+                                      </p:cBhvr>
+                                      <p:to>
+                                        <p:strVal val="visible"/>
+                                      </p:to>
+                                    </p:set>
+                                  </p:childTnLst>
+                                </p:cTn>
+                              </p:par>
+                              <p:par>
+                                <p:cTn id="7" presetID="1" presetClass="entr" presetSubtype="0" fill="hold" grpId="0" nodeType="withEffect">
+                                  <p:stCondLst>
+                                    <p:cond delay="0"/>
+                                  </p:stCondLst>
+                                  <p:childTnLst>
+                                    <p:set>
+                                      <p:cBhvr>
+                                        <p:cTn id="8" dur="1" fill="hold">
+                                          <p:stCondLst>
+                                            <p:cond delay="0"/>
+                                          </p:stCondLst>
+                                        </p:cTn>
+                                        <p:tgtEl>
+                                          <p:spTgt spid="14">
+                                            <p:txEl>
+                                              <p:pRg st="1" end="1"/>
+                                            </p:txEl>
+                                          </p:spTgt>
+                                        </p:tgtEl>
+                                        <p:attrNameLst>
+                                          <p:attrName>style.visibility</p:attrName>
+                                        </p:attrNameLst>
+                                      </p:cBhvr>
+                                      <p:to>
+                                        <p:strVal val="visible"/>
+                                      </p:to>
+                                    </p:set>
+                                  </p:childTnLst>
+                                </p:cTn>
+                              </p:par>
+                              <p:par>
+                                <p:cTn id="9" presetID="1" presetClass="entr" presetSubtype="0" fill="hold" grpId="0" nodeType="withEffect">
+                                  <p:stCondLst>
+                                    <p:cond delay="0"/>
+                                  </p:stCondLst>
+                                  <p:childTnLst>
+                                    <p:set>
+                                      <p:cBhvr>
+                                        <p:cTn id="10" dur="1" fill="hold">
+                                          <p:stCondLst>
+                                            <p:cond delay="0"/>
+                                          </p:stCondLst>
+                                        </p:cTn>
+                                        <p:tgtEl>
+                                          <p:spTgt spid="14">
+                                            <p:txEl>
+                                              <p:pRg st="2" end="2"/>
+                                            </p:txEl>
+                                          </p:spTgt>
+                                        </p:tgtEl>
+                                        <p:attrNameLst>
+                                          <p:attrName>style.visibility</p:attrName>
+                                        </p:attrNameLst>
+                                      </p:cBhvr>
+                                      <p:to>
+                                        <p:strVal val="visible"/>
+                                      </p:to>
+                                    </p:set>
+                                  </p:childTnLst>
+                                </p:cTn>
+                              </p:par>
+                              <p:par>
+                                <p:cTn id="11" presetID="1" presetClass="entr" presetSubtype="0" fill="hold" grpId="0" nodeType="withEffect">
+                                  <p:stCondLst>
+                                    <p:cond delay="0"/>
+                                  </p:stCondLst>
+                                  <p:childTnLst>
+                                    <p:set>
+                                      <p:cBhvr>
+                                        <p:cTn id="12" dur="1" fill="hold">
+                                          <p:stCondLst>
+                                            <p:cond delay="0"/>
+                                          </p:stCondLst>
+                                        </p:cTn>
+                                        <p:tgtEl>
+                                          <p:spTgt spid="14">
+                                            <p:txEl>
+                                              <p:pRg st="3" end="3"/>
+                                            </p:txEl>
+                                          </p:spTgt>
+                                        </p:tgtEl>
+                                        <p:attrNameLst>
+                                          <p:attrName>style.visibility</p:attrName>
+                                        </p:attrNameLst>
+                                      </p:cBhvr>
+                                      <p:to>
+                                        <p:strVal val="visible"/>
+                                      </p:to>
+                                    </p:set>
+                                  </p:childTnLst>
+                                </p:cTn>
+                              </p:par>
+                              <p:par>
+                                <p:cTn id="13" presetID="1" presetClass="entr" presetSubtype="0" fill="hold" grpId="0" nodeType="withEffect">
+                                  <p:stCondLst>
+                                    <p:cond delay="0"/>
+                                  </p:stCondLst>
+                                  <p:childTnLst>
+                                    <p:set>
+                                      <p:cBhvr>
+                                        <p:cTn id="14" dur="1" fill="hold">
+                                          <p:stCondLst>
+                                            <p:cond delay="0"/>
+                                          </p:stCondLst>
+                                        </p:cTn>
+                                        <p:tgtEl>
+                                          <p:spTgt spid="14">
+                                            <p:txEl>
+                                              <p:pRg st="4" end="4"/>
+                                            </p:txEl>
+                                          </p:spTgt>
+                                        </p:tgtEl>
+                                        <p:attrNameLst>
+                                          <p:attrName>style.visibility</p:attrName>
+                                        </p:attrNameLst>
+                                      </p:cBhvr>
+                                      <p:to>
+                                        <p:strVal val="visible"/>
+                                      </p:to>
+                                    </p:set>
+                                  </p:childTnLst>
+                                </p:cTn>
+                              </p:par>
+                              <p:par>
+                                <p:cTn id="15" presetID="1" presetClass="entr" presetSubtype="0" fill="hold" grpId="0" nodeType="withEffect">
+                                  <p:stCondLst>
+                                    <p:cond delay="0"/>
+                                  </p:stCondLst>
+                                  <p:childTnLst>
+                                    <p:set>
+                                      <p:cBhvr>
+                                        <p:cTn id="16" dur="1" fill="hold">
+                                          <p:stCondLst>
+                                            <p:cond delay="0"/>
+                                          </p:stCondLst>
+                                        </p:cTn>
+                                        <p:tgtEl>
+                                          <p:spTgt spid="14">
+                                            <p:txEl>
+                                              <p:pRg st="5" end="5"/>
+                                            </p:txEl>
+                                          </p:spTgt>
+                                        </p:tgtEl>
+                                        <p:attrNameLst>
+                                          <p:attrName>style.visibility</p:attrName>
+                                        </p:attrNameLst>
+                                      </p:cBhvr>
+                                      <p:to>
+                                        <p:strVal val="visible"/>
+                                      </p:to>
+                                    </p:set>
+                                  </p:childTnLst>
+                                </p:cTn>
+                              </p:par>
+                              <p:par>
+                                <p:cTn id="17" presetID="1" presetClass="entr" presetSubtype="0" fill="hold" grpId="0" nodeType="withEffect">
+                                  <p:stCondLst>
+                                    <p:cond delay="0"/>
+                                  </p:stCondLst>
+                                  <p:childTnLst>
+                                    <p:set>
+                                      <p:cBhvr>
+                                        <p:cTn id="18" dur="1" fill="hold">
+                                          <p:stCondLst>
+                                            <p:cond delay="0"/>
+                                          </p:stCondLst>
+                                        </p:cTn>
+                                        <p:tgtEl>
+                                          <p:spTgt spid="14">
+                                            <p:txEl>
+                                              <p:pRg st="6" end="6"/>
+                                            </p:txEl>
+                                          </p:spTgt>
+                                        </p:tgtEl>
+                                        <p:attrNameLst>
+                                          <p:attrName>style.visibility</p:attrName>
+                                        </p:attrNameLst>
+                                      </p:cBhvr>
+                                      <p:to>
+                                        <p:strVal val="visible"/>
+                                      </p:to>
+                                    </p:set>
+                                  </p:childTnLst>
+                                </p:cTn>
+                              </p:par>
+                              <p:par>
+                                <p:cTn id="19" presetID="1" presetClass="entr" presetSubtype="0" fill="hold" nodeType="withEffect">
+                                  <p:stCondLst>
+                                    <p:cond delay="0"/>
+                                  </p:stCondLst>
+                                  <p:childTnLst>
+                                    <p:set>
+                                      <p:cBhvr>
+                                        <p:cTn id="20" dur="1" fill="hold">
+                                          <p:stCondLst>
+                                            <p:cond delay="0"/>
+                                          </p:stCondLst>
+                                        </p:cTn>
+                                        <p:tgtEl>
+                                          <p:spTgt spid="3"/>
+                                        </p:tgtEl>
+                                        <p:attrNameLst>
+                                          <p:attrName>style.visibility</p:attrName>
+                                        </p:attrNameLst>
+                                      </p:cBhvr>
+                                      <p:to>
+                                        <p:strVal val="visible"/>
+                                      </p:to>
+                                    </p:set>
+                                  </p:childTnLst>
+                                </p:cTn>
+                              </p:par>
+                            </p:childTnLst>
+                          </p:cTn>
+                        </p:par>
+                      </p:childTnLst>
+                    </p:cTn>
+                  </p:par>
+                </p:childTnLst>
+              </p:cTn>
+              <p:prevCondLst>
+                <p:cond evt="onPrev" delay="0">
+                  <p:tgtEl>
+                    <p:sldTgt/>
+                  </p:tgtEl>
+                </p:cond>
+              </p:prevCondLst>
+              <p:nextCondLst>
+                <p:cond evt="onNext" delay="0">
+                  <p:tgtEl>
+                    <p:sldTgt/>
+                  </p:tgtEl>
+                </p:cond>
+              </p:nextCondLst>
+            </p:seq>
+          </p:childTnLst>
+        </p:cTn>
+      </p:par>
+    </p:tnLst>
+    <p:bldLst>
+      <p:bldP spid="14" grpId="0" build="p"/>
+    </p:bldLst>
+  </p:timing>
+</p:sld>
+</file>
+
+<file path=ppt/slides/slide9.xml><?xml version="1.0" encoding="utf-8"?>
+<p:sld xmlns:a="http://schemas.openxmlformats.org/drawingml/2006/main" xmlns:r="http://schemas.openxmlformats.org/officeDocument/2006/relationships" xmlns:p="http://schemas.openxmlformats.org/presentationml/2006/main" showMasterSp="0">
+  <p:cSld>
+    <p:spTree>
+      <p:nvGrpSpPr>
+        <p:cNvPr id="1" name=""/>
+        <p:cNvGrpSpPr/>
+        <p:nvPr/>
+      </p:nvGrpSpPr>
+      <p:grpSpPr>
+        <a:xfrm>
+          <a:off x="0" y="0"/>
+          <a:ext cx="0" cy="0"/>
+          <a:chOff x="0" y="0"/>
+          <a:chExt cx="0" cy="0"/>
+        </a:xfrm>
+      </p:grpSpPr>
+      <p:sp>
+        <p:nvSpPr>
+          <p:cNvPr id="4" name="Text Placeholder 3">
+            <a:extLst>
+              <a:ext uri="{FF2B5EF4-FFF2-40B4-BE49-F238E27FC236}">
+                <a16:creationId xmlns:a16="http://schemas.microsoft.com/office/drawing/2014/main" id="{17F39168-7046-60A5-1EEA-8D2B5EAAE24F}"/>
+              </a:ext>
+            </a:extLst>
+          </p:cNvPr>
+          <p:cNvSpPr>
+            <a:spLocks noGrp="1"/>
+          </p:cNvSpPr>
+          <p:nvPr>
+            <p:ph type="body" sz="quarter" idx="13"/>
+          </p:nvPr>
+        </p:nvSpPr>
+        <p:spPr/>
+        <p:txBody>
+          <a:bodyPr/>
+          <a:lstStyle/>
+          <a:p>
+            <a:r>
+              <a:rPr lang="en-US" sz="4000" dirty="0"/>
+              <a:t>Compute</a:t>
+            </a:r>
+          </a:p>
+        </p:txBody>
+      </p:sp>
+    </p:spTree>
+    <p:extLst>
+      <p:ext uri="{BB962C8B-B14F-4D97-AF65-F5344CB8AC3E}">
+        <p14:creationId xmlns:p14="http://schemas.microsoft.com/office/powerpoint/2010/main" val="274742856"/>
+      </p:ext>
+    </p:extLst>
+  </p:cSld>
+  <p:clrMapOvr>
+    <a:masterClrMapping/>
+  </p:clrMapOvr>
 </p:sld>
 </file>
 
@@ -8349,18 +10439,18 @@
 </file>
 
 <file path=customXml/item1.xml><?xml version="1.0" encoding="utf-8"?>
-<p:properties xmlns:p="http://schemas.microsoft.com/office/2006/metadata/properties" xmlns:xsi="http://www.w3.org/2001/XMLSchema-instance" xmlns:pc="http://schemas.microsoft.com/office/infopath/2007/PartnerControls">
-  <documentManagement/>
-</p:properties>
-</file>
-
-<file path=customXml/item2.xml><?xml version="1.0" encoding="utf-8"?>
 <?mso-contentType ?>
 <FormTemplates xmlns="http://schemas.microsoft.com/sharepoint/v3/contenttype/forms">
   <Display>DocumentLibraryForm</Display>
   <Edit>DocumentLibraryForm</Edit>
   <New>DocumentLibraryForm</New>
 </FormTemplates>
+</file>
+
+<file path=customXml/item2.xml><?xml version="1.0" encoding="utf-8"?>
+<p:properties xmlns:p="http://schemas.microsoft.com/office/2006/metadata/properties" xmlns:xsi="http://www.w3.org/2001/XMLSchema-instance" xmlns:pc="http://schemas.microsoft.com/office/infopath/2007/PartnerControls">
+  <documentManagement/>
+</p:properties>
 </file>
 
 <file path=customXml/item3.xml><?xml version="1.0" encoding="utf-8"?>
@@ -8543,6 +10633,14 @@
 </file>
 
 <file path=customXml/itemProps1.xml><?xml version="1.0" encoding="utf-8"?>
+<ds:datastoreItem xmlns:ds="http://schemas.openxmlformats.org/officeDocument/2006/customXml" ds:itemID="{EE04B39D-0CBA-4F8F-8809-785207E87965}">
+  <ds:schemaRefs>
+    <ds:schemaRef ds:uri="http://schemas.microsoft.com/sharepoint/v3/contenttype/forms"/>
+  </ds:schemaRefs>
+</ds:datastoreItem>
+</file>
+
+<file path=customXml/itemProps2.xml><?xml version="1.0" encoding="utf-8"?>
 <ds:datastoreItem xmlns:ds="http://schemas.openxmlformats.org/officeDocument/2006/customXml" ds:itemID="{4DE7C614-AA74-4D4D-9D2D-D96DA5126C78}">
   <ds:schemaRefs>
     <ds:schemaRef ds:uri="http://schemas.microsoft.com/office/2006/metadata/properties"/>
@@ -8555,14 +10653,6 @@
     <ds:schemaRef ds:uri="http://schemas.openxmlformats.org/package/2006/metadata/core-properties"/>
     <ds:schemaRef ds:uri="4e7ac07f-2cd6-47aa-8863-e3015989625c"/>
     <ds:schemaRef ds:uri="http://www.w3.org/XML/1998/namespace"/>
-  </ds:schemaRefs>
-</ds:datastoreItem>
-</file>
-
-<file path=customXml/itemProps2.xml><?xml version="1.0" encoding="utf-8"?>
-<ds:datastoreItem xmlns:ds="http://schemas.openxmlformats.org/officeDocument/2006/customXml" ds:itemID="{EE04B39D-0CBA-4F8F-8809-785207E87965}">
-  <ds:schemaRefs>
-    <ds:schemaRef ds:uri="http://schemas.microsoft.com/sharepoint/v3/contenttype/forms"/>
   </ds:schemaRefs>
 </ds:datastoreItem>
 </file>
